--- a/files/2. 开题答辩/201931031311_卓悦_西南石油大学毕业设计（论文）开题报告.pptx
+++ b/files/2. 开题答辩/201931031311_卓悦_西南石油大学毕业设计（论文）开题报告.pptx
@@ -5,32 +5,32 @@
     <p:sldMasterId id="2147483648" r:id="rId1"/>
   </p:sldMasterIdLst>
   <p:notesMasterIdLst>
-    <p:notesMasterId r:id="rId4"/>
+    <p:notesMasterId r:id="rId20"/>
   </p:notesMasterIdLst>
   <p:sldIdLst>
-    <p:sldId id="365" r:id="rId3"/>
-    <p:sldId id="356" r:id="rId5"/>
-    <p:sldId id="357" r:id="rId6"/>
-    <p:sldId id="258" r:id="rId7"/>
-    <p:sldId id="265" r:id="rId8"/>
-    <p:sldId id="305" r:id="rId9"/>
-    <p:sldId id="359" r:id="rId10"/>
-    <p:sldId id="256" r:id="rId11"/>
-    <p:sldId id="307" r:id="rId12"/>
-    <p:sldId id="369" r:id="rId13"/>
-    <p:sldId id="366" r:id="rId14"/>
-    <p:sldId id="367" r:id="rId15"/>
-    <p:sldId id="308" r:id="rId16"/>
-    <p:sldId id="360" r:id="rId17"/>
-    <p:sldId id="329" r:id="rId18"/>
-    <p:sldId id="368" r:id="rId19"/>
-    <p:sldId id="319" r:id="rId20"/>
-    <p:sldId id="363" r:id="rId21"/>
+    <p:sldId id="365" r:id="rId2"/>
+    <p:sldId id="356" r:id="rId3"/>
+    <p:sldId id="357" r:id="rId4"/>
+    <p:sldId id="258" r:id="rId5"/>
+    <p:sldId id="265" r:id="rId6"/>
+    <p:sldId id="305" r:id="rId7"/>
+    <p:sldId id="359" r:id="rId8"/>
+    <p:sldId id="256" r:id="rId9"/>
+    <p:sldId id="307" r:id="rId10"/>
+    <p:sldId id="369" r:id="rId11"/>
+    <p:sldId id="366" r:id="rId12"/>
+    <p:sldId id="367" r:id="rId13"/>
+    <p:sldId id="308" r:id="rId14"/>
+    <p:sldId id="360" r:id="rId15"/>
+    <p:sldId id="329" r:id="rId16"/>
+    <p:sldId id="368" r:id="rId17"/>
+    <p:sldId id="319" r:id="rId18"/>
+    <p:sldId id="363" r:id="rId19"/>
   </p:sldIdLst>
   <p:sldSz cx="12192000" cy="6858000"/>
   <p:notesSz cx="6858000" cy="9144000"/>
   <p:custDataLst>
-    <p:tags r:id="rId25"/>
+    <p:tags r:id="rId21"/>
   </p:custDataLst>
   <p:defaultTextStyle>
     <a:defPPr>
@@ -238,6 +238,7 @@
           <a:p>
             <a:fld id="{3ABB2E5B-1A0B-4F0A-9547-4FB8D13F2C5F}" type="datetimeFigureOut">
               <a:rPr lang="zh-CN" altLang="en-US" smtClean="0"/>
+              <a:t>2024/1/25</a:t>
             </a:fld>
             <a:endParaRPr lang="zh-CN" altLang="en-US"/>
           </a:p>
@@ -304,7 +305,6 @@
               <a:rPr lang="zh-CN" altLang="en-US"/>
               <a:t>单击此处编辑母版文本样式</a:t>
             </a:r>
-            <a:endParaRPr lang="zh-CN" altLang="en-US"/>
           </a:p>
           <a:p>
             <a:pPr lvl="1"/>
@@ -312,7 +312,6 @@
               <a:rPr lang="zh-CN" altLang="en-US"/>
               <a:t>第二级</a:t>
             </a:r>
-            <a:endParaRPr lang="zh-CN" altLang="en-US"/>
           </a:p>
           <a:p>
             <a:pPr lvl="2"/>
@@ -320,7 +319,6 @@
               <a:rPr lang="zh-CN" altLang="en-US"/>
               <a:t>第三级</a:t>
             </a:r>
-            <a:endParaRPr lang="zh-CN" altLang="en-US"/>
           </a:p>
           <a:p>
             <a:pPr lvl="3"/>
@@ -328,7 +326,6 @@
               <a:rPr lang="zh-CN" altLang="en-US"/>
               <a:t>第四级</a:t>
             </a:r>
-            <a:endParaRPr lang="zh-CN" altLang="en-US"/>
           </a:p>
           <a:p>
             <a:pPr lvl="4"/>
@@ -336,7 +333,6 @@
               <a:rPr lang="zh-CN" altLang="en-US"/>
               <a:t>第五级</a:t>
             </a:r>
-            <a:endParaRPr lang="zh-CN" altLang="en-US"/>
           </a:p>
         </p:txBody>
       </p:sp>
@@ -400,6 +396,7 @@
           <a:p>
             <a:fld id="{59E3CF89-91F4-45FB-A589-58532703FCA1}" type="slidenum">
               <a:rPr lang="zh-CN" altLang="en-US" smtClean="0"/>
+              <a:t>‹#›</a:t>
             </a:fld>
             <a:endParaRPr lang="zh-CN" altLang="en-US"/>
           </a:p>
@@ -568,6 +565,7 @@
           <a:p>
             <a:fld id="{59E3CF89-91F4-45FB-A589-58532703FCA1}" type="slidenum">
               <a:rPr lang="zh-CN" altLang="en-US" smtClean="0"/>
+              <a:t>1</a:t>
             </a:fld>
             <a:endParaRPr lang="zh-CN" altLang="en-US"/>
           </a:p>
@@ -646,6 +644,7 @@
           <a:p>
             <a:fld id="{59E3CF89-91F4-45FB-A589-58532703FCA1}" type="slidenum">
               <a:rPr lang="zh-CN" altLang="en-US" smtClean="0"/>
+              <a:t>10</a:t>
             </a:fld>
             <a:endParaRPr lang="zh-CN" altLang="en-US"/>
           </a:p>
@@ -707,7 +706,6 @@
               <a:rPr lang="zh-CN" altLang="en-US" dirty="0"/>
               <a:t>其中，秒杀是系统的核心。根据活动图的不同职责划分客户、秒杀客户端和管理员三个泳道。</a:t>
             </a:r>
-            <a:endParaRPr lang="zh-CN" altLang="en-US" dirty="0"/>
           </a:p>
         </p:txBody>
       </p:sp>
@@ -728,6 +726,7 @@
           <a:p>
             <a:fld id="{59E3CF89-91F4-45FB-A589-58532703FCA1}" type="slidenum">
               <a:rPr lang="zh-CN" altLang="en-US" smtClean="0"/>
+              <a:t>11</a:t>
             </a:fld>
             <a:endParaRPr lang="zh-CN" altLang="en-US"/>
           </a:p>
@@ -789,7 +788,6 @@
               <a:rPr lang="zh-CN" altLang="en-US" dirty="0"/>
               <a:t>其次，根据活动图的不同职责划分客户、秒杀客户端和管理员三个泳道。</a:t>
             </a:r>
-            <a:endParaRPr lang="zh-CN" altLang="en-US" dirty="0"/>
           </a:p>
         </p:txBody>
       </p:sp>
@@ -810,6 +808,7 @@
           <a:p>
             <a:fld id="{59E3CF89-91F4-45FB-A589-58532703FCA1}" type="slidenum">
               <a:rPr lang="zh-CN" altLang="en-US" smtClean="0"/>
+              <a:t>12</a:t>
             </a:fld>
             <a:endParaRPr lang="zh-CN" altLang="en-US"/>
           </a:p>
@@ -888,6 +887,7 @@
           <a:p>
             <a:fld id="{59E3CF89-91F4-45FB-A589-58532703FCA1}" type="slidenum">
               <a:rPr lang="zh-CN" altLang="en-US" smtClean="0"/>
+              <a:t>13</a:t>
             </a:fld>
             <a:endParaRPr lang="zh-CN" altLang="en-US"/>
           </a:p>
@@ -966,6 +966,7 @@
           <a:p>
             <a:fld id="{DA25CCEA-3F45-46FD-873C-10FB1242F407}" type="slidenum">
               <a:rPr lang="zh-CN" altLang="en-US" smtClean="0"/>
+              <a:t>14</a:t>
             </a:fld>
             <a:endParaRPr lang="zh-CN" altLang="en-US"/>
           </a:p>
@@ -1044,6 +1045,7 @@
           <a:p>
             <a:fld id="{59E3CF89-91F4-45FB-A589-58532703FCA1}" type="slidenum">
               <a:rPr lang="zh-CN" altLang="en-US" smtClean="0"/>
+              <a:t>15</a:t>
             </a:fld>
             <a:endParaRPr lang="zh-CN" altLang="en-US"/>
           </a:p>
@@ -1122,6 +1124,7 @@
           <a:p>
             <a:fld id="{59E3CF89-91F4-45FB-A589-58532703FCA1}" type="slidenum">
               <a:rPr lang="zh-CN" altLang="en-US" smtClean="0"/>
+              <a:t>16</a:t>
             </a:fld>
             <a:endParaRPr lang="zh-CN" altLang="en-US"/>
           </a:p>
@@ -1200,6 +1203,7 @@
           <a:p>
             <a:fld id="{59E3CF89-91F4-45FB-A589-58532703FCA1}" type="slidenum">
               <a:rPr lang="zh-CN" altLang="en-US" smtClean="0"/>
+              <a:t>17</a:t>
             </a:fld>
             <a:endParaRPr lang="zh-CN" altLang="en-US"/>
           </a:p>
@@ -1278,6 +1282,7 @@
           <a:p>
             <a:fld id="{0D64EC1F-4C1A-4575-A29E-535B091AA911}" type="slidenum">
               <a:rPr lang="zh-CN" altLang="en-US" smtClean="0"/>
+              <a:t>18</a:t>
             </a:fld>
             <a:endParaRPr lang="zh-CN" altLang="en-US"/>
           </a:p>
@@ -1356,6 +1361,7 @@
           <a:p>
             <a:fld id="{DA25CCEA-3F45-46FD-873C-10FB1242F407}" type="slidenum">
               <a:rPr lang="zh-CN" altLang="en-US" smtClean="0"/>
+              <a:t>2</a:t>
             </a:fld>
             <a:endParaRPr lang="zh-CN" altLang="en-US"/>
           </a:p>
@@ -1434,6 +1440,7 @@
           <a:p>
             <a:fld id="{DA25CCEA-3F45-46FD-873C-10FB1242F407}" type="slidenum">
               <a:rPr lang="zh-CN" altLang="en-US" smtClean="0"/>
+              <a:t>3</a:t>
             </a:fld>
             <a:endParaRPr lang="zh-CN" altLang="en-US"/>
           </a:p>
@@ -1512,6 +1519,7 @@
           <a:p>
             <a:fld id="{59E3CF89-91F4-45FB-A589-58532703FCA1}" type="slidenum">
               <a:rPr lang="zh-CN" altLang="en-US" smtClean="0"/>
+              <a:t>4</a:t>
             </a:fld>
             <a:endParaRPr lang="zh-CN" altLang="en-US"/>
           </a:p>
@@ -1590,6 +1598,7 @@
           <a:p>
             <a:fld id="{59E3CF89-91F4-45FB-A589-58532703FCA1}" type="slidenum">
               <a:rPr lang="zh-CN" altLang="en-US" smtClean="0"/>
+              <a:t>5</a:t>
             </a:fld>
             <a:endParaRPr lang="zh-CN" altLang="en-US"/>
           </a:p>
@@ -1668,6 +1677,7 @@
           <a:p>
             <a:fld id="{59E3CF89-91F4-45FB-A589-58532703FCA1}" type="slidenum">
               <a:rPr lang="zh-CN" altLang="en-US" smtClean="0"/>
+              <a:t>6</a:t>
             </a:fld>
             <a:endParaRPr lang="zh-CN" altLang="en-US"/>
           </a:p>
@@ -1746,6 +1756,7 @@
           <a:p>
             <a:fld id="{DA25CCEA-3F45-46FD-873C-10FB1242F407}" type="slidenum">
               <a:rPr lang="zh-CN" altLang="en-US" smtClean="0"/>
+              <a:t>7</a:t>
             </a:fld>
             <a:endParaRPr lang="zh-CN" altLang="en-US"/>
           </a:p>
@@ -1824,6 +1835,7 @@
           <a:p>
             <a:fld id="{59E3CF89-91F4-45FB-A589-58532703FCA1}" type="slidenum">
               <a:rPr lang="zh-CN" altLang="en-US" smtClean="0"/>
+              <a:t>8</a:t>
             </a:fld>
             <a:endParaRPr lang="zh-CN" altLang="en-US"/>
           </a:p>
@@ -1902,6 +1914,7 @@
           <a:p>
             <a:fld id="{59E3CF89-91F4-45FB-A589-58532703FCA1}" type="slidenum">
               <a:rPr lang="zh-CN" altLang="en-US" smtClean="0"/>
+              <a:t>9</a:t>
             </a:fld>
             <a:endParaRPr lang="zh-CN" altLang="en-US"/>
           </a:p>
@@ -2161,7 +2174,6 @@
               <a:rPr lang="zh-CN" altLang="en-US" dirty="0"/>
               <a:t>单击编辑标题</a:t>
             </a:r>
-            <a:endParaRPr lang="zh-CN" altLang="en-US" dirty="0"/>
           </a:p>
         </p:txBody>
       </p:sp>
@@ -3279,7 +3291,7 @@
           <p:nvPr/>
         </p:nvPicPr>
         <p:blipFill>
-          <a:blip r:embed="rId1" cstate="print">
+          <a:blip r:embed="rId5" cstate="print">
             <a:extLst>
               <a:ext uri="{28A0092B-C50C-407E-A947-70E740481C1C}">
                 <a14:useLocalDpi xmlns:a14="http://schemas.microsoft.com/office/drawing/2010/main" val="0"/>
@@ -3446,13 +3458,6 @@
               </a:rPr>
               <a:t>基于TCP的远程调用RPC框架研究</a:t>
             </a:r>
-            <a:endParaRPr lang="zh-CN" altLang="en-US" sz="3600" b="1" dirty="0">
-              <a:solidFill>
-                <a:schemeClr val="bg1"/>
-              </a:solidFill>
-              <a:latin typeface="华文仿宋" panose="02010600040101010101" pitchFamily="2" charset="-122"/>
-              <a:ea typeface="华文仿宋" panose="02010600040101010101" pitchFamily="2" charset="-122"/>
-            </a:endParaRPr>
           </a:p>
         </p:txBody>
       </p:sp>
@@ -3462,7 +3467,7 @@
           <p:cNvSpPr/>
           <p:nvPr>
             <p:custDataLst>
-              <p:tags r:id="rId2"/>
+              <p:tags r:id="rId1"/>
             </p:custDataLst>
           </p:nvPr>
         </p:nvSpPr>
@@ -3553,7 +3558,7 @@
           <p:nvPr/>
         </p:nvPicPr>
         <p:blipFill>
-          <a:blip r:embed="rId3">
+          <a:blip r:embed="rId6">
             <a:extLst>
               <a:ext uri="{28A0092B-C50C-407E-A947-70E740481C1C}">
                 <a14:useLocalDpi xmlns:a14="http://schemas.microsoft.com/office/drawing/2010/main" val="0"/>
@@ -3846,7 +3851,7 @@
           <p:cNvSpPr/>
           <p:nvPr>
             <p:custDataLst>
-              <p:tags r:id="rId4"/>
+              <p:tags r:id="rId2"/>
             </p:custDataLst>
           </p:nvPr>
         </p:nvSpPr>
@@ -3896,15 +3901,8 @@
                 <a:latin typeface="方正清刻本悦宋简体" panose="02000000000000000000" pitchFamily="2" charset="-122"/>
                 <a:ea typeface="方正清刻本悦宋简体" panose="02000000000000000000" pitchFamily="2" charset="-122"/>
               </a:rPr>
-              <a:t>指导教师：肖 斌</a:t>
+              <a:t>指导教师：梅广超</a:t>
             </a:r>
-            <a:endParaRPr lang="zh-CN" altLang="en-US" sz="1065" dirty="0">
-              <a:solidFill>
-                <a:srgbClr val="223762"/>
-              </a:solidFill>
-              <a:latin typeface="方正清刻本悦宋简体" panose="02000000000000000000" pitchFamily="2" charset="-122"/>
-              <a:ea typeface="方正清刻本悦宋简体" panose="02000000000000000000" pitchFamily="2" charset="-122"/>
-            </a:endParaRPr>
           </a:p>
         </p:txBody>
       </p:sp>
@@ -4708,13 +4706,6 @@
                 </a:rPr>
                 <a:t>实践难点一</a:t>
               </a:r>
-              <a:endParaRPr lang="zh-CN" altLang="en-US" sz="2400" b="1" spc="300" dirty="0">
-                <a:solidFill>
-                  <a:schemeClr val="bg2"/>
-                </a:solidFill>
-                <a:latin typeface="思源黑体" panose="020B0500000000000000" pitchFamily="34" charset="-122"/>
-                <a:ea typeface="思源黑体" panose="020B0500000000000000" pitchFamily="34" charset="-122"/>
-              </a:endParaRPr>
             </a:p>
           </p:txBody>
         </p:sp>
@@ -4726,8 +4717,8 @@
           </p:nvSpPr>
           <p:spPr>
             <a:xfrm>
-              <a:off x="2192948" y="3077611"/>
-              <a:ext cx="3097147" cy="2431050"/>
+              <a:off x="2192948" y="3399226"/>
+              <a:ext cx="3097147" cy="1544590"/>
             </a:xfrm>
             <a:prstGeom prst="rect">
               <a:avLst/>
@@ -4756,7 +4747,7 @@
                   <a:latin typeface="思源黑体" panose="020B0500000000000000" pitchFamily="34" charset="-122"/>
                   <a:ea typeface="思源黑体" panose="020B0500000000000000" pitchFamily="34" charset="-122"/>
                 </a:rPr>
-                <a:t>    基于上述用例设计，系统的业务流程应当如何开展，对包括管理员和客户在内的两类参与者，服务端能够提供对应需要的服务，特别是应当明确秒杀活动的具体流程，包括秒杀活动的开启，准入规则的配置，订单的创建与库存扣减等。</a:t>
+                <a:t>    注册中心的实现：服务端和客户端的核心服务都依赖于注册中心。如何实现一个高性能、高可靠和具有注册与发现服务的注册中心成为难点之一。</a:t>
               </a:r>
               <a:endParaRPr lang="en-US" altLang="zh-CN" sz="1600" dirty="0">
                 <a:solidFill>
@@ -5058,13 +5049,6 @@
                 </a:rPr>
                 <a:t>实践难点二</a:t>
               </a:r>
-              <a:endParaRPr lang="zh-CN" altLang="en-US" sz="2400" b="1" spc="300" dirty="0">
-                <a:solidFill>
-                  <a:schemeClr val="bg2"/>
-                </a:solidFill>
-                <a:latin typeface="思源黑体" panose="020B0500000000000000" pitchFamily="34" charset="-122"/>
-                <a:ea typeface="思源黑体" panose="020B0500000000000000" pitchFamily="34" charset="-122"/>
-              </a:endParaRPr>
             </a:p>
           </p:txBody>
         </p:sp>
@@ -5076,8 +5060,8 @@
           </p:nvSpPr>
           <p:spPr>
             <a:xfrm>
-              <a:off x="2203506" y="2943145"/>
-              <a:ext cx="3097147" cy="2726516"/>
+              <a:off x="2280478" y="3399226"/>
+              <a:ext cx="3097147" cy="1544590"/>
             </a:xfrm>
             <a:prstGeom prst="rect">
               <a:avLst/>
@@ -5106,7 +5090,85 @@
                   <a:latin typeface="思源黑体" panose="020B0500000000000000" pitchFamily="34" charset="-122"/>
                   <a:ea typeface="思源黑体" panose="020B0500000000000000" pitchFamily="34" charset="-122"/>
                 </a:rPr>
-                <a:t>    如何对传统单体式架构进行拆分，在确保每个服务彼此独立、高度自治的同时，服务之间也能够通过轻量级接口进行通信；并且，各个模块之间的拆分必须能够符合业务要求，减少不必要的交互，避免模块间循环依赖等情况，能够符合微服务“高内聚低耦合”的设计思想。</a:t>
+                <a:t>    网络传输协议实现：使用</a:t>
+              </a:r>
+              <a:r>
+                <a:rPr lang="en-US" altLang="zh-CN" sz="1600" dirty="0">
+                  <a:solidFill>
+                    <a:schemeClr val="tx1">
+                      <a:lumMod val="65000"/>
+                      <a:lumOff val="35000"/>
+                    </a:schemeClr>
+                  </a:solidFill>
+                  <a:latin typeface="思源黑体" panose="020B0500000000000000" pitchFamily="34" charset="-122"/>
+                  <a:ea typeface="思源黑体" panose="020B0500000000000000" pitchFamily="34" charset="-122"/>
+                </a:rPr>
+                <a:t>RPC</a:t>
+              </a:r>
+              <a:r>
+                <a:rPr lang="zh-CN" altLang="en-US" sz="1600" dirty="0">
+                  <a:solidFill>
+                    <a:schemeClr val="tx1">
+                      <a:lumMod val="65000"/>
+                      <a:lumOff val="35000"/>
+                    </a:schemeClr>
+                  </a:solidFill>
+                  <a:latin typeface="思源黑体" panose="020B0500000000000000" pitchFamily="34" charset="-122"/>
+                  <a:ea typeface="思源黑体" panose="020B0500000000000000" pitchFamily="34" charset="-122"/>
+                </a:rPr>
+                <a:t>进行服务调用的原因之一就是</a:t>
+              </a:r>
+              <a:r>
+                <a:rPr lang="en-US" altLang="zh-CN" sz="1600" dirty="0">
+                  <a:solidFill>
+                    <a:schemeClr val="tx1">
+                      <a:lumMod val="65000"/>
+                      <a:lumOff val="35000"/>
+                    </a:schemeClr>
+                  </a:solidFill>
+                  <a:latin typeface="思源黑体" panose="020B0500000000000000" pitchFamily="34" charset="-122"/>
+                  <a:ea typeface="思源黑体" panose="020B0500000000000000" pitchFamily="34" charset="-122"/>
+                </a:rPr>
+                <a:t>RPC</a:t>
+              </a:r>
+              <a:r>
+                <a:rPr lang="zh-CN" altLang="en-US" sz="1600" dirty="0">
+                  <a:solidFill>
+                    <a:schemeClr val="tx1">
+                      <a:lumMod val="65000"/>
+                      <a:lumOff val="35000"/>
+                    </a:schemeClr>
+                  </a:solidFill>
+                  <a:latin typeface="思源黑体" panose="020B0500000000000000" pitchFamily="34" charset="-122"/>
+                  <a:ea typeface="思源黑体" panose="020B0500000000000000" pitchFamily="34" charset="-122"/>
+                </a:rPr>
+                <a:t>传输相同数据时，性能优于</a:t>
+              </a:r>
+              <a:r>
+                <a:rPr lang="en-US" altLang="zh-CN" sz="1600" dirty="0">
+                  <a:solidFill>
+                    <a:schemeClr val="tx1">
+                      <a:lumMod val="65000"/>
+                      <a:lumOff val="35000"/>
+                    </a:schemeClr>
+                  </a:solidFill>
+                  <a:latin typeface="思源黑体" panose="020B0500000000000000" pitchFamily="34" charset="-122"/>
+                  <a:ea typeface="思源黑体" panose="020B0500000000000000" pitchFamily="34" charset="-122"/>
+                </a:rPr>
+                <a:t>HTTP</a:t>
+              </a:r>
+              <a:r>
+                <a:rPr lang="zh-CN" altLang="en-US" sz="1600" dirty="0">
+                  <a:solidFill>
+                    <a:schemeClr val="tx1">
+                      <a:lumMod val="65000"/>
+                      <a:lumOff val="35000"/>
+                    </a:schemeClr>
+                  </a:solidFill>
+                  <a:latin typeface="思源黑体" panose="020B0500000000000000" pitchFamily="34" charset="-122"/>
+                  <a:ea typeface="思源黑体" panose="020B0500000000000000" pitchFamily="34" charset="-122"/>
+                </a:rPr>
+                <a:t>，如何定制一个高性能、可扩展的传输协议成为难点之一。</a:t>
               </a:r>
               <a:endParaRPr lang="en-US" altLang="zh-CN" sz="1600" dirty="0">
                 <a:solidFill>
@@ -5170,7 +5232,6 @@
               <a:rPr lang="zh-CN" altLang="en-US" dirty="0"/>
               <a:t>业务分析</a:t>
             </a:r>
-            <a:endParaRPr lang="zh-CN" altLang="en-US" dirty="0"/>
           </a:p>
         </p:txBody>
       </p:sp>
@@ -5215,13 +5276,6 @@
               </a:rPr>
               <a:t>Business Analysis</a:t>
             </a:r>
-            <a:endParaRPr lang="en-US" altLang="zh-CN" sz="1400" dirty="0">
-              <a:solidFill>
-                <a:srgbClr val="313D51"/>
-              </a:solidFill>
-              <a:cs typeface="+mn-ea"/>
-              <a:sym typeface="+mn-lt"/>
-            </a:endParaRPr>
           </a:p>
         </p:txBody>
       </p:sp>
@@ -5459,41 +5513,6 @@
           <a:chExt cx="0" cy="0"/>
         </a:xfrm>
       </p:grpSpPr>
-      <p:pic>
-        <p:nvPicPr>
-          <p:cNvPr id="4" name="图片 3"/>
-          <p:cNvPicPr>
-            <a:picLocks noChangeAspect="1"/>
-          </p:cNvPicPr>
-          <p:nvPr/>
-        </p:nvPicPr>
-        <p:blipFill rotWithShape="1">
-          <a:blip r:embed="rId1" cstate="print">
-            <a:extLst>
-              <a:ext uri="{28A0092B-C50C-407E-A947-70E740481C1C}">
-                <a14:useLocalDpi xmlns:a14="http://schemas.microsoft.com/office/drawing/2010/main" val="0"/>
-              </a:ext>
-            </a:extLst>
-          </a:blip>
-          <a:srcRect r="3275"/>
-          <a:stretch>
-            <a:fillRect/>
-          </a:stretch>
-        </p:blipFill>
-        <p:spPr bwMode="auto">
-          <a:xfrm>
-            <a:off x="6596809" y="677227"/>
-            <a:ext cx="4664075" cy="5503545"/>
-          </a:xfrm>
-          <a:prstGeom prst="rect">
-            <a:avLst/>
-          </a:prstGeom>
-          <a:noFill/>
-          <a:ln>
-            <a:noFill/>
-          </a:ln>
-        </p:spPr>
-      </p:pic>
       <p:sp>
         <p:nvSpPr>
           <p:cNvPr id="9" name="文本框 8"/>
@@ -5503,7 +5522,7 @@
         <p:spPr>
           <a:xfrm>
             <a:off x="931116" y="1445514"/>
-            <a:ext cx="5174127" cy="4799263"/>
+            <a:ext cx="5174127" cy="5095497"/>
           </a:xfrm>
           <a:prstGeom prst="rect">
             <a:avLst/>
@@ -5516,113 +5535,233 @@
           </a:bodyPr>
           <a:lstStyle/>
           <a:p>
+            <a:pPr marL="0" marR="0" lvl="0" indent="304800" algn="l" defTabSz="914400" rtl="0" eaLnBrk="0" fontAlgn="base" latinLnBrk="0" hangingPunct="0">
+              <a:lnSpc>
+                <a:spcPct val="100000"/>
+              </a:lnSpc>
+              <a:spcBef>
+                <a:spcPct val="0"/>
+              </a:spcBef>
+              <a:spcAft>
+                <a:spcPct val="0"/>
+              </a:spcAft>
+              <a:buClrTx/>
+              <a:buSzTx/>
+              <a:buFontTx/>
+              <a:buNone/>
+              <a:tabLst/>
+            </a:pPr>
+            <a:r>
+              <a:rPr lang="zh-CN" altLang="zh-CN" sz="1600" dirty="0"/>
+              <a:t>RPC框架的核心是客户端成功调用服务端的服务。根据UML活动图（图 3.3）的不同职责划分为server、server slub、注册中心、client和client slub五个泳道。一次rpc的调用成功，需要依次经历以下步骤：</a:t>
+            </a:r>
+          </a:p>
+          <a:p>
+            <a:pPr marL="0" marR="0" lvl="0" indent="0" algn="l" defTabSz="914400" rtl="0" eaLnBrk="0" fontAlgn="base" latinLnBrk="0" hangingPunct="0">
+              <a:lnSpc>
+                <a:spcPct val="100000"/>
+              </a:lnSpc>
+              <a:spcBef>
+                <a:spcPct val="0"/>
+              </a:spcBef>
+              <a:spcAft>
+                <a:spcPct val="0"/>
+              </a:spcAft>
+              <a:buClrTx/>
+              <a:buSzTx/>
+              <a:tabLst/>
+            </a:pPr>
+            <a:r>
+              <a:rPr lang="en-US" altLang="zh-CN" sz="1600" dirty="0"/>
+              <a:t>①</a:t>
+            </a:r>
+            <a:r>
+              <a:rPr lang="zh-CN" altLang="zh-CN" sz="1600" dirty="0"/>
+              <a:t>client调用接口方法，client slub生成代理对象</a:t>
+            </a:r>
+          </a:p>
+          <a:p>
+            <a:pPr marL="0" marR="0" lvl="0" indent="0" algn="l" defTabSz="914400" rtl="0" eaLnBrk="0" fontAlgn="base" latinLnBrk="0" hangingPunct="0">
+              <a:lnSpc>
+                <a:spcPct val="100000"/>
+              </a:lnSpc>
+              <a:spcBef>
+                <a:spcPct val="0"/>
+              </a:spcBef>
+              <a:spcAft>
+                <a:spcPct val="0"/>
+              </a:spcAft>
+              <a:buClrTx/>
+              <a:buSzTx/>
+              <a:tabLst/>
+            </a:pPr>
+            <a:r>
+              <a:rPr lang="en-US" altLang="zh-CN" sz="1600" dirty="0"/>
+              <a:t>②</a:t>
+            </a:r>
+            <a:r>
+              <a:rPr lang="zh-CN" altLang="zh-CN" sz="1600" dirty="0"/>
+              <a:t>client slub根据配置从注册中心获取调用目标机器列表</a:t>
+            </a:r>
+          </a:p>
+          <a:p>
+            <a:pPr marL="0" marR="0" lvl="0" indent="0" algn="l" defTabSz="914400" rtl="0" eaLnBrk="0" fontAlgn="base" latinLnBrk="0" hangingPunct="0">
+              <a:lnSpc>
+                <a:spcPct val="100000"/>
+              </a:lnSpc>
+              <a:spcBef>
+                <a:spcPct val="0"/>
+              </a:spcBef>
+              <a:spcAft>
+                <a:spcPct val="0"/>
+              </a:spcAft>
+              <a:buClrTx/>
+              <a:buSzTx/>
+              <a:tabLst/>
+            </a:pPr>
+            <a:r>
+              <a:rPr lang="en-US" altLang="zh-CN" sz="1600" dirty="0"/>
+              <a:t>③</a:t>
+            </a:r>
+            <a:r>
+              <a:rPr lang="zh-CN" altLang="zh-CN" sz="1600" dirty="0"/>
+              <a:t>client slub使用负载均衡功能获取到具体的机器。</a:t>
+            </a:r>
+          </a:p>
+          <a:p>
+            <a:pPr marL="0" marR="0" lvl="0" indent="0" algn="l" defTabSz="914400" rtl="0" eaLnBrk="0" fontAlgn="base" latinLnBrk="0" hangingPunct="0">
+              <a:lnSpc>
+                <a:spcPct val="100000"/>
+              </a:lnSpc>
+              <a:spcBef>
+                <a:spcPct val="0"/>
+              </a:spcBef>
+              <a:spcAft>
+                <a:spcPct val="0"/>
+              </a:spcAft>
+              <a:buClrTx/>
+              <a:buSzTx/>
+              <a:tabLst/>
+            </a:pPr>
+            <a:r>
+              <a:rPr lang="en-US" altLang="zh-CN" sz="1600" dirty="0"/>
+              <a:t>④</a:t>
+            </a:r>
+            <a:r>
+              <a:rPr lang="zh-CN" altLang="zh-CN" sz="1600" dirty="0"/>
+              <a:t>client slub 封装请求体，并进行序列化、压缩、协议encode等后进行TCP网络传输。</a:t>
+            </a:r>
+          </a:p>
+          <a:p>
+            <a:pPr marL="0" marR="0" lvl="0" indent="0" algn="l" defTabSz="914400" rtl="0" eaLnBrk="0" fontAlgn="base" latinLnBrk="0" hangingPunct="0">
+              <a:lnSpc>
+                <a:spcPct val="100000"/>
+              </a:lnSpc>
+              <a:spcBef>
+                <a:spcPct val="0"/>
+              </a:spcBef>
+              <a:spcAft>
+                <a:spcPct val="0"/>
+              </a:spcAft>
+              <a:buClrTx/>
+              <a:buSzTx/>
+              <a:tabLst/>
+            </a:pPr>
+            <a:r>
+              <a:rPr lang="en-US" altLang="zh-CN" sz="1600" dirty="0"/>
+              <a:t>⑤</a:t>
+            </a:r>
+            <a:r>
+              <a:rPr lang="zh-CN" altLang="zh-CN" sz="1600" dirty="0"/>
+              <a:t>server slub接受请求后，对请求参数进行协议decode、解压、反序列化等操作后，封装对应的rpc请求体。</a:t>
+            </a:r>
+          </a:p>
+          <a:p>
+            <a:pPr marL="0" marR="0" lvl="0" indent="0" algn="l" defTabSz="914400" rtl="0" eaLnBrk="0" fontAlgn="base" latinLnBrk="0" hangingPunct="0">
+              <a:lnSpc>
+                <a:spcPct val="100000"/>
+              </a:lnSpc>
+              <a:spcBef>
+                <a:spcPct val="0"/>
+              </a:spcBef>
+              <a:spcAft>
+                <a:spcPct val="0"/>
+              </a:spcAft>
+              <a:buClrTx/>
+              <a:buSzTx/>
+              <a:tabLst/>
+            </a:pPr>
+            <a:r>
+              <a:rPr lang="en-US" altLang="zh-CN" sz="1600" dirty="0"/>
+              <a:t>⑥</a:t>
+            </a:r>
+            <a:r>
+              <a:rPr lang="zh-CN" altLang="zh-CN" sz="1600" dirty="0"/>
+              <a:t>server slub 根据rpc请求体中的请求签名，利用反射技术，拿到server的反射对象，并调用具体方法的执行，最终拿到执行结果</a:t>
+            </a:r>
+          </a:p>
+          <a:p>
+            <a:pPr marL="0" marR="0" lvl="0" indent="0" algn="l" defTabSz="914400" rtl="0" eaLnBrk="0" fontAlgn="base" latinLnBrk="0" hangingPunct="0">
+              <a:lnSpc>
+                <a:spcPct val="100000"/>
+              </a:lnSpc>
+              <a:spcBef>
+                <a:spcPct val="0"/>
+              </a:spcBef>
+              <a:spcAft>
+                <a:spcPct val="0"/>
+              </a:spcAft>
+              <a:buClrTx/>
+              <a:buSzTx/>
+              <a:tabLst/>
+            </a:pPr>
+            <a:r>
+              <a:rPr lang="en-US" altLang="zh-CN" sz="1600" dirty="0"/>
+              <a:t>⑦</a:t>
+            </a:r>
+            <a:r>
+              <a:rPr lang="zh-CN" altLang="zh-CN" sz="1600" dirty="0"/>
+              <a:t>server slub根据执行结果，封装rpc响应，并进行序列化、压缩、协议encode，最后通过TCP返回给client slub</a:t>
+            </a:r>
+          </a:p>
+          <a:p>
+            <a:pPr marL="0" marR="0" lvl="0" indent="0" algn="l" defTabSz="914400" rtl="0" eaLnBrk="0" fontAlgn="base" latinLnBrk="0" hangingPunct="0">
+              <a:lnSpc>
+                <a:spcPct val="100000"/>
+              </a:lnSpc>
+              <a:spcBef>
+                <a:spcPct val="0"/>
+              </a:spcBef>
+              <a:spcAft>
+                <a:spcPct val="0"/>
+              </a:spcAft>
+              <a:buClrTx/>
+              <a:buSzTx/>
+              <a:tabLst/>
+            </a:pPr>
+            <a:r>
+              <a:rPr lang="en-US" altLang="zh-CN" sz="1600" dirty="0"/>
+              <a:t>⑧</a:t>
+            </a:r>
+            <a:r>
+              <a:rPr lang="zh-CN" altLang="zh-CN" sz="1600" dirty="0"/>
+              <a:t>client 通过协议decode、解压、反序列化等操作后，返回数据给client。</a:t>
+            </a:r>
+          </a:p>
+          <a:p>
             <a:pPr>
               <a:lnSpc>
                 <a:spcPct val="120000"/>
               </a:lnSpc>
             </a:pPr>
-            <a:r>
-              <a:rPr lang="zh-CN" altLang="en-US" sz="1600" dirty="0"/>
-              <a:t>    一次成功的秒杀，从活动创建到秒杀结束，需要依次经历以下步骤：</a:t>
-            </a:r>
-            <a:endParaRPr lang="zh-CN" altLang="en-US" sz="1600" dirty="0"/>
+            <a:endParaRPr lang="en-US" altLang="zh-CN" sz="1600" dirty="0"/>
           </a:p>
           <a:p>
-            <a:pPr marL="342900" indent="-342900">
+            <a:pPr>
               <a:lnSpc>
                 <a:spcPct val="120000"/>
               </a:lnSpc>
-              <a:buFont typeface="+mj-ea"/>
-              <a:buAutoNum type="circleNumDbPlain"/>
             </a:pPr>
-            <a:r>
-              <a:rPr lang="zh-CN" altLang="en-US" sz="1600" dirty="0"/>
-              <a:t>管理员进入后台管理系统，新建一个银行存款产品；</a:t>
-            </a:r>
-            <a:endParaRPr lang="zh-CN" altLang="en-US" sz="1600" dirty="0"/>
-          </a:p>
-          <a:p>
-            <a:pPr marL="342900" indent="-342900">
-              <a:lnSpc>
-                <a:spcPct val="120000"/>
-              </a:lnSpc>
-              <a:buFont typeface="+mj-ea"/>
-              <a:buAutoNum type="circleNumDbPlain"/>
-            </a:pPr>
-            <a:r>
-              <a:rPr lang="zh-CN" altLang="en-US" sz="1600" dirty="0"/>
-              <a:t>管理员配置活动的准入规则，包括客户的逾期次数、失信状态和工作状态等；</a:t>
-            </a:r>
-            <a:endParaRPr lang="zh-CN" altLang="en-US" sz="1600" dirty="0"/>
-          </a:p>
-          <a:p>
-            <a:pPr marL="342900" indent="-342900">
-              <a:lnSpc>
-                <a:spcPct val="120000"/>
-              </a:lnSpc>
-              <a:buFont typeface="+mj-ea"/>
-              <a:buAutoNum type="circleNumDbPlain"/>
-            </a:pPr>
-            <a:r>
-              <a:rPr lang="zh-CN" altLang="en-US" sz="1600" dirty="0"/>
-              <a:t>管理员发布一项秒杀活动，指定本次活动的秒杀产品，并设置秒杀活动的起止时间，产品价格与产品库存等；</a:t>
-            </a:r>
-            <a:endParaRPr lang="zh-CN" altLang="en-US" sz="1600" dirty="0"/>
-          </a:p>
-          <a:p>
-            <a:pPr marL="342900" indent="-342900">
-              <a:lnSpc>
-                <a:spcPct val="120000"/>
-              </a:lnSpc>
-              <a:buFont typeface="+mj-ea"/>
-              <a:buAutoNum type="circleNumDbPlain"/>
-            </a:pPr>
-            <a:r>
-              <a:rPr lang="zh-CN" altLang="en-US" sz="1600" dirty="0"/>
-              <a:t>秒杀客户端显示对应秒杀产品，到达开启时间活动自动开启；</a:t>
-            </a:r>
-            <a:endParaRPr lang="zh-CN" altLang="en-US" sz="1600" dirty="0"/>
-          </a:p>
-          <a:p>
-            <a:pPr marL="342900" indent="-342900">
-              <a:lnSpc>
-                <a:spcPct val="120000"/>
-              </a:lnSpc>
-              <a:buFont typeface="+mj-ea"/>
-              <a:buAutoNum type="circleNumDbPlain"/>
-            </a:pPr>
-            <a:r>
-              <a:rPr lang="zh-CN" altLang="en-US" sz="1600" dirty="0"/>
-              <a:t>客户参与该秒杀活动，秒杀客户端为符合准入规则的客户展示秒杀产品详情；</a:t>
-            </a:r>
-            <a:endParaRPr lang="zh-CN" altLang="en-US" sz="1600" dirty="0"/>
-          </a:p>
-          <a:p>
-            <a:pPr marL="342900" indent="-342900">
-              <a:lnSpc>
-                <a:spcPct val="120000"/>
-              </a:lnSpc>
-              <a:buFont typeface="+mj-ea"/>
-              <a:buAutoNum type="circleNumDbPlain"/>
-            </a:pPr>
-            <a:r>
-              <a:rPr lang="zh-CN" altLang="en-US" sz="1600" dirty="0"/>
-              <a:t>客户执行秒杀操作，若此时库存仍有富余，创建订单并预扣库存，秒杀客户端展示订单详情；</a:t>
-            </a:r>
-            <a:endParaRPr lang="zh-CN" altLang="en-US" sz="1600" dirty="0"/>
-          </a:p>
-          <a:p>
-            <a:pPr marL="342900" indent="-342900">
-              <a:lnSpc>
-                <a:spcPct val="120000"/>
-              </a:lnSpc>
-              <a:buFont typeface="+mj-ea"/>
-              <a:buAutoNum type="circleNumDbPlain"/>
-            </a:pPr>
-            <a:r>
-              <a:rPr lang="zh-CN" altLang="en-US" sz="1600" dirty="0"/>
-              <a:t>客户在规定时间内支付订单，秒杀客户端展示成功界面，交易结束。</a:t>
-            </a:r>
             <a:endParaRPr lang="zh-CN" altLang="en-US" sz="1600" dirty="0"/>
           </a:p>
         </p:txBody>
@@ -5656,7 +5795,6 @@
               <a:rPr lang="zh-CN" altLang="en-US" dirty="0"/>
               <a:t>解决方案</a:t>
             </a:r>
-            <a:endParaRPr lang="zh-CN" altLang="en-US" dirty="0"/>
           </a:p>
         </p:txBody>
       </p:sp>
@@ -5666,7 +5804,7 @@
           <p:cNvSpPr txBox="1"/>
           <p:nvPr>
             <p:custDataLst>
-              <p:tags r:id="rId2"/>
+              <p:tags r:id="rId1"/>
             </p:custDataLst>
           </p:nvPr>
         </p:nvSpPr>
@@ -5701,16 +5839,39 @@
               </a:rPr>
               <a:t>Solution</a:t>
             </a:r>
-            <a:endParaRPr lang="en-US" altLang="zh-CN" sz="1400" dirty="0">
-              <a:solidFill>
-                <a:srgbClr val="313D51"/>
-              </a:solidFill>
-              <a:cs typeface="+mn-ea"/>
-              <a:sym typeface="+mn-lt"/>
-            </a:endParaRPr>
           </a:p>
         </p:txBody>
       </p:sp>
+      <p:pic>
+        <p:nvPicPr>
+          <p:cNvPr id="5" name="图片 4">
+            <a:extLst>
+              <a:ext uri="{FF2B5EF4-FFF2-40B4-BE49-F238E27FC236}">
+                <a16:creationId xmlns:a16="http://schemas.microsoft.com/office/drawing/2014/main" id="{81FB8201-890D-C568-0A1B-290EBF128560}"/>
+              </a:ext>
+            </a:extLst>
+          </p:cNvPr>
+          <p:cNvPicPr>
+            <a:picLocks noChangeAspect="1"/>
+          </p:cNvPicPr>
+          <p:nvPr/>
+        </p:nvPicPr>
+        <p:blipFill>
+          <a:blip r:embed="rId4"/>
+          <a:stretch>
+            <a:fillRect/>
+          </a:stretch>
+        </p:blipFill>
+        <p:spPr>
+          <a:xfrm>
+            <a:off x="7040168" y="691599"/>
+            <a:ext cx="4123346" cy="5474801"/>
+          </a:xfrm>
+          <a:prstGeom prst="rect">
+            <a:avLst/>
+          </a:prstGeom>
+        </p:spPr>
+      </p:pic>
     </p:spTree>
   </p:cSld>
   <p:clrMapOvr>
@@ -5763,7 +5924,6 @@
               <a:rPr lang="zh-CN" altLang="en-US" dirty="0"/>
               <a:t>解决方案</a:t>
             </a:r>
-            <a:endParaRPr lang="zh-CN" altLang="en-US" dirty="0"/>
           </a:p>
         </p:txBody>
       </p:sp>
@@ -5776,7 +5936,7 @@
         <p:spPr>
           <a:xfrm>
             <a:off x="780853" y="1636892"/>
-            <a:ext cx="5315147" cy="4208332"/>
+            <a:ext cx="5315147" cy="5095497"/>
           </a:xfrm>
           <a:prstGeom prst="rect">
             <a:avLst/>
@@ -5814,17 +5974,29 @@
                 <a:spcPct val="120000"/>
               </a:lnSpc>
             </a:pPr>
+            <a:endParaRPr lang="en-US" altLang="zh-CN" sz="1600" dirty="0"/>
+          </a:p>
+          <a:p>
+            <a:pPr>
+              <a:lnSpc>
+                <a:spcPct val="120000"/>
+              </a:lnSpc>
+            </a:pPr>
             <a:r>
               <a:rPr lang="zh-CN" altLang="en-US" sz="1600" dirty="0"/>
-              <a:t>    其中，客户端层涵盖了所有会与服务端进行交互的客户端应用，包括</a:t>
+              <a:t>     总体架构分为三个模块，服务端、客户端、注册中心。</a:t>
             </a:r>
-            <a:r>
-              <a:rPr lang="en-US" altLang="zh-CN" sz="1600" dirty="0"/>
-              <a:t>PC</a:t>
-            </a:r>
+            <a:endParaRPr lang="en-US" altLang="zh-CN" sz="1600" dirty="0"/>
+          </a:p>
+          <a:p>
+            <a:pPr>
+              <a:lnSpc>
+                <a:spcPct val="120000"/>
+              </a:lnSpc>
+            </a:pPr>
             <a:r>
               <a:rPr lang="zh-CN" altLang="en-US" sz="1600" dirty="0"/>
-              <a:t>端网页和手机、平板等移动端应用。</a:t>
+              <a:t>服务端即提供方法，并将自己的信息注册到注册中心的一方。客户端调用服务端的方法，并在注册中心上发现自己的目标服务器地址。注册中心作为核心，起到服务注册与发现，健康检查等关键性作用。</a:t>
             </a:r>
             <a:endParaRPr lang="en-US" altLang="zh-CN" sz="1600" dirty="0"/>
           </a:p>
@@ -5844,7 +6016,23 @@
             </a:pPr>
             <a:r>
               <a:rPr lang="zh-CN" altLang="en-US" sz="1600" dirty="0"/>
-              <a:t>    前端请求经过反向代理转发到达边界层，在边界层客户端会通过已定义的边界和应用进行交互，在本系统中这部分是由负责客户端和后台的两个微服务网关构成，这也是进入微服务内部边界的门户，通过这一边界暴露底层的各个功能，来满足外部客户的需求。</a:t>
+              <a:t>   对于客户端和服务端，为了屏蔽对于用户底层的细节，抽象出了</a:t>
+            </a:r>
+            <a:r>
+              <a:rPr lang="en-US" altLang="zh-CN" sz="1600" dirty="0" err="1"/>
+              <a:t>slub</a:t>
+            </a:r>
+            <a:r>
+              <a:rPr lang="zh-CN" altLang="en-US" sz="1600" dirty="0"/>
+              <a:t>桩用于进行代理、反射、序列化等关键要素的逻辑处理，对于</a:t>
+            </a:r>
+            <a:r>
+              <a:rPr lang="en-US" altLang="zh-CN" sz="1600" dirty="0"/>
+              <a:t>socket</a:t>
+            </a:r>
+            <a:r>
+              <a:rPr lang="zh-CN" altLang="en-US" sz="1600" dirty="0"/>
+              <a:t>传输，需要使用我们自己开发的协议进行数据传输。</a:t>
             </a:r>
             <a:endParaRPr lang="en-US" altLang="zh-CN" sz="1600" dirty="0"/>
           </a:p>
@@ -5862,60 +6050,28 @@
                 <a:spcPct val="120000"/>
               </a:lnSpc>
             </a:pPr>
+            <a:endParaRPr lang="en-US" altLang="zh-CN" sz="1600" dirty="0"/>
+          </a:p>
+          <a:p>
+            <a:pPr>
+              <a:lnSpc>
+                <a:spcPct val="120000"/>
+              </a:lnSpc>
+            </a:pPr>
             <a:r>
-              <a:rPr lang="en-US" altLang="zh-CN" sz="1600" dirty="0"/>
+              <a:rPr lang="zh-CN" altLang="en-US" sz="1600" dirty="0"/>
               <a:t>    </a:t>
             </a:r>
-            <a:r>
-              <a:rPr lang="zh-CN" altLang="en-US" sz="1600" dirty="0"/>
-              <a:t>服务层主要是开发的各个应用级服务，需要借助下层的平台层支持，以提供系统所需的业务功能。</a:t>
-            </a:r>
-            <a:endParaRPr lang="zh-CN" altLang="en-US" sz="1600" dirty="0"/>
           </a:p>
         </p:txBody>
       </p:sp>
-      <p:pic>
-        <p:nvPicPr>
-          <p:cNvPr id="7" name="图片 6"/>
-          <p:cNvPicPr>
-            <a:picLocks noChangeAspect="1"/>
-          </p:cNvPicPr>
-          <p:nvPr/>
-        </p:nvPicPr>
-        <p:blipFill rotWithShape="1">
-          <a:blip r:embed="rId1" cstate="print">
-            <a:extLst>
-              <a:ext uri="{28A0092B-C50C-407E-A947-70E740481C1C}">
-                <a14:useLocalDpi xmlns:a14="http://schemas.microsoft.com/office/drawing/2010/main" val="0"/>
-              </a:ext>
-            </a:extLst>
-          </a:blip>
-          <a:srcRect b="6762"/>
-          <a:stretch>
-            <a:fillRect/>
-          </a:stretch>
-        </p:blipFill>
-        <p:spPr bwMode="auto">
-          <a:xfrm>
-            <a:off x="6426789" y="917778"/>
-            <a:ext cx="5102193" cy="5187421"/>
-          </a:xfrm>
-          <a:prstGeom prst="rect">
-            <a:avLst/>
-          </a:prstGeom>
-          <a:noFill/>
-          <a:ln>
-            <a:noFill/>
-          </a:ln>
-        </p:spPr>
-      </p:pic>
       <p:sp>
         <p:nvSpPr>
           <p:cNvPr id="2" name="PA_文本框 1"/>
           <p:cNvSpPr txBox="1"/>
           <p:nvPr>
             <p:custDataLst>
-              <p:tags r:id="rId2"/>
+              <p:tags r:id="rId1"/>
             </p:custDataLst>
           </p:nvPr>
         </p:nvSpPr>
@@ -5950,16 +6106,81 @@
               </a:rPr>
               <a:t>Solution</a:t>
             </a:r>
-            <a:endParaRPr lang="en-US" altLang="zh-CN" sz="1400" dirty="0">
-              <a:solidFill>
-                <a:srgbClr val="313D51"/>
-              </a:solidFill>
-              <a:cs typeface="+mn-ea"/>
-              <a:sym typeface="+mn-lt"/>
-            </a:endParaRPr>
           </a:p>
         </p:txBody>
       </p:sp>
+      <p:pic>
+        <p:nvPicPr>
+          <p:cNvPr id="3" name="图片 2">
+            <a:extLst>
+              <a:ext uri="{FF2B5EF4-FFF2-40B4-BE49-F238E27FC236}">
+                <a16:creationId xmlns:a16="http://schemas.microsoft.com/office/drawing/2014/main" id="{34BD4B8B-1F03-6354-F232-ED03EAD01A13}"/>
+              </a:ext>
+            </a:extLst>
+          </p:cNvPr>
+          <p:cNvPicPr>
+            <a:picLocks noChangeAspect="1"/>
+          </p:cNvPicPr>
+          <p:nvPr/>
+        </p:nvPicPr>
+        <p:blipFill>
+          <a:blip r:embed="rId4" cstate="print">
+            <a:extLst>
+              <a:ext uri="{28A0092B-C50C-407E-A947-70E740481C1C}">
+                <a14:useLocalDpi xmlns:a14="http://schemas.microsoft.com/office/drawing/2010/main" val="0"/>
+              </a:ext>
+            </a:extLst>
+          </a:blip>
+          <a:stretch>
+            <a:fillRect/>
+          </a:stretch>
+        </p:blipFill>
+        <p:spPr>
+          <a:xfrm>
+            <a:off x="7114615" y="1288131"/>
+            <a:ext cx="3162300" cy="1929765"/>
+          </a:xfrm>
+          <a:prstGeom prst="rect">
+            <a:avLst/>
+          </a:prstGeom>
+        </p:spPr>
+      </p:pic>
+      <p:pic>
+        <p:nvPicPr>
+          <p:cNvPr id="4" name="图片 3">
+            <a:extLst>
+              <a:ext uri="{FF2B5EF4-FFF2-40B4-BE49-F238E27FC236}">
+                <a16:creationId xmlns:a16="http://schemas.microsoft.com/office/drawing/2014/main" id="{DF32D3EF-7F8E-199B-180F-2187DEDF25D8}"/>
+              </a:ext>
+            </a:extLst>
+          </p:cNvPr>
+          <p:cNvPicPr>
+            <a:picLocks noChangeAspect="1"/>
+          </p:cNvPicPr>
+          <p:nvPr/>
+        </p:nvPicPr>
+        <p:blipFill>
+          <a:blip r:embed="rId5" cstate="print">
+            <a:extLst>
+              <a:ext uri="{28A0092B-C50C-407E-A947-70E740481C1C}">
+                <a14:useLocalDpi xmlns:a14="http://schemas.microsoft.com/office/drawing/2010/main" val="0"/>
+              </a:ext>
+            </a:extLst>
+          </a:blip>
+          <a:stretch>
+            <a:fillRect/>
+          </a:stretch>
+        </p:blipFill>
+        <p:spPr>
+          <a:xfrm>
+            <a:off x="7114615" y="3640105"/>
+            <a:ext cx="3162300" cy="2098994"/>
+          </a:xfrm>
+          <a:prstGeom prst="rect">
+            <a:avLst/>
+          </a:prstGeom>
+        </p:spPr>
+      </p:pic>
     </p:spTree>
   </p:cSld>
   <p:clrMapOvr>
@@ -6012,7 +6233,6 @@
               <a:rPr lang="zh-CN" altLang="en-US" dirty="0"/>
               <a:t>技术路线</a:t>
             </a:r>
-            <a:endParaRPr lang="zh-CN" altLang="en-US" dirty="0"/>
           </a:p>
         </p:txBody>
       </p:sp>
@@ -6149,7 +6369,7 @@
           <p:spPr>
             <a:xfrm>
               <a:off x="1546103" y="2510693"/>
-              <a:ext cx="2358840" cy="587469"/>
+              <a:ext cx="2358840" cy="328936"/>
             </a:xfrm>
             <a:prstGeom prst="rect">
               <a:avLst/>
@@ -6195,7 +6415,7 @@
                   <a:latin typeface="思源黑体" panose="020B0500000000000000" pitchFamily="34" charset="-122"/>
                   <a:ea typeface="思源黑体" panose="020B0500000000000000" pitchFamily="34" charset="-122"/>
                 </a:rPr>
-                <a:t>Spring Cloud</a:t>
+                <a:t>Spring </a:t>
               </a:r>
               <a:r>
                 <a:rPr lang="zh-CN" altLang="en-US" sz="1400" dirty="0">
@@ -6208,18 +6428,8 @@
                   <a:latin typeface="思源黑体" panose="020B0500000000000000" pitchFamily="34" charset="-122"/>
                   <a:ea typeface="思源黑体" panose="020B0500000000000000" pitchFamily="34" charset="-122"/>
                 </a:rPr>
-                <a:t>构建微服务项目</a:t>
+                <a:t>构建微项目</a:t>
               </a:r>
-              <a:endParaRPr lang="zh-CN" altLang="en-US" sz="1400" dirty="0">
-                <a:solidFill>
-                  <a:schemeClr val="tx1">
-                    <a:lumMod val="65000"/>
-                    <a:lumOff val="35000"/>
-                  </a:schemeClr>
-                </a:solidFill>
-                <a:latin typeface="思源黑体" panose="020B0500000000000000" pitchFamily="34" charset="-122"/>
-                <a:ea typeface="思源黑体" panose="020B0500000000000000" pitchFamily="34" charset="-122"/>
-              </a:endParaRPr>
             </a:p>
           </p:txBody>
         </p:sp>
@@ -6260,13 +6470,6 @@
                 </a:rPr>
                 <a:t>技术一</a:t>
               </a:r>
-              <a:endParaRPr lang="zh-CN" altLang="en-US" sz="2000" b="1" dirty="0">
-                <a:solidFill>
-                  <a:schemeClr val="bg1"/>
-                </a:solidFill>
-                <a:latin typeface="思源黑体" panose="020B0500000000000000" pitchFamily="34" charset="-122"/>
-                <a:ea typeface="思源黑体" panose="020B0500000000000000" pitchFamily="34" charset="-122"/>
-              </a:endParaRPr>
             </a:p>
           </p:txBody>
         </p:sp>
@@ -6437,44 +6640,8 @@
                   <a:latin typeface="思源黑体" panose="020B0500000000000000" pitchFamily="34" charset="-122"/>
                   <a:ea typeface="思源黑体" panose="020B0500000000000000" pitchFamily="34" charset="-122"/>
                 </a:rPr>
-                <a:t> 针对秒杀场景，引入</a:t>
+                <a:t> 使用反射、动态代理技术进行开发</a:t>
               </a:r>
-              <a:r>
-                <a:rPr lang="en-US" altLang="zh-CN" sz="1400" dirty="0">
-                  <a:solidFill>
-                    <a:schemeClr val="tx1">
-                      <a:lumMod val="65000"/>
-                      <a:lumOff val="35000"/>
-                    </a:schemeClr>
-                  </a:solidFill>
-                  <a:latin typeface="思源黑体" panose="020B0500000000000000" pitchFamily="34" charset="-122"/>
-                  <a:ea typeface="思源黑体" panose="020B0500000000000000" pitchFamily="34" charset="-122"/>
-                </a:rPr>
-                <a:t>Redis</a:t>
-              </a:r>
-              <a:r>
-                <a:rPr lang="zh-CN" altLang="en-US" sz="1400" dirty="0">
-                  <a:solidFill>
-                    <a:schemeClr val="tx1">
-                      <a:lumMod val="65000"/>
-                      <a:lumOff val="35000"/>
-                    </a:schemeClr>
-                  </a:solidFill>
-                  <a:latin typeface="思源黑体" panose="020B0500000000000000" pitchFamily="34" charset="-122"/>
-                  <a:ea typeface="思源黑体" panose="020B0500000000000000" pitchFamily="34" charset="-122"/>
-                </a:rPr>
-                <a:t>中间件作为二级缓存</a:t>
-              </a:r>
-              <a:endParaRPr lang="zh-CN" altLang="en-US" sz="1400" dirty="0">
-                <a:solidFill>
-                  <a:schemeClr val="tx1">
-                    <a:lumMod val="65000"/>
-                    <a:lumOff val="35000"/>
-                  </a:schemeClr>
-                </a:solidFill>
-                <a:latin typeface="思源黑体" panose="020B0500000000000000" pitchFamily="34" charset="-122"/>
-                <a:ea typeface="思源黑体" panose="020B0500000000000000" pitchFamily="34" charset="-122"/>
-              </a:endParaRPr>
             </a:p>
           </p:txBody>
         </p:sp>
@@ -6515,13 +6682,6 @@
                 </a:rPr>
                 <a:t>技术二</a:t>
               </a:r>
-              <a:endParaRPr lang="zh-CN" altLang="en-US" sz="2000" b="1" dirty="0">
-                <a:solidFill>
-                  <a:schemeClr val="bg1"/>
-                </a:solidFill>
-                <a:latin typeface="思源黑体" panose="020B0500000000000000" pitchFamily="34" charset="-122"/>
-                <a:ea typeface="思源黑体" panose="020B0500000000000000" pitchFamily="34" charset="-122"/>
-              </a:endParaRPr>
             </a:p>
           </p:txBody>
         </p:sp>
@@ -6692,7 +6852,7 @@
                   <a:latin typeface="思源黑体" panose="020B0500000000000000" pitchFamily="34" charset="-122"/>
                   <a:ea typeface="思源黑体" panose="020B0500000000000000" pitchFamily="34" charset="-122"/>
                 </a:rPr>
-                <a:t>   微服务间可通过</a:t>
+                <a:t>   使用</a:t>
               </a:r>
               <a:r>
                 <a:rPr lang="en-US" altLang="zh-CN" sz="1400" dirty="0">
@@ -6705,7 +6865,7 @@
                   <a:latin typeface="思源黑体" panose="020B0500000000000000" pitchFamily="34" charset="-122"/>
                   <a:ea typeface="思源黑体" panose="020B0500000000000000" pitchFamily="34" charset="-122"/>
                 </a:rPr>
-                <a:t>Feign</a:t>
+                <a:t>zookeeper</a:t>
               </a:r>
               <a:r>
                 <a:rPr lang="zh-CN" altLang="en-US" sz="1400" dirty="0">
@@ -6718,44 +6878,8 @@
                   <a:latin typeface="思源黑体" panose="020B0500000000000000" pitchFamily="34" charset="-122"/>
                   <a:ea typeface="思源黑体" panose="020B0500000000000000" pitchFamily="34" charset="-122"/>
                 </a:rPr>
-                <a:t>同步或</a:t>
+                <a:t>实现注册中心</a:t>
               </a:r>
-              <a:r>
-                <a:rPr lang="en-US" altLang="zh-CN" sz="1400" dirty="0">
-                  <a:solidFill>
-                    <a:schemeClr val="tx1">
-                      <a:lumMod val="65000"/>
-                      <a:lumOff val="35000"/>
-                    </a:schemeClr>
-                  </a:solidFill>
-                  <a:latin typeface="思源黑体" panose="020B0500000000000000" pitchFamily="34" charset="-122"/>
-                  <a:ea typeface="思源黑体" panose="020B0500000000000000" pitchFamily="34" charset="-122"/>
-                </a:rPr>
-                <a:t>Rabbit MQ</a:t>
-              </a:r>
-              <a:r>
-                <a:rPr lang="zh-CN" altLang="en-US" sz="1400" dirty="0">
-                  <a:solidFill>
-                    <a:schemeClr val="tx1">
-                      <a:lumMod val="65000"/>
-                      <a:lumOff val="35000"/>
-                    </a:schemeClr>
-                  </a:solidFill>
-                  <a:latin typeface="思源黑体" panose="020B0500000000000000" pitchFamily="34" charset="-122"/>
-                  <a:ea typeface="思源黑体" panose="020B0500000000000000" pitchFamily="34" charset="-122"/>
-                </a:rPr>
-                <a:t>异步通信</a:t>
-              </a:r>
-              <a:endParaRPr lang="zh-CN" altLang="en-US" sz="1400" dirty="0">
-                <a:solidFill>
-                  <a:schemeClr val="tx1">
-                    <a:lumMod val="65000"/>
-                    <a:lumOff val="35000"/>
-                  </a:schemeClr>
-                </a:solidFill>
-                <a:latin typeface="思源黑体" panose="020B0500000000000000" pitchFamily="34" charset="-122"/>
-                <a:ea typeface="思源黑体" panose="020B0500000000000000" pitchFamily="34" charset="-122"/>
-              </a:endParaRPr>
             </a:p>
           </p:txBody>
         </p:sp>
@@ -6796,13 +6920,6 @@
                 </a:rPr>
                 <a:t>技术三</a:t>
               </a:r>
-              <a:endParaRPr lang="zh-CN" altLang="en-US" sz="2000" b="1" dirty="0">
-                <a:solidFill>
-                  <a:schemeClr val="bg1"/>
-                </a:solidFill>
-                <a:latin typeface="思源黑体" panose="020B0500000000000000" pitchFamily="34" charset="-122"/>
-                <a:ea typeface="思源黑体" panose="020B0500000000000000" pitchFamily="34" charset="-122"/>
-              </a:endParaRPr>
             </a:p>
           </p:txBody>
         </p:sp>
@@ -6939,8 +7056,8 @@
           </p:nvSpPr>
           <p:spPr>
             <a:xfrm>
-              <a:off x="6399990" y="2510693"/>
-              <a:ext cx="2358840" cy="587469"/>
+              <a:off x="6610506" y="2510693"/>
+              <a:ext cx="2148324" cy="587469"/>
             </a:xfrm>
             <a:prstGeom prst="rect">
               <a:avLst/>
@@ -6973,44 +7090,8 @@
                   <a:latin typeface="思源黑体" panose="020B0500000000000000" pitchFamily="34" charset="-122"/>
                   <a:ea typeface="思源黑体" panose="020B0500000000000000" pitchFamily="34" charset="-122"/>
                 </a:rPr>
-                <a:t>采用</a:t>
+                <a:t>使用负载均衡实现合理流量分布</a:t>
               </a:r>
-              <a:r>
-                <a:rPr lang="en-US" altLang="zh-CN" sz="1400" dirty="0">
-                  <a:solidFill>
-                    <a:schemeClr val="tx1">
-                      <a:lumMod val="65000"/>
-                      <a:lumOff val="35000"/>
-                    </a:schemeClr>
-                  </a:solidFill>
-                  <a:latin typeface="思源黑体" panose="020B0500000000000000" pitchFamily="34" charset="-122"/>
-                  <a:ea typeface="思源黑体" panose="020B0500000000000000" pitchFamily="34" charset="-122"/>
-                </a:rPr>
-                <a:t>Consul</a:t>
-              </a:r>
-              <a:r>
-                <a:rPr lang="zh-CN" altLang="en-US" sz="1400" dirty="0">
-                  <a:solidFill>
-                    <a:schemeClr val="tx1">
-                      <a:lumMod val="65000"/>
-                      <a:lumOff val="35000"/>
-                    </a:schemeClr>
-                  </a:solidFill>
-                  <a:latin typeface="思源黑体" panose="020B0500000000000000" pitchFamily="34" charset="-122"/>
-                  <a:ea typeface="思源黑体" panose="020B0500000000000000" pitchFamily="34" charset="-122"/>
-                </a:rPr>
-                <a:t>作为注册中心，提供服务注册与发现机制</a:t>
-              </a:r>
-              <a:endParaRPr lang="zh-CN" altLang="en-US" sz="1400" dirty="0">
-                <a:solidFill>
-                  <a:schemeClr val="tx1">
-                    <a:lumMod val="65000"/>
-                    <a:lumOff val="35000"/>
-                  </a:schemeClr>
-                </a:solidFill>
-                <a:latin typeface="思源黑体" panose="020B0500000000000000" pitchFamily="34" charset="-122"/>
-                <a:ea typeface="思源黑体" panose="020B0500000000000000" pitchFamily="34" charset="-122"/>
-              </a:endParaRPr>
             </a:p>
           </p:txBody>
         </p:sp>
@@ -7051,13 +7132,6 @@
                 </a:rPr>
                 <a:t>技术四</a:t>
               </a:r>
-              <a:endParaRPr lang="zh-CN" altLang="en-US" sz="2000" b="1" dirty="0">
-                <a:solidFill>
-                  <a:schemeClr val="bg1"/>
-                </a:solidFill>
-                <a:latin typeface="思源黑体" panose="020B0500000000000000" pitchFamily="34" charset="-122"/>
-                <a:ea typeface="思源黑体" panose="020B0500000000000000" pitchFamily="34" charset="-122"/>
-              </a:endParaRPr>
             </a:p>
           </p:txBody>
         </p:sp>
@@ -7228,44 +7302,8 @@
                   <a:latin typeface="思源黑体" panose="020B0500000000000000" pitchFamily="34" charset="-122"/>
                   <a:ea typeface="思源黑体" panose="020B0500000000000000" pitchFamily="34" charset="-122"/>
                 </a:rPr>
-                <a:t>   采用</a:t>
+                <a:t>   通过健康检查心跳机制实现服务端优雅停机</a:t>
               </a:r>
-              <a:r>
-                <a:rPr lang="en-US" altLang="zh-CN" sz="1400" dirty="0">
-                  <a:solidFill>
-                    <a:schemeClr val="tx1">
-                      <a:lumMod val="65000"/>
-                      <a:lumOff val="35000"/>
-                    </a:schemeClr>
-                  </a:solidFill>
-                  <a:latin typeface="思源黑体" panose="020B0500000000000000" pitchFamily="34" charset="-122"/>
-                  <a:ea typeface="思源黑体" panose="020B0500000000000000" pitchFamily="34" charset="-122"/>
-                </a:rPr>
-                <a:t>Gateway</a:t>
-              </a:r>
-              <a:r>
-                <a:rPr lang="zh-CN" altLang="en-US" sz="1400" dirty="0">
-                  <a:solidFill>
-                    <a:schemeClr val="tx1">
-                      <a:lumMod val="65000"/>
-                      <a:lumOff val="35000"/>
-                    </a:schemeClr>
-                  </a:solidFill>
-                  <a:latin typeface="思源黑体" panose="020B0500000000000000" pitchFamily="34" charset="-122"/>
-                  <a:ea typeface="思源黑体" panose="020B0500000000000000" pitchFamily="34" charset="-122"/>
-                </a:rPr>
-                <a:t>微服务网关提供安全认证与负载均衡</a:t>
-              </a:r>
-              <a:endParaRPr lang="zh-CN" altLang="en-US" sz="1400" dirty="0">
-                <a:solidFill>
-                  <a:schemeClr val="tx1">
-                    <a:lumMod val="65000"/>
-                    <a:lumOff val="35000"/>
-                  </a:schemeClr>
-                </a:solidFill>
-                <a:latin typeface="思源黑体" panose="020B0500000000000000" pitchFamily="34" charset="-122"/>
-                <a:ea typeface="思源黑体" panose="020B0500000000000000" pitchFamily="34" charset="-122"/>
-              </a:endParaRPr>
             </a:p>
           </p:txBody>
         </p:sp>
@@ -7306,13 +7344,6 @@
                 </a:rPr>
                 <a:t>技术五</a:t>
               </a:r>
-              <a:endParaRPr lang="zh-CN" altLang="en-US" sz="2000" b="1" dirty="0">
-                <a:solidFill>
-                  <a:schemeClr val="bg1"/>
-                </a:solidFill>
-                <a:latin typeface="思源黑体" panose="020B0500000000000000" pitchFamily="34" charset="-122"/>
-                <a:ea typeface="思源黑体" panose="020B0500000000000000" pitchFamily="34" charset="-122"/>
-              </a:endParaRPr>
             </a:p>
           </p:txBody>
         </p:sp>
@@ -7450,7 +7481,7 @@
           <p:spPr>
             <a:xfrm>
               <a:off x="6399990" y="5116437"/>
-              <a:ext cx="2358840" cy="587469"/>
+              <a:ext cx="2358840" cy="328936"/>
             </a:xfrm>
             <a:prstGeom prst="rect">
               <a:avLst/>
@@ -7483,44 +7514,8 @@
                   <a:latin typeface="思源黑体" panose="020B0500000000000000" pitchFamily="34" charset="-122"/>
                   <a:ea typeface="思源黑体" panose="020B0500000000000000" pitchFamily="34" charset="-122"/>
                 </a:rPr>
-                <a:t>   单个服务宕机时，能通过</a:t>
+                <a:t>   构建网络数据传输协议</a:t>
               </a:r>
-              <a:r>
-                <a:rPr lang="en-US" altLang="zh-CN" sz="1400" dirty="0">
-                  <a:solidFill>
-                    <a:schemeClr val="tx1">
-                      <a:lumMod val="65000"/>
-                      <a:lumOff val="35000"/>
-                    </a:schemeClr>
-                  </a:solidFill>
-                  <a:latin typeface="思源黑体" panose="020B0500000000000000" pitchFamily="34" charset="-122"/>
-                  <a:ea typeface="思源黑体" panose="020B0500000000000000" pitchFamily="34" charset="-122"/>
-                </a:rPr>
-                <a:t>Circuit Breaker</a:t>
-              </a:r>
-              <a:r>
-                <a:rPr lang="zh-CN" altLang="en-US" sz="1400" dirty="0">
-                  <a:solidFill>
-                    <a:schemeClr val="tx1">
-                      <a:lumMod val="65000"/>
-                      <a:lumOff val="35000"/>
-                    </a:schemeClr>
-                  </a:solidFill>
-                  <a:latin typeface="思源黑体" panose="020B0500000000000000" pitchFamily="34" charset="-122"/>
-                  <a:ea typeface="思源黑体" panose="020B0500000000000000" pitchFamily="34" charset="-122"/>
-                </a:rPr>
-                <a:t>熔断服务</a:t>
-              </a:r>
-              <a:endParaRPr lang="zh-CN" altLang="en-US" sz="1400" dirty="0">
-                <a:solidFill>
-                  <a:schemeClr val="tx1">
-                    <a:lumMod val="65000"/>
-                    <a:lumOff val="35000"/>
-                  </a:schemeClr>
-                </a:solidFill>
-                <a:latin typeface="思源黑体" panose="020B0500000000000000" pitchFamily="34" charset="-122"/>
-                <a:ea typeface="思源黑体" panose="020B0500000000000000" pitchFamily="34" charset="-122"/>
-              </a:endParaRPr>
             </a:p>
           </p:txBody>
         </p:sp>
@@ -7561,13 +7556,6 @@
                 </a:rPr>
                 <a:t>技术六</a:t>
               </a:r>
-              <a:endParaRPr lang="zh-CN" altLang="en-US" sz="2000" b="1" dirty="0">
-                <a:solidFill>
-                  <a:schemeClr val="bg1"/>
-                </a:solidFill>
-                <a:latin typeface="思源黑体" panose="020B0500000000000000" pitchFamily="34" charset="-122"/>
-                <a:ea typeface="思源黑体" panose="020B0500000000000000" pitchFamily="34" charset="-122"/>
-              </a:endParaRPr>
             </a:p>
           </p:txBody>
         </p:sp>
@@ -7613,13 +7601,6 @@
               </a:rPr>
               <a:t>Technology Roadmap</a:t>
             </a:r>
-            <a:endParaRPr lang="en-US" altLang="zh-CN" sz="1400" dirty="0">
-              <a:solidFill>
-                <a:srgbClr val="313D51"/>
-              </a:solidFill>
-              <a:cs typeface="+mn-ea"/>
-              <a:sym typeface="+mn-lt"/>
-            </a:endParaRPr>
           </a:p>
         </p:txBody>
       </p:sp>
@@ -8158,7 +8139,7 @@
           <p:nvPr/>
         </p:nvPicPr>
         <p:blipFill>
-          <a:blip r:embed="rId1" cstate="print">
+          <a:blip r:embed="rId3" cstate="print">
             <a:extLst>
               <a:ext uri="{28A0092B-C50C-407E-A947-70E740481C1C}">
                 <a14:useLocalDpi xmlns:a14="http://schemas.microsoft.com/office/drawing/2010/main" val="0"/>
@@ -8363,13 +8344,6 @@
               </a:rPr>
               <a:t>可行性分析论证</a:t>
             </a:r>
-            <a:endParaRPr lang="zh-CN" altLang="en-US" sz="4400" b="1" dirty="0">
-              <a:solidFill>
-                <a:schemeClr val="bg1"/>
-              </a:solidFill>
-              <a:latin typeface="华文仿宋" panose="02010600040101010101" pitchFamily="2" charset="-122"/>
-              <a:ea typeface="华文仿宋" panose="02010600040101010101" pitchFamily="2" charset="-122"/>
-            </a:endParaRPr>
           </a:p>
         </p:txBody>
       </p:sp>
@@ -8834,7 +8808,6 @@
               <a:rPr lang="zh-CN" altLang="en-US" dirty="0"/>
               <a:t>可行性分析</a:t>
             </a:r>
-            <a:endParaRPr lang="zh-CN" altLang="en-US" dirty="0"/>
           </a:p>
         </p:txBody>
       </p:sp>
@@ -8847,9 +8820,9 @@
         <p:grpSpPr>
           <a:xfrm>
             <a:off x="2230591" y="1633322"/>
-            <a:ext cx="7730818" cy="4123267"/>
+            <a:ext cx="7730818" cy="4127306"/>
             <a:chOff x="1138238" y="995645"/>
-            <a:chExt cx="9732202" cy="5190717"/>
+            <a:chExt cx="9732202" cy="5195800"/>
           </a:xfrm>
         </p:grpSpPr>
         <p:sp>
@@ -9334,8 +9307,8 @@
             </p:nvSpPr>
             <p:spPr>
               <a:xfrm>
-                <a:off x="3938139" y="1646334"/>
-                <a:ext cx="6807854" cy="929490"/>
+                <a:off x="3938139" y="1646335"/>
+                <a:ext cx="6807854" cy="654476"/>
               </a:xfrm>
               <a:prstGeom prst="rect">
                 <a:avLst/>
@@ -9354,17 +9327,16 @@
                   </a:lnSpc>
                 </a:pPr>
                 <a:r>
-                  <a:rPr lang="zh-CN" altLang="en-US" sz="1200" dirty="0">
+                  <a:rPr lang="zh-CN" altLang="zh-CN" sz="1200" dirty="0">
                     <a:solidFill>
                       <a:schemeClr val="tx1">
                         <a:lumMod val="65000"/>
                         <a:lumOff val="35000"/>
                       </a:schemeClr>
                     </a:solidFill>
-                    <a:latin typeface="思源黑体" panose="020B0500000000000000" pitchFamily="34" charset="-122"/>
                     <a:ea typeface="思源黑体" panose="020B0500000000000000" pitchFamily="34" charset="-122"/>
                   </a:rPr>
-                  <a:t>    技术层面上，鉴于上述技术目前均有开源社区进行维护，在工业界也广受赞誉，相对而言运用较为成熟；由于采用技术开源免费，也不存在侵权的风险；在限制条件下，必要的软件和硬件资源能够支持系统的开发工作。</a:t>
+                  <a:t>目前，上述技术已经由开源社区进行了维护，并且在工业界也得到了广泛的认可和应用。这表明这些技术已经相对成熟，具备了实施项目的技术基础。 </a:t>
                 </a:r>
                 <a:endParaRPr lang="zh-CN" altLang="en-US" sz="1200" dirty="0">
                   <a:solidFill>
@@ -9373,7 +9345,6 @@
                       <a:lumOff val="35000"/>
                     </a:schemeClr>
                   </a:solidFill>
-                  <a:latin typeface="思源黑体" panose="020B0500000000000000" pitchFamily="34" charset="-122"/>
                   <a:ea typeface="思源黑体" panose="020B0500000000000000" pitchFamily="34" charset="-122"/>
                 </a:endParaRPr>
               </a:p>
@@ -9577,18 +9548,51 @@
                   </a:lnSpc>
                 </a:pPr>
                 <a:r>
-                  <a:rPr lang="zh-CN" altLang="en-US" sz="1200" dirty="0">
+                  <a:rPr lang="zh-CN" altLang="zh-CN" sz="1200" dirty="0">
                     <a:solidFill>
                       <a:schemeClr val="tx1">
                         <a:lumMod val="65000"/>
                         <a:lumOff val="35000"/>
                       </a:schemeClr>
                     </a:solidFill>
-                    <a:latin typeface="思源黑体" panose="020B0500000000000000" pitchFamily="34" charset="-122"/>
+                    <a:latin typeface="+mn-lt"/>
                     <a:ea typeface="思源黑体" panose="020B0500000000000000" pitchFamily="34" charset="-122"/>
                   </a:rPr>
-                  <a:t>   对于系统的不同参与者而言，管理员只需要登入后台管理系统，通过简单的几个步骤即可发起秒杀活动；用户也不需要了解系统实际的运行逻辑，只需要通过秒杀客户端参与活动，并在秒杀成功后支付订单，即可方便地完成操作。</a:t>
+                  <a:t>对于服务提供方来讲，用户只需要制定相应的接口，引入</a:t>
                 </a:r>
+                <a:r>
+                  <a:rPr lang="en-US" altLang="zh-CN" sz="1200" dirty="0">
+                    <a:solidFill>
+                      <a:schemeClr val="tx1">
+                        <a:lumMod val="65000"/>
+                        <a:lumOff val="35000"/>
+                      </a:schemeClr>
+                    </a:solidFill>
+                    <a:latin typeface="+mn-lt"/>
+                    <a:ea typeface="思源黑体" panose="020B0500000000000000" pitchFamily="34" charset="-122"/>
+                  </a:rPr>
+                  <a:t>jar</a:t>
+                </a:r>
+                <a:r>
+                  <a:rPr lang="zh-CN" altLang="zh-CN" sz="1200" dirty="0">
+                    <a:solidFill>
+                      <a:schemeClr val="tx1">
+                        <a:lumMod val="65000"/>
+                        <a:lumOff val="35000"/>
+                      </a:schemeClr>
+                    </a:solidFill>
+                    <a:latin typeface="+mn-lt"/>
+                    <a:ea typeface="思源黑体" panose="020B0500000000000000" pitchFamily="34" charset="-122"/>
+                  </a:rPr>
+                  <a:t>包，后续调用远程方法只需要像调用本地方法一样简单。</a:t>
+                </a:r>
+              </a:p>
+              <a:p>
+                <a:pPr algn="just">
+                  <a:lnSpc>
+                    <a:spcPct val="120000"/>
+                  </a:lnSpc>
+                </a:pPr>
                 <a:endParaRPr lang="zh-CN" altLang="en-US" sz="1200" dirty="0">
                   <a:solidFill>
                     <a:schemeClr val="tx1">
@@ -9612,9 +9616,9 @@
           <p:grpSpPr>
             <a:xfrm>
               <a:off x="3751263" y="4494495"/>
-              <a:ext cx="7119177" cy="1691867"/>
+              <a:ext cx="7119177" cy="1696950"/>
               <a:chOff x="3751263" y="4494495"/>
-              <a:chExt cx="7119177" cy="1691867"/>
+              <a:chExt cx="7119177" cy="1696950"/>
             </a:xfrm>
           </p:grpSpPr>
           <p:sp>
@@ -9767,8 +9771,8 @@
             </p:nvSpPr>
             <p:spPr>
               <a:xfrm>
-                <a:off x="3938139" y="5256872"/>
-                <a:ext cx="6807854" cy="929490"/>
+                <a:off x="3938139" y="5256871"/>
+                <a:ext cx="6807854" cy="934574"/>
               </a:xfrm>
               <a:prstGeom prst="rect">
                 <a:avLst/>
@@ -9800,6 +9804,19 @@
                   </a:lnSpc>
                 </a:pPr>
                 <a:r>
+                  <a:rPr lang="zh-CN" altLang="zh-CN" sz="1200" dirty="0">
+                    <a:solidFill>
+                      <a:schemeClr val="tx1">
+                        <a:lumMod val="65000"/>
+                        <a:lumOff val="35000"/>
+                      </a:schemeClr>
+                    </a:solidFill>
+                    <a:latin typeface="+mn-lt"/>
+                    <a:ea typeface="思源黑体" panose="020B0500000000000000" pitchFamily="34" charset="-122"/>
+                  </a:rPr>
+                  <a:t>由于上述工具已经开源，我们不需要支付昂贵的许可费用。这意味着我们可以节约大量的成本，从而降低项目的总体成本。 </a:t>
+                </a:r>
+                <a:r>
                   <a:rPr lang="zh-CN" altLang="en-US" sz="1200" dirty="0">
                     <a:solidFill>
                       <a:schemeClr val="tx1">
@@ -9807,38 +9824,37 @@
                         <a:lumOff val="35000"/>
                       </a:schemeClr>
                     </a:solidFill>
-                    <a:latin typeface="思源黑体" panose="020B0500000000000000" pitchFamily="34" charset="-122"/>
+                    <a:latin typeface="+mn-lt"/>
                     <a:ea typeface="思源黑体" panose="020B0500000000000000" pitchFamily="34" charset="-122"/>
                   </a:rPr>
-                  <a:t>   本课题设计的系统能够按需部署，降低项目的运维成本，有效地提高生产效率；若系统正式部署上线，还能提供可观的的经济效益，具有较好的实用价值</a:t>
+                  <a:t>对于后期的测试，可以开通多个虚拟机进行分布式</a:t>
                 </a:r>
-                <a:endParaRPr lang="zh-CN" altLang="en-US" sz="1200" dirty="0">
-                  <a:solidFill>
-                    <a:schemeClr val="tx1">
-                      <a:lumMod val="65000"/>
-                      <a:lumOff val="35000"/>
-                    </a:schemeClr>
-                  </a:solidFill>
-                  <a:latin typeface="思源黑体" panose="020B0500000000000000" pitchFamily="34" charset="-122"/>
-                  <a:ea typeface="思源黑体" panose="020B0500000000000000" pitchFamily="34" charset="-122"/>
-                </a:endParaRPr>
-              </a:p>
-              <a:p>
-                <a:pPr algn="just">
-                  <a:lnSpc>
-                    <a:spcPct val="120000"/>
-                  </a:lnSpc>
-                </a:pPr>
-                <a:endParaRPr lang="zh-CN" altLang="en-US" sz="1200" dirty="0">
-                  <a:solidFill>
-                    <a:schemeClr val="tx1">
-                      <a:lumMod val="65000"/>
-                      <a:lumOff val="35000"/>
-                    </a:schemeClr>
-                  </a:solidFill>
-                  <a:latin typeface="思源黑体" panose="020B0500000000000000" pitchFamily="34" charset="-122"/>
-                  <a:ea typeface="思源黑体" panose="020B0500000000000000" pitchFamily="34" charset="-122"/>
-                </a:endParaRPr>
+                <a:r>
+                  <a:rPr lang="en-US" altLang="zh-CN" sz="1200" dirty="0">
+                    <a:solidFill>
+                      <a:schemeClr val="tx1">
+                        <a:lumMod val="65000"/>
+                        <a:lumOff val="35000"/>
+                      </a:schemeClr>
+                    </a:solidFill>
+                    <a:latin typeface="+mn-lt"/>
+                    <a:ea typeface="思源黑体" panose="020B0500000000000000" pitchFamily="34" charset="-122"/>
+                  </a:rPr>
+                  <a:t>RPC</a:t>
+                </a:r>
+                <a:r>
+                  <a:rPr lang="zh-CN" altLang="en-US" sz="1200" dirty="0">
+                    <a:solidFill>
+                      <a:schemeClr val="tx1">
+                        <a:lumMod val="65000"/>
+                        <a:lumOff val="35000"/>
+                      </a:schemeClr>
+                    </a:solidFill>
+                    <a:latin typeface="+mn-lt"/>
+                    <a:ea typeface="思源黑体" panose="020B0500000000000000" pitchFamily="34" charset="-122"/>
+                  </a:rPr>
+                  <a:t>调用测试</a:t>
+                </a:r>
               </a:p>
             </p:txBody>
           </p:sp>
@@ -9930,13 +9946,6 @@
               </a:rPr>
               <a:t>Feasibility Analysis</a:t>
             </a:r>
-            <a:endParaRPr lang="en-US" altLang="zh-CN" sz="1400" dirty="0">
-              <a:solidFill>
-                <a:srgbClr val="313D51"/>
-              </a:solidFill>
-              <a:cs typeface="+mn-ea"/>
-              <a:sym typeface="+mn-lt"/>
-            </a:endParaRPr>
           </a:p>
         </p:txBody>
       </p:sp>
@@ -10116,7 +10125,6 @@
               <a:rPr lang="zh-CN" altLang="en-US" dirty="0"/>
               <a:t>预期结果与进度安排</a:t>
             </a:r>
-            <a:endParaRPr lang="zh-CN" altLang="en-US" dirty="0"/>
           </a:p>
         </p:txBody>
       </p:sp>
@@ -10161,13 +10169,6 @@
               </a:rPr>
               <a:t>Result &amp; Schedule</a:t>
             </a:r>
-            <a:endParaRPr lang="en-US" altLang="zh-CN" sz="1400" dirty="0">
-              <a:solidFill>
-                <a:srgbClr val="313D51"/>
-              </a:solidFill>
-              <a:cs typeface="+mn-ea"/>
-              <a:sym typeface="+mn-lt"/>
-            </a:endParaRPr>
           </a:p>
         </p:txBody>
       </p:sp>
@@ -10246,7 +10247,6 @@
               <a:rPr lang="zh-CN" altLang="en-US" dirty="0"/>
               <a:t>日	    文献调研</a:t>
             </a:r>
-            <a:endParaRPr lang="zh-CN" altLang="en-US" dirty="0"/>
           </a:p>
           <a:p>
             <a:pPr>
@@ -10302,7 +10302,6 @@
               <a:rPr lang="zh-CN" altLang="en-US" dirty="0"/>
               <a:t>日          撰写开题报告</a:t>
             </a:r>
-            <a:endParaRPr lang="zh-CN" altLang="en-US" dirty="0"/>
           </a:p>
           <a:p>
             <a:pPr>
@@ -10358,7 +10357,6 @@
               <a:rPr lang="zh-CN" altLang="en-US" dirty="0"/>
               <a:t>日	    设计方案验证</a:t>
             </a:r>
-            <a:endParaRPr lang="zh-CN" altLang="en-US" dirty="0"/>
           </a:p>
           <a:p>
             <a:pPr>
@@ -10412,9 +10410,8 @@
             </a:r>
             <a:r>
               <a:rPr lang="zh-CN" altLang="en-US" dirty="0"/>
-              <a:t>日                 数据库设计，框架搭建，需求分析，概要设计</a:t>
+              <a:t>日                 服务设计，框架搭建，需求分析，概要设计</a:t>
             </a:r>
-            <a:endParaRPr lang="zh-CN" altLang="en-US" dirty="0"/>
           </a:p>
           <a:p>
             <a:pPr>
@@ -10470,7 +10467,6 @@
               <a:rPr lang="zh-CN" altLang="en-US" dirty="0"/>
               <a:t>日               详细设计，系统开发与测试</a:t>
             </a:r>
-            <a:endParaRPr lang="zh-CN" altLang="en-US" dirty="0"/>
           </a:p>
           <a:p>
             <a:pPr>
@@ -10526,7 +10522,6 @@
               <a:rPr lang="zh-CN" altLang="en-US" dirty="0"/>
               <a:t>日             撰写毕业论文</a:t>
             </a:r>
-            <a:endParaRPr lang="zh-CN" altLang="en-US" dirty="0"/>
           </a:p>
           <a:p>
             <a:pPr>
@@ -10582,7 +10577,6 @@
               <a:rPr lang="zh-CN" altLang="en-US" dirty="0"/>
               <a:t>日           修改论文，查重，提交等任务</a:t>
             </a:r>
-            <a:endParaRPr lang="zh-CN" altLang="en-US" dirty="0"/>
           </a:p>
           <a:p>
             <a:pPr>
@@ -10638,7 +10632,6 @@
               <a:rPr lang="zh-CN" altLang="en-US" dirty="0"/>
               <a:t>日             答辩</a:t>
             </a:r>
-            <a:endParaRPr lang="zh-CN" altLang="en-US" dirty="0"/>
           </a:p>
         </p:txBody>
       </p:sp>
@@ -10680,8 +10673,24 @@
               <a:t>《</a:t>
             </a:r>
             <a:r>
-              <a:rPr lang="zh-CN" altLang="en-US" dirty="0"/>
-              <a:t>基于微服务的银行秒杀系统服务端设计与实现</a:t>
+              <a:rPr lang="zh-CN" altLang="zh-CN" dirty="0"/>
+              <a:t>基于</a:t>
+            </a:r>
+            <a:r>
+              <a:rPr lang="en-US" altLang="zh-CN" dirty="0"/>
+              <a:t>TCP</a:t>
+            </a:r>
+            <a:r>
+              <a:rPr lang="zh-CN" altLang="zh-CN" dirty="0"/>
+              <a:t>的远程调用</a:t>
+            </a:r>
+            <a:r>
+              <a:rPr lang="en-US" altLang="zh-CN" dirty="0"/>
+              <a:t>RPC</a:t>
+            </a:r>
+            <a:r>
+              <a:rPr lang="zh-CN" altLang="zh-CN" dirty="0"/>
+              <a:t>框架研究 </a:t>
             </a:r>
             <a:r>
               <a:rPr lang="en-US" altLang="zh-CN" dirty="0"/>
@@ -10691,7 +10700,6 @@
               <a:rPr lang="zh-CN" altLang="en-US" dirty="0"/>
               <a:t>论文</a:t>
             </a:r>
-            <a:endParaRPr lang="zh-CN" altLang="en-US" dirty="0"/>
           </a:p>
           <a:p>
             <a:pPr marL="285750" indent="-285750">
@@ -10705,7 +10713,6 @@
               <a:rPr lang="zh-CN" altLang="en-US" dirty="0"/>
               <a:t>搭建可以验收题目研究工作的系统及开发环境</a:t>
             </a:r>
-            <a:endParaRPr lang="zh-CN" altLang="en-US" dirty="0"/>
           </a:p>
           <a:p>
             <a:pPr marL="285750" indent="-285750">
@@ -10724,8 +10731,24 @@
               <a:t>《</a:t>
             </a:r>
             <a:r>
-              <a:rPr lang="zh-CN" altLang="en-US" dirty="0"/>
-              <a:t>基于微服务的银行秒杀系统服务端设计与实现</a:t>
+              <a:rPr lang="zh-CN" altLang="zh-CN" dirty="0"/>
+              <a:t>基于</a:t>
+            </a:r>
+            <a:r>
+              <a:rPr lang="en-US" altLang="zh-CN" dirty="0"/>
+              <a:t>TCP</a:t>
+            </a:r>
+            <a:r>
+              <a:rPr lang="zh-CN" altLang="zh-CN" dirty="0"/>
+              <a:t>的远程调用</a:t>
+            </a:r>
+            <a:r>
+              <a:rPr lang="en-US" altLang="zh-CN" dirty="0"/>
+              <a:t>RPC</a:t>
+            </a:r>
+            <a:r>
+              <a:rPr lang="zh-CN" altLang="zh-CN" dirty="0"/>
+              <a:t>框架研究 </a:t>
             </a:r>
             <a:r>
               <a:rPr lang="en-US" altLang="zh-CN" dirty="0"/>
@@ -10735,7 +10758,6 @@
               <a:rPr lang="zh-CN" altLang="en-US" dirty="0"/>
               <a:t>的开发测试</a:t>
             </a:r>
-            <a:endParaRPr lang="zh-CN" altLang="en-US" dirty="0"/>
           </a:p>
         </p:txBody>
       </p:sp>
@@ -10796,7 +10818,6 @@
               <a:rPr lang="zh-CN" altLang="en-US" dirty="0"/>
               <a:t>参考文献</a:t>
             </a:r>
-            <a:endParaRPr lang="zh-CN" altLang="en-US" dirty="0"/>
           </a:p>
         </p:txBody>
       </p:sp>
@@ -10853,10 +10874,6 @@
               </a:rPr>
               <a:t>01</a:t>
             </a:r>
-            <a:endParaRPr lang="en-GB" sz="1600" dirty="0">
-              <a:latin typeface="思源黑体" panose="020B0500000000000000" pitchFamily="34" charset="-122"/>
-              <a:ea typeface="思源黑体" panose="020B0500000000000000" pitchFamily="34" charset="-122"/>
-            </a:endParaRPr>
           </a:p>
         </p:txBody>
       </p:sp>
@@ -10868,8 +10885,8 @@
         </p:nvSpPr>
         <p:spPr>
           <a:xfrm>
-            <a:off x="6031851" y="2087452"/>
-            <a:ext cx="4377289" cy="424412"/>
+            <a:off x="5935950" y="2211843"/>
+            <a:ext cx="5144229" cy="205954"/>
           </a:xfrm>
           <a:prstGeom prst="rect">
             <a:avLst/>
@@ -10898,7 +10915,7 @@
                 <a:latin typeface="思源黑体" panose="020B0500000000000000" pitchFamily="34" charset="-122"/>
                 <a:ea typeface="思源黑体" panose="020B0500000000000000" pitchFamily="34" charset="-122"/>
               </a:rPr>
-              <a:t>    郭栋</a:t>
+              <a:t>    </a:t>
             </a:r>
             <a:r>
               <a:rPr lang="en-US" altLang="zh-CN" sz="1200" dirty="0">
@@ -10908,23 +10925,21 @@
                     <a:lumOff val="35000"/>
                   </a:schemeClr>
                 </a:solidFill>
-                <a:latin typeface="思源黑体" panose="020B0500000000000000" pitchFamily="34" charset="-122"/>
                 <a:ea typeface="思源黑体" panose="020B0500000000000000" pitchFamily="34" charset="-122"/>
               </a:rPr>
-              <a:t>,</a:t>
+              <a:t>Kevin R. Fall W. Richard </a:t>
             </a:r>
             <a:r>
-              <a:rPr lang="zh-CN" altLang="en-US" sz="1200" dirty="0">
+              <a:rPr lang="en-US" altLang="zh-CN" sz="1200" dirty="0" err="1">
                 <a:solidFill>
                   <a:schemeClr val="tx1">
                     <a:lumMod val="65000"/>
                     <a:lumOff val="35000"/>
                   </a:schemeClr>
                 </a:solidFill>
-                <a:latin typeface="思源黑体" panose="020B0500000000000000" pitchFamily="34" charset="-122"/>
                 <a:ea typeface="思源黑体" panose="020B0500000000000000" pitchFamily="34" charset="-122"/>
               </a:rPr>
-              <a:t>王伟</a:t>
+              <a:t>Stevens.TCP</a:t>
             </a:r>
             <a:r>
               <a:rPr lang="en-US" altLang="zh-CN" sz="1200" dirty="0">
@@ -10934,23 +10949,21 @@
                     <a:lumOff val="35000"/>
                   </a:schemeClr>
                 </a:solidFill>
-                <a:latin typeface="思源黑体" panose="020B0500000000000000" pitchFamily="34" charset="-122"/>
                 <a:ea typeface="思源黑体" panose="020B0500000000000000" pitchFamily="34" charset="-122"/>
               </a:rPr>
-              <a:t>,</a:t>
+              <a:t>/IP</a:t>
             </a:r>
             <a:r>
-              <a:rPr lang="zh-CN" altLang="en-US" sz="1200" dirty="0">
+              <a:rPr lang="zh-CN" altLang="zh-CN" sz="1200" dirty="0">
                 <a:solidFill>
                   <a:schemeClr val="tx1">
                     <a:lumMod val="65000"/>
                     <a:lumOff val="35000"/>
                   </a:schemeClr>
                 </a:solidFill>
-                <a:latin typeface="思源黑体" panose="020B0500000000000000" pitchFamily="34" charset="-122"/>
                 <a:ea typeface="思源黑体" panose="020B0500000000000000" pitchFamily="34" charset="-122"/>
               </a:rPr>
-              <a:t>曾国荪</a:t>
+              <a:t>详解 卷</a:t>
             </a:r>
             <a:r>
               <a:rPr lang="en-US" altLang="zh-CN" sz="1200" dirty="0">
@@ -10960,23 +10973,21 @@
                     <a:lumOff val="35000"/>
                   </a:schemeClr>
                 </a:solidFill>
-                <a:latin typeface="思源黑体" panose="020B0500000000000000" pitchFamily="34" charset="-122"/>
                 <a:ea typeface="思源黑体" panose="020B0500000000000000" pitchFamily="34" charset="-122"/>
               </a:rPr>
-              <a:t>.</a:t>
+              <a:t>1</a:t>
             </a:r>
             <a:r>
-              <a:rPr lang="zh-CN" altLang="en-US" sz="1200" dirty="0">
+              <a:rPr lang="zh-CN" altLang="zh-CN" sz="1200" dirty="0">
                 <a:solidFill>
                   <a:schemeClr val="tx1">
                     <a:lumMod val="65000"/>
                     <a:lumOff val="35000"/>
                   </a:schemeClr>
                 </a:solidFill>
-                <a:latin typeface="思源黑体" panose="020B0500000000000000" pitchFamily="34" charset="-122"/>
                 <a:ea typeface="思源黑体" panose="020B0500000000000000" pitchFamily="34" charset="-122"/>
               </a:rPr>
-              <a:t>一种基于微服务架构的新型云件</a:t>
+              <a:t>：协议</a:t>
             </a:r>
             <a:r>
               <a:rPr lang="en-US" altLang="zh-CN" sz="1200" dirty="0">
@@ -10986,23 +10997,21 @@
                     <a:lumOff val="35000"/>
                   </a:schemeClr>
                 </a:solidFill>
-                <a:latin typeface="思源黑体" panose="020B0500000000000000" pitchFamily="34" charset="-122"/>
                 <a:ea typeface="思源黑体" panose="020B0500000000000000" pitchFamily="34" charset="-122"/>
               </a:rPr>
-              <a:t>PaaS</a:t>
+              <a:t> .</a:t>
             </a:r>
             <a:r>
-              <a:rPr lang="zh-CN" altLang="en-US" sz="1200" dirty="0">
+              <a:rPr lang="zh-CN" altLang="zh-CN" sz="1200" dirty="0">
                 <a:solidFill>
                   <a:schemeClr val="tx1">
                     <a:lumMod val="65000"/>
                     <a:lumOff val="35000"/>
                   </a:schemeClr>
                 </a:solidFill>
-                <a:latin typeface="思源黑体" panose="020B0500000000000000" pitchFamily="34" charset="-122"/>
                 <a:ea typeface="思源黑体" panose="020B0500000000000000" pitchFamily="34" charset="-122"/>
               </a:rPr>
-              <a:t>平台</a:t>
+              <a:t>机械工业出版社</a:t>
             </a:r>
             <a:r>
               <a:rPr lang="en-US" altLang="zh-CN" sz="1200" dirty="0">
@@ -11012,53 +11021,21 @@
                     <a:lumOff val="35000"/>
                   </a:schemeClr>
                 </a:solidFill>
-                <a:latin typeface="思源黑体" panose="020B0500000000000000" pitchFamily="34" charset="-122"/>
                 <a:ea typeface="思源黑体" panose="020B0500000000000000" pitchFamily="34" charset="-122"/>
               </a:rPr>
-              <a:t>[J].</a:t>
+              <a:t>,2016</a:t>
             </a:r>
-            <a:endParaRPr lang="en-US" altLang="zh-CN" sz="1200" dirty="0">
-              <a:solidFill>
-                <a:schemeClr val="tx1">
-                  <a:lumMod val="65000"/>
-                  <a:lumOff val="35000"/>
-                </a:schemeClr>
-              </a:solidFill>
-              <a:latin typeface="思源黑体" panose="020B0500000000000000" pitchFamily="34" charset="-122"/>
-              <a:ea typeface="思源黑体" panose="020B0500000000000000" pitchFamily="34" charset="-122"/>
-            </a:endParaRPr>
-          </a:p>
-          <a:p>
-            <a:pPr>
-              <a:lnSpc>
-                <a:spcPct val="120000"/>
-              </a:lnSpc>
-            </a:pPr>
             <a:r>
-              <a:rPr lang="zh-CN" altLang="en-US" sz="1200" dirty="0">
+              <a:rPr lang="zh-CN" altLang="zh-CN" sz="1200" dirty="0">
                 <a:solidFill>
                   <a:schemeClr val="tx1">
                     <a:lumMod val="65000"/>
                     <a:lumOff val="35000"/>
                   </a:schemeClr>
                 </a:solidFill>
-                <a:latin typeface="思源黑体" panose="020B0500000000000000" pitchFamily="34" charset="-122"/>
                 <a:ea typeface="思源黑体" panose="020B0500000000000000" pitchFamily="34" charset="-122"/>
               </a:rPr>
-              <a:t>信息网络安全</a:t>
-            </a:r>
-            <a:r>
-              <a:rPr lang="en-US" altLang="zh-CN" sz="1200" dirty="0">
-                <a:solidFill>
-                  <a:schemeClr val="tx1">
-                    <a:lumMod val="65000"/>
-                    <a:lumOff val="35000"/>
-                  </a:schemeClr>
-                </a:solidFill>
-                <a:latin typeface="思源黑体" panose="020B0500000000000000" pitchFamily="34" charset="-122"/>
-                <a:ea typeface="思源黑体" panose="020B0500000000000000" pitchFamily="34" charset="-122"/>
-              </a:rPr>
-              <a:t>,2015(11):15-20.</a:t>
+              <a:t> </a:t>
             </a:r>
             <a:endParaRPr lang="en-GB" sz="1200" dirty="0">
               <a:solidFill>
@@ -11067,7 +11044,6 @@
                   <a:lumOff val="35000"/>
                 </a:schemeClr>
               </a:solidFill>
-              <a:latin typeface="思源黑体" panose="020B0500000000000000" pitchFamily="34" charset="-122"/>
               <a:ea typeface="思源黑体" panose="020B0500000000000000" pitchFamily="34" charset="-122"/>
             </a:endParaRPr>
           </a:p>
@@ -11126,10 +11102,6 @@
               </a:rPr>
               <a:t>02</a:t>
             </a:r>
-            <a:endParaRPr lang="en-GB" sz="1600" dirty="0">
-              <a:latin typeface="思源黑体" panose="020B0500000000000000" pitchFamily="34" charset="-122"/>
-              <a:ea typeface="思源黑体" panose="020B0500000000000000" pitchFamily="34" charset="-122"/>
-            </a:endParaRPr>
           </a:p>
         </p:txBody>
       </p:sp>
@@ -11141,8 +11113,8 @@
         </p:nvSpPr>
         <p:spPr>
           <a:xfrm>
-            <a:off x="6031851" y="2700217"/>
-            <a:ext cx="4607030" cy="424412"/>
+            <a:off x="5935950" y="2837776"/>
+            <a:ext cx="4468467" cy="205954"/>
           </a:xfrm>
           <a:prstGeom prst="rect">
             <a:avLst/>
@@ -11171,7 +11143,7 @@
                 <a:latin typeface="思源黑体" panose="020B0500000000000000" pitchFamily="34" charset="-122"/>
                 <a:ea typeface="思源黑体" panose="020B0500000000000000" pitchFamily="34" charset="-122"/>
               </a:rPr>
-              <a:t>    王方旭</a:t>
+              <a:t>    </a:t>
             </a:r>
             <a:r>
               <a:rPr lang="en-US" altLang="zh-CN" sz="1200" dirty="0">
@@ -11181,23 +11153,21 @@
                     <a:lumOff val="35000"/>
                   </a:schemeClr>
                 </a:solidFill>
-                <a:latin typeface="思源黑体" panose="020B0500000000000000" pitchFamily="34" charset="-122"/>
                 <a:ea typeface="思源黑体" panose="020B0500000000000000" pitchFamily="34" charset="-122"/>
               </a:rPr>
-              <a:t>.</a:t>
+              <a:t>James F. Kurose / Keith W. Ross.</a:t>
             </a:r>
             <a:r>
-              <a:rPr lang="zh-CN" altLang="en-US" sz="1200" dirty="0">
+              <a:rPr lang="zh-CN" altLang="zh-CN" sz="1200" dirty="0">
                 <a:solidFill>
                   <a:schemeClr val="tx1">
                     <a:lumMod val="65000"/>
                     <a:lumOff val="35000"/>
                   </a:schemeClr>
                 </a:solidFill>
-                <a:latin typeface="思源黑体" panose="020B0500000000000000" pitchFamily="34" charset="-122"/>
                 <a:ea typeface="思源黑体" panose="020B0500000000000000" pitchFamily="34" charset="-122"/>
               </a:rPr>
-              <a:t>基于</a:t>
+              <a:t>计算机网络</a:t>
             </a:r>
             <a:r>
               <a:rPr lang="en-US" altLang="zh-CN" sz="1200" dirty="0">
@@ -11207,23 +11177,21 @@
                     <a:lumOff val="35000"/>
                   </a:schemeClr>
                 </a:solidFill>
-                <a:latin typeface="思源黑体" panose="020B0500000000000000" pitchFamily="34" charset="-122"/>
                 <a:ea typeface="思源黑体" panose="020B0500000000000000" pitchFamily="34" charset="-122"/>
               </a:rPr>
-              <a:t>Spring Cloud</a:t>
+              <a:t>. </a:t>
             </a:r>
             <a:r>
-              <a:rPr lang="zh-CN" altLang="en-US" sz="1200" dirty="0">
+              <a:rPr lang="zh-CN" altLang="zh-CN" sz="1200" dirty="0">
                 <a:solidFill>
                   <a:schemeClr val="tx1">
                     <a:lumMod val="65000"/>
                     <a:lumOff val="35000"/>
                   </a:schemeClr>
                 </a:solidFill>
-                <a:latin typeface="思源黑体" panose="020B0500000000000000" pitchFamily="34" charset="-122"/>
                 <a:ea typeface="思源黑体" panose="020B0500000000000000" pitchFamily="34" charset="-122"/>
               </a:rPr>
-              <a:t>实现业务系统微服务化的设计与实现</a:t>
+              <a:t>机械工业出版社</a:t>
             </a:r>
             <a:r>
               <a:rPr lang="en-US" altLang="zh-CN" sz="1200" dirty="0">
@@ -11233,53 +11201,21 @@
                     <a:lumOff val="35000"/>
                   </a:schemeClr>
                 </a:solidFill>
-                <a:latin typeface="思源黑体" panose="020B0500000000000000" pitchFamily="34" charset="-122"/>
                 <a:ea typeface="思源黑体" panose="020B0500000000000000" pitchFamily="34" charset="-122"/>
               </a:rPr>
-              <a:t>[J].</a:t>
+              <a:t>,2018</a:t>
             </a:r>
-            <a:endParaRPr lang="en-US" altLang="zh-CN" sz="1200" dirty="0">
-              <a:solidFill>
-                <a:schemeClr val="tx1">
-                  <a:lumMod val="65000"/>
-                  <a:lumOff val="35000"/>
-                </a:schemeClr>
-              </a:solidFill>
-              <a:latin typeface="思源黑体" panose="020B0500000000000000" pitchFamily="34" charset="-122"/>
-              <a:ea typeface="思源黑体" panose="020B0500000000000000" pitchFamily="34" charset="-122"/>
-            </a:endParaRPr>
-          </a:p>
-          <a:p>
-            <a:pPr>
-              <a:lnSpc>
-                <a:spcPct val="120000"/>
-              </a:lnSpc>
-            </a:pPr>
             <a:r>
-              <a:rPr lang="zh-CN" altLang="en-US" sz="1200" dirty="0">
+              <a:rPr lang="zh-CN" altLang="zh-CN" sz="1200" dirty="0">
                 <a:solidFill>
                   <a:schemeClr val="tx1">
                     <a:lumMod val="65000"/>
                     <a:lumOff val="35000"/>
                   </a:schemeClr>
                 </a:solidFill>
-                <a:latin typeface="思源黑体" panose="020B0500000000000000" pitchFamily="34" charset="-122"/>
                 <a:ea typeface="思源黑体" panose="020B0500000000000000" pitchFamily="34" charset="-122"/>
               </a:rPr>
-              <a:t>电子技术与软件工程</a:t>
-            </a:r>
-            <a:r>
-              <a:rPr lang="en-US" altLang="zh-CN" sz="1200" dirty="0">
-                <a:solidFill>
-                  <a:schemeClr val="tx1">
-                    <a:lumMod val="65000"/>
-                    <a:lumOff val="35000"/>
-                  </a:schemeClr>
-                </a:solidFill>
-                <a:latin typeface="思源黑体" panose="020B0500000000000000" pitchFamily="34" charset="-122"/>
-                <a:ea typeface="思源黑体" panose="020B0500000000000000" pitchFamily="34" charset="-122"/>
-              </a:rPr>
-              <a:t>,2018(08):60-61.</a:t>
+              <a:t> </a:t>
             </a:r>
             <a:endParaRPr lang="en-GB" sz="1200" dirty="0">
               <a:solidFill>
@@ -11288,7 +11224,6 @@
                   <a:lumOff val="35000"/>
                 </a:schemeClr>
               </a:solidFill>
-              <a:latin typeface="思源黑体" panose="020B0500000000000000" pitchFamily="34" charset="-122"/>
               <a:ea typeface="思源黑体" panose="020B0500000000000000" pitchFamily="34" charset="-122"/>
             </a:endParaRPr>
           </a:p>
@@ -11347,10 +11282,6 @@
               </a:rPr>
               <a:t>03</a:t>
             </a:r>
-            <a:endParaRPr lang="en-GB" sz="1600" dirty="0">
-              <a:latin typeface="思源黑体" panose="020B0500000000000000" pitchFamily="34" charset="-122"/>
-              <a:ea typeface="思源黑体" panose="020B0500000000000000" pitchFamily="34" charset="-122"/>
-            </a:endParaRPr>
           </a:p>
         </p:txBody>
       </p:sp>
@@ -11362,8 +11293,8 @@
         </p:nvSpPr>
         <p:spPr>
           <a:xfrm>
-            <a:off x="5935950" y="3279879"/>
-            <a:ext cx="5547360" cy="646011"/>
+            <a:off x="6031851" y="3472019"/>
+            <a:ext cx="5547360" cy="479811"/>
           </a:xfrm>
           <a:prstGeom prst="rect">
             <a:avLst/>
@@ -11376,36 +11307,25 @@
           </a:bodyPr>
           <a:lstStyle/>
           <a:p>
-            <a:pPr>
+            <a:pPr algn="just">
               <a:lnSpc>
-                <a:spcPct val="120000"/>
+                <a:spcPct val="150000"/>
               </a:lnSpc>
+              <a:spcBef>
+                <a:spcPts val="600"/>
+              </a:spcBef>
             </a:pPr>
             <a:r>
-              <a:rPr lang="en-US" altLang="zh-CN" sz="1200" dirty="0">
+              <a:rPr lang="zh-CN" altLang="zh-CN" sz="1200" dirty="0">
                 <a:solidFill>
                   <a:schemeClr val="tx1">
                     <a:lumMod val="65000"/>
                     <a:lumOff val="35000"/>
                   </a:schemeClr>
                 </a:solidFill>
-                <a:latin typeface="思源黑体" panose="020B0500000000000000" pitchFamily="34" charset="-122"/>
                 <a:ea typeface="思源黑体" panose="020B0500000000000000" pitchFamily="34" charset="-122"/>
               </a:rPr>
-              <a:t>    </a:t>
-            </a:r>
-            <a:r>
-              <a:rPr lang="en-US" altLang="zh-CN" sz="1200" dirty="0" err="1">
-                <a:solidFill>
-                  <a:schemeClr val="tx1">
-                    <a:lumMod val="65000"/>
-                    <a:lumOff val="35000"/>
-                  </a:schemeClr>
-                </a:solidFill>
-                <a:latin typeface="思源黑体" panose="020B0500000000000000" pitchFamily="34" charset="-122"/>
-                <a:ea typeface="思源黑体" panose="020B0500000000000000" pitchFamily="34" charset="-122"/>
-              </a:rPr>
-              <a:t>Krylovskiy</a:t>
+              <a:t>华钟明</a:t>
             </a:r>
             <a:r>
               <a:rPr lang="en-US" altLang="zh-CN" sz="1200" dirty="0">
@@ -11415,19 +11335,89 @@
                     <a:lumOff val="35000"/>
                   </a:schemeClr>
                 </a:solidFill>
-                <a:latin typeface="思源黑体" panose="020B0500000000000000" pitchFamily="34" charset="-122"/>
                 <a:ea typeface="思源黑体" panose="020B0500000000000000" pitchFamily="34" charset="-122"/>
               </a:rPr>
-              <a:t> A , Jahn M , Patti E . Designing a Smart City Internet of Things Platform with Microservice Architecture[C]</a:t>
+              <a:t>. </a:t>
             </a:r>
-            <a:endParaRPr lang="en-US" altLang="zh-CN" sz="1200" dirty="0">
+            <a:r>
+              <a:rPr lang="zh-CN" altLang="zh-CN" sz="1200" dirty="0">
+                <a:solidFill>
+                  <a:schemeClr val="tx1">
+                    <a:lumMod val="65000"/>
+                    <a:lumOff val="35000"/>
+                  </a:schemeClr>
+                </a:solidFill>
+                <a:ea typeface="思源黑体" panose="020B0500000000000000" pitchFamily="34" charset="-122"/>
+              </a:rPr>
+              <a:t>深入理解</a:t>
+            </a:r>
+            <a:r>
+              <a:rPr lang="en-US" altLang="zh-CN" sz="1200" dirty="0">
+                <a:solidFill>
+                  <a:schemeClr val="tx1">
+                    <a:lumMod val="65000"/>
+                    <a:lumOff val="35000"/>
+                  </a:schemeClr>
+                </a:solidFill>
+                <a:ea typeface="思源黑体" panose="020B0500000000000000" pitchFamily="34" charset="-122"/>
+              </a:rPr>
+              <a:t>RPC</a:t>
+            </a:r>
+            <a:r>
+              <a:rPr lang="zh-CN" altLang="zh-CN" sz="1200" dirty="0">
+                <a:solidFill>
+                  <a:schemeClr val="tx1">
+                    <a:lumMod val="65000"/>
+                    <a:lumOff val="35000"/>
+                  </a:schemeClr>
+                </a:solidFill>
+                <a:ea typeface="思源黑体" panose="020B0500000000000000" pitchFamily="34" charset="-122"/>
+              </a:rPr>
+              <a:t>框架原理与实现</a:t>
+            </a:r>
+            <a:r>
+              <a:rPr lang="en-US" altLang="zh-CN" sz="1200" dirty="0">
+                <a:solidFill>
+                  <a:schemeClr val="tx1">
+                    <a:lumMod val="65000"/>
+                    <a:lumOff val="35000"/>
+                  </a:schemeClr>
+                </a:solidFill>
+                <a:ea typeface="思源黑体" panose="020B0500000000000000" pitchFamily="34" charset="-122"/>
+              </a:rPr>
+              <a:t>. </a:t>
+            </a:r>
+            <a:r>
+              <a:rPr lang="zh-CN" altLang="zh-CN" sz="1200" dirty="0">
+                <a:solidFill>
+                  <a:schemeClr val="tx1">
+                    <a:lumMod val="65000"/>
+                    <a:lumOff val="35000"/>
+                  </a:schemeClr>
+                </a:solidFill>
+                <a:ea typeface="思源黑体" panose="020B0500000000000000" pitchFamily="34" charset="-122"/>
+              </a:rPr>
+              <a:t>电子工业出版社</a:t>
+            </a:r>
+            <a:r>
+              <a:rPr lang="en-US" altLang="zh-CN" sz="1200" dirty="0">
+                <a:solidFill>
+                  <a:schemeClr val="tx1">
+                    <a:lumMod val="65000"/>
+                    <a:lumOff val="35000"/>
+                  </a:schemeClr>
+                </a:solidFill>
+                <a:ea typeface="思源黑体" panose="020B0500000000000000" pitchFamily="34" charset="-122"/>
+              </a:rPr>
+              <a:t>,2021</a:t>
+            </a:r>
+            <a:endParaRPr lang="zh-CN" altLang="zh-CN" sz="1200" dirty="0">
               <a:solidFill>
                 <a:schemeClr val="tx1">
                   <a:lumMod val="65000"/>
                   <a:lumOff val="35000"/>
                 </a:schemeClr>
               </a:solidFill>
-              <a:latin typeface="思源黑体" panose="020B0500000000000000" pitchFamily="34" charset="-122"/>
               <a:ea typeface="思源黑体" panose="020B0500000000000000" pitchFamily="34" charset="-122"/>
             </a:endParaRPr>
           </a:p>
@@ -11448,7 +11438,7 @@
                 <a:latin typeface="思源黑体" panose="020B0500000000000000" pitchFamily="34" charset="-122"/>
                 <a:ea typeface="思源黑体" panose="020B0500000000000000" pitchFamily="34" charset="-122"/>
               </a:rPr>
-              <a:t>// International Conference on Future Internet of Things &amp; Cloud. IEEE, 2015.</a:t>
+              <a:t>.</a:t>
             </a:r>
             <a:endParaRPr lang="en-GB" sz="1200" dirty="0">
               <a:solidFill>
@@ -11516,10 +11506,6 @@
               </a:rPr>
               <a:t>04</a:t>
             </a:r>
-            <a:endParaRPr lang="en-GB" sz="1600" dirty="0">
-              <a:latin typeface="思源黑体" panose="020B0500000000000000" pitchFamily="34" charset="-122"/>
-              <a:ea typeface="思源黑体" panose="020B0500000000000000" pitchFamily="34" charset="-122"/>
-            </a:endParaRPr>
           </a:p>
         </p:txBody>
       </p:sp>
@@ -11532,7 +11518,7 @@
         <p:spPr>
           <a:xfrm>
             <a:off x="5910370" y="4148648"/>
-            <a:ext cx="5598520" cy="424412"/>
+            <a:ext cx="3524363" cy="205954"/>
           </a:xfrm>
           <a:prstGeom prst="rect">
             <a:avLst/>
@@ -11561,7 +11547,7 @@
                 <a:latin typeface="思源黑体" panose="020B0500000000000000" pitchFamily="34" charset="-122"/>
                 <a:ea typeface="思源黑体" panose="020B0500000000000000" pitchFamily="34" charset="-122"/>
               </a:rPr>
-              <a:t>    李军锋</a:t>
+              <a:t>    </a:t>
             </a:r>
             <a:r>
               <a:rPr lang="en-US" altLang="zh-CN" sz="1200" dirty="0">
@@ -11571,23 +11557,33 @@
                     <a:lumOff val="35000"/>
                   </a:schemeClr>
                 </a:solidFill>
-                <a:latin typeface="思源黑体" panose="020B0500000000000000" pitchFamily="34" charset="-122"/>
                 <a:ea typeface="思源黑体" panose="020B0500000000000000" pitchFamily="34" charset="-122"/>
               </a:rPr>
-              <a:t>,</a:t>
+              <a:t>Norman </a:t>
             </a:r>
             <a:r>
-              <a:rPr lang="zh-CN" altLang="en-US" sz="1200" dirty="0">
+              <a:rPr lang="en-US" altLang="zh-CN" sz="1200" dirty="0" err="1">
                 <a:solidFill>
                   <a:schemeClr val="tx1">
                     <a:lumMod val="65000"/>
                     <a:lumOff val="35000"/>
                   </a:schemeClr>
                 </a:solidFill>
-                <a:latin typeface="思源黑体" panose="020B0500000000000000" pitchFamily="34" charset="-122"/>
                 <a:ea typeface="思源黑体" panose="020B0500000000000000" pitchFamily="34" charset="-122"/>
               </a:rPr>
-              <a:t>何明昕</a:t>
+              <a:t>Maurer,Netty</a:t>
+            </a:r>
+            <a:r>
+              <a:rPr lang="zh-CN" altLang="zh-CN" sz="1200" dirty="0">
+                <a:solidFill>
+                  <a:schemeClr val="tx1">
+                    <a:lumMod val="65000"/>
+                    <a:lumOff val="35000"/>
+                  </a:schemeClr>
+                </a:solidFill>
+                <a:ea typeface="思源黑体" panose="020B0500000000000000" pitchFamily="34" charset="-122"/>
+              </a:rPr>
+              <a:t>实战</a:t>
             </a:r>
             <a:r>
               <a:rPr lang="en-US" altLang="zh-CN" sz="1200" dirty="0">
@@ -11597,23 +11593,21 @@
                     <a:lumOff val="35000"/>
                   </a:schemeClr>
                 </a:solidFill>
-                <a:latin typeface="思源黑体" panose="020B0500000000000000" pitchFamily="34" charset="-122"/>
                 <a:ea typeface="思源黑体" panose="020B0500000000000000" pitchFamily="34" charset="-122"/>
               </a:rPr>
-              <a:t>.</a:t>
+              <a:t>. </a:t>
             </a:r>
             <a:r>
-              <a:rPr lang="zh-CN" altLang="en-US" sz="1200" dirty="0">
+              <a:rPr lang="zh-CN" altLang="zh-CN" sz="1200" dirty="0">
                 <a:solidFill>
                   <a:schemeClr val="tx1">
                     <a:lumMod val="65000"/>
                     <a:lumOff val="35000"/>
                   </a:schemeClr>
                 </a:solidFill>
-                <a:latin typeface="思源黑体" panose="020B0500000000000000" pitchFamily="34" charset="-122"/>
                 <a:ea typeface="思源黑体" panose="020B0500000000000000" pitchFamily="34" charset="-122"/>
               </a:rPr>
-              <a:t>高并发</a:t>
+              <a:t>人民邮电出版社，</a:t>
             </a:r>
             <a:r>
               <a:rPr lang="en-US" altLang="zh-CN" sz="1200" dirty="0">
@@ -11623,92 +11617,21 @@
                     <a:lumOff val="35000"/>
                   </a:schemeClr>
                 </a:solidFill>
-                <a:latin typeface="思源黑体" panose="020B0500000000000000" pitchFamily="34" charset="-122"/>
                 <a:ea typeface="思源黑体" panose="020B0500000000000000" pitchFamily="34" charset="-122"/>
               </a:rPr>
-              <a:t>Web</a:t>
+              <a:t>2017</a:t>
             </a:r>
             <a:r>
-              <a:rPr lang="zh-CN" altLang="en-US" sz="1200" dirty="0">
+              <a:rPr lang="zh-CN" altLang="zh-CN" sz="1200" dirty="0">
                 <a:solidFill>
                   <a:schemeClr val="tx1">
                     <a:lumMod val="65000"/>
                     <a:lumOff val="35000"/>
                   </a:schemeClr>
                 </a:solidFill>
-                <a:latin typeface="思源黑体" panose="020B0500000000000000" pitchFamily="34" charset="-122"/>
                 <a:ea typeface="思源黑体" panose="020B0500000000000000" pitchFamily="34" charset="-122"/>
               </a:rPr>
-              <a:t>航空票务秒杀系统的设计与实现</a:t>
-            </a:r>
-            <a:r>
-              <a:rPr lang="en-US" altLang="zh-CN" sz="1200" dirty="0">
-                <a:solidFill>
-                  <a:schemeClr val="tx1">
-                    <a:lumMod val="65000"/>
-                    <a:lumOff val="35000"/>
-                  </a:schemeClr>
-                </a:solidFill>
-                <a:latin typeface="思源黑体" panose="020B0500000000000000" pitchFamily="34" charset="-122"/>
-                <a:ea typeface="思源黑体" panose="020B0500000000000000" pitchFamily="34" charset="-122"/>
-              </a:rPr>
-              <a:t>[J].</a:t>
-            </a:r>
-            <a:r>
-              <a:rPr lang="zh-CN" altLang="en-US" sz="1200" dirty="0">
-                <a:solidFill>
-                  <a:schemeClr val="tx1">
-                    <a:lumMod val="65000"/>
-                    <a:lumOff val="35000"/>
-                  </a:schemeClr>
-                </a:solidFill>
-                <a:latin typeface="思源黑体" panose="020B0500000000000000" pitchFamily="34" charset="-122"/>
-                <a:ea typeface="思源黑体" panose="020B0500000000000000" pitchFamily="34" charset="-122"/>
-              </a:rPr>
-              <a:t>计算机工程与设计</a:t>
-            </a:r>
-            <a:r>
-              <a:rPr lang="en-US" altLang="zh-CN" sz="1200" dirty="0">
-                <a:solidFill>
-                  <a:schemeClr val="tx1">
-                    <a:lumMod val="65000"/>
-                    <a:lumOff val="35000"/>
-                  </a:schemeClr>
-                </a:solidFill>
-                <a:latin typeface="思源黑体" panose="020B0500000000000000" pitchFamily="34" charset="-122"/>
-                <a:ea typeface="思源黑体" panose="020B0500000000000000" pitchFamily="34" charset="-122"/>
-              </a:rPr>
-              <a:t>,</a:t>
-            </a:r>
-            <a:endParaRPr lang="en-US" altLang="zh-CN" sz="1200" dirty="0">
-              <a:solidFill>
-                <a:schemeClr val="tx1">
-                  <a:lumMod val="65000"/>
-                  <a:lumOff val="35000"/>
-                </a:schemeClr>
-              </a:solidFill>
-              <a:latin typeface="思源黑体" panose="020B0500000000000000" pitchFamily="34" charset="-122"/>
-              <a:ea typeface="思源黑体" panose="020B0500000000000000" pitchFamily="34" charset="-122"/>
-            </a:endParaRPr>
-          </a:p>
-          <a:p>
-            <a:pPr>
-              <a:lnSpc>
-                <a:spcPct val="120000"/>
-              </a:lnSpc>
-            </a:pPr>
-            <a:r>
-              <a:rPr lang="en-US" altLang="zh-CN" sz="1200" dirty="0">
-                <a:solidFill>
-                  <a:schemeClr val="tx1">
-                    <a:lumMod val="65000"/>
-                    <a:lumOff val="35000"/>
-                  </a:schemeClr>
-                </a:solidFill>
-                <a:latin typeface="思源黑体" panose="020B0500000000000000" pitchFamily="34" charset="-122"/>
-                <a:ea typeface="思源黑体" panose="020B0500000000000000" pitchFamily="34" charset="-122"/>
-              </a:rPr>
-              <a:t>2013,34(03):778-782.DOI:10.16208/j.issn1000-7024.2013.03.027.</a:t>
+              <a:t> </a:t>
             </a:r>
             <a:endParaRPr lang="en-GB" sz="1200" dirty="0">
               <a:solidFill>
@@ -11717,7 +11640,6 @@
                   <a:lumOff val="35000"/>
                 </a:schemeClr>
               </a:solidFill>
-              <a:latin typeface="思源黑体" panose="020B0500000000000000" pitchFamily="34" charset="-122"/>
               <a:ea typeface="思源黑体" panose="020B0500000000000000" pitchFamily="34" charset="-122"/>
             </a:endParaRPr>
           </a:p>
@@ -11776,10 +11698,6 @@
               </a:rPr>
               <a:t>05</a:t>
             </a:r>
-            <a:endParaRPr lang="en-GB" sz="1600" dirty="0">
-              <a:latin typeface="思源黑体" panose="020B0500000000000000" pitchFamily="34" charset="-122"/>
-              <a:ea typeface="思源黑体" panose="020B0500000000000000" pitchFamily="34" charset="-122"/>
-            </a:endParaRPr>
           </a:p>
         </p:txBody>
       </p:sp>
@@ -11791,255 +11709,8 @@
         </p:nvSpPr>
         <p:spPr>
           <a:xfrm>
-            <a:off x="5910370" y="4809904"/>
-            <a:ext cx="3722173" cy="424412"/>
-          </a:xfrm>
-          <a:prstGeom prst="rect">
-            <a:avLst/>
-          </a:prstGeom>
-          <a:noFill/>
-        </p:spPr>
-        <p:txBody>
-          <a:bodyPr wrap="none" lIns="0" tIns="0" rIns="0" bIns="0" rtlCol="0">
-            <a:spAutoFit/>
-          </a:bodyPr>
-          <a:lstStyle/>
-          <a:p>
-            <a:pPr>
-              <a:lnSpc>
-                <a:spcPct val="120000"/>
-              </a:lnSpc>
-            </a:pPr>
-            <a:r>
-              <a:rPr lang="zh-CN" altLang="en-US" sz="1200" dirty="0">
-                <a:solidFill>
-                  <a:schemeClr val="tx1">
-                    <a:lumMod val="65000"/>
-                    <a:lumOff val="35000"/>
-                  </a:schemeClr>
-                </a:solidFill>
-                <a:latin typeface="思源黑体" panose="020B0500000000000000" pitchFamily="34" charset="-122"/>
-                <a:ea typeface="思源黑体" panose="020B0500000000000000" pitchFamily="34" charset="-122"/>
-              </a:rPr>
-              <a:t>    董晓玮</a:t>
-            </a:r>
-            <a:r>
-              <a:rPr lang="en-US" altLang="zh-CN" sz="1200" dirty="0">
-                <a:solidFill>
-                  <a:schemeClr val="tx1">
-                    <a:lumMod val="65000"/>
-                    <a:lumOff val="35000"/>
-                  </a:schemeClr>
-                </a:solidFill>
-                <a:latin typeface="思源黑体" panose="020B0500000000000000" pitchFamily="34" charset="-122"/>
-                <a:ea typeface="思源黑体" panose="020B0500000000000000" pitchFamily="34" charset="-122"/>
-              </a:rPr>
-              <a:t>,</a:t>
-            </a:r>
-            <a:r>
-              <a:rPr lang="zh-CN" altLang="en-US" sz="1200" dirty="0">
-                <a:solidFill>
-                  <a:schemeClr val="tx1">
-                    <a:lumMod val="65000"/>
-                    <a:lumOff val="35000"/>
-                  </a:schemeClr>
-                </a:solidFill>
-                <a:latin typeface="思源黑体" panose="020B0500000000000000" pitchFamily="34" charset="-122"/>
-                <a:ea typeface="思源黑体" panose="020B0500000000000000" pitchFamily="34" charset="-122"/>
-              </a:rPr>
-              <a:t>赵月英</a:t>
-            </a:r>
-            <a:r>
-              <a:rPr lang="en-US" altLang="zh-CN" sz="1200" dirty="0">
-                <a:solidFill>
-                  <a:schemeClr val="tx1">
-                    <a:lumMod val="65000"/>
-                    <a:lumOff val="35000"/>
-                  </a:schemeClr>
-                </a:solidFill>
-                <a:latin typeface="思源黑体" panose="020B0500000000000000" pitchFamily="34" charset="-122"/>
-                <a:ea typeface="思源黑体" panose="020B0500000000000000" pitchFamily="34" charset="-122"/>
-              </a:rPr>
-              <a:t>,</a:t>
-            </a:r>
-            <a:r>
-              <a:rPr lang="zh-CN" altLang="en-US" sz="1200" dirty="0">
-                <a:solidFill>
-                  <a:schemeClr val="tx1">
-                    <a:lumMod val="65000"/>
-                    <a:lumOff val="35000"/>
-                  </a:schemeClr>
-                </a:solidFill>
-                <a:latin typeface="思源黑体" panose="020B0500000000000000" pitchFamily="34" charset="-122"/>
-                <a:ea typeface="思源黑体" panose="020B0500000000000000" pitchFamily="34" charset="-122"/>
-              </a:rPr>
-              <a:t>张一鸣</a:t>
-            </a:r>
-            <a:r>
-              <a:rPr lang="en-US" altLang="zh-CN" sz="1200" dirty="0">
-                <a:solidFill>
-                  <a:schemeClr val="tx1">
-                    <a:lumMod val="65000"/>
-                    <a:lumOff val="35000"/>
-                  </a:schemeClr>
-                </a:solidFill>
-                <a:latin typeface="思源黑体" panose="020B0500000000000000" pitchFamily="34" charset="-122"/>
-                <a:ea typeface="思源黑体" panose="020B0500000000000000" pitchFamily="34" charset="-122"/>
-              </a:rPr>
-              <a:t>.</a:t>
-            </a:r>
-            <a:r>
-              <a:rPr lang="zh-CN" altLang="en-US" sz="1200" dirty="0">
-                <a:solidFill>
-                  <a:schemeClr val="tx1">
-                    <a:lumMod val="65000"/>
-                    <a:lumOff val="35000"/>
-                  </a:schemeClr>
-                </a:solidFill>
-                <a:latin typeface="思源黑体" panose="020B0500000000000000" pitchFamily="34" charset="-122"/>
-                <a:ea typeface="思源黑体" panose="020B0500000000000000" pitchFamily="34" charset="-122"/>
-              </a:rPr>
-              <a:t>电商秒杀系统的设计与实现</a:t>
-            </a:r>
-            <a:r>
-              <a:rPr lang="en-US" altLang="zh-CN" sz="1200" dirty="0">
-                <a:solidFill>
-                  <a:schemeClr val="tx1">
-                    <a:lumMod val="65000"/>
-                    <a:lumOff val="35000"/>
-                  </a:schemeClr>
-                </a:solidFill>
-                <a:latin typeface="思源黑体" panose="020B0500000000000000" pitchFamily="34" charset="-122"/>
-                <a:ea typeface="思源黑体" panose="020B0500000000000000" pitchFamily="34" charset="-122"/>
-              </a:rPr>
-              <a:t>[J].</a:t>
-            </a:r>
-            <a:endParaRPr lang="en-US" altLang="zh-CN" sz="1200" dirty="0">
-              <a:solidFill>
-                <a:schemeClr val="tx1">
-                  <a:lumMod val="65000"/>
-                  <a:lumOff val="35000"/>
-                </a:schemeClr>
-              </a:solidFill>
-              <a:latin typeface="思源黑体" panose="020B0500000000000000" pitchFamily="34" charset="-122"/>
-              <a:ea typeface="思源黑体" panose="020B0500000000000000" pitchFamily="34" charset="-122"/>
-            </a:endParaRPr>
-          </a:p>
-          <a:p>
-            <a:pPr>
-              <a:lnSpc>
-                <a:spcPct val="120000"/>
-              </a:lnSpc>
-            </a:pPr>
-            <a:r>
-              <a:rPr lang="zh-CN" altLang="en-US" sz="1200" dirty="0">
-                <a:solidFill>
-                  <a:schemeClr val="tx1">
-                    <a:lumMod val="65000"/>
-                    <a:lumOff val="35000"/>
-                  </a:schemeClr>
-                </a:solidFill>
-                <a:latin typeface="思源黑体" panose="020B0500000000000000" pitchFamily="34" charset="-122"/>
-                <a:ea typeface="思源黑体" panose="020B0500000000000000" pitchFamily="34" charset="-122"/>
-              </a:rPr>
-              <a:t>信息技术与信息化</a:t>
-            </a:r>
-            <a:r>
-              <a:rPr lang="en-US" altLang="zh-CN" sz="1200" dirty="0">
-                <a:solidFill>
-                  <a:schemeClr val="tx1">
-                    <a:lumMod val="65000"/>
-                    <a:lumOff val="35000"/>
-                  </a:schemeClr>
-                </a:solidFill>
-                <a:latin typeface="思源黑体" panose="020B0500000000000000" pitchFamily="34" charset="-122"/>
-                <a:ea typeface="思源黑体" panose="020B0500000000000000" pitchFamily="34" charset="-122"/>
-              </a:rPr>
-              <a:t>,2020(09):40-42.</a:t>
-            </a:r>
-            <a:endParaRPr lang="en-GB" sz="1200" dirty="0">
-              <a:solidFill>
-                <a:schemeClr val="tx1">
-                  <a:lumMod val="65000"/>
-                  <a:lumOff val="35000"/>
-                </a:schemeClr>
-              </a:solidFill>
-              <a:latin typeface="思源黑体" panose="020B0500000000000000" pitchFamily="34" charset="-122"/>
-              <a:ea typeface="思源黑体" panose="020B0500000000000000" pitchFamily="34" charset="-122"/>
-            </a:endParaRPr>
-          </a:p>
-        </p:txBody>
-      </p:sp>
-      <p:sp>
-        <p:nvSpPr>
-          <p:cNvPr id="46" name="Oval 34"/>
-          <p:cNvSpPr/>
-          <p:nvPr/>
-        </p:nvSpPr>
-        <p:spPr>
-          <a:xfrm>
-            <a:off x="3899176" y="5353644"/>
-            <a:ext cx="518034" cy="518032"/>
-          </a:xfrm>
-          <a:prstGeom prst="ellipse">
-            <a:avLst/>
-          </a:prstGeom>
-          <a:solidFill>
-            <a:srgbClr val="244C89"/>
-          </a:solidFill>
-          <a:ln>
-            <a:noFill/>
-          </a:ln>
-        </p:spPr>
-        <p:style>
-          <a:lnRef idx="2">
-            <a:schemeClr val="accent1">
-              <a:shade val="50000"/>
-            </a:schemeClr>
-          </a:lnRef>
-          <a:fillRef idx="1">
-            <a:schemeClr val="accent1"/>
-          </a:fillRef>
-          <a:effectRef idx="0">
-            <a:schemeClr val="accent1"/>
-          </a:effectRef>
-          <a:fontRef idx="minor">
-            <a:schemeClr val="lt1"/>
-          </a:fontRef>
-        </p:style>
-        <p:txBody>
-          <a:bodyPr lIns="0" tIns="0" rIns="0" bIns="0" rtlCol="0" anchor="ctr"/>
-          <a:lstStyle/>
-          <a:p>
-            <a:pPr algn="ctr">
-              <a:lnSpc>
-                <a:spcPct val="120000"/>
-              </a:lnSpc>
-            </a:pPr>
-            <a:r>
-              <a:rPr lang="en-GB" sz="1600" dirty="0">
-                <a:latin typeface="思源黑体" panose="020B0500000000000000" pitchFamily="34" charset="-122"/>
-                <a:ea typeface="思源黑体" panose="020B0500000000000000" pitchFamily="34" charset="-122"/>
-              </a:rPr>
-              <a:t>06</a:t>
-            </a:r>
-            <a:endParaRPr lang="en-GB" sz="1600" dirty="0">
-              <a:latin typeface="思源黑体" panose="020B0500000000000000" pitchFamily="34" charset="-122"/>
-              <a:ea typeface="思源黑体" panose="020B0500000000000000" pitchFamily="34" charset="-122"/>
-            </a:endParaRPr>
-          </a:p>
-        </p:txBody>
-      </p:sp>
-      <p:sp>
-        <p:nvSpPr>
-          <p:cNvPr id="48" name="TextBox 53"/>
-          <p:cNvSpPr txBox="1"/>
-          <p:nvPr/>
-        </p:nvSpPr>
-        <p:spPr>
-          <a:xfrm>
-            <a:off x="5935950" y="5400454"/>
-            <a:ext cx="4044569" cy="424412"/>
+            <a:off x="6096000" y="4953322"/>
+            <a:ext cx="5953809" cy="206851"/>
           </a:xfrm>
           <a:prstGeom prst="rect">
             <a:avLst/>
@@ -12065,118 +11736,21 @@
                     <a:lumOff val="35000"/>
                   </a:schemeClr>
                 </a:solidFill>
-                <a:latin typeface="思源黑体" panose="020B0500000000000000" pitchFamily="34" charset="-122"/>
                 <a:ea typeface="思源黑体" panose="020B0500000000000000" pitchFamily="34" charset="-122"/>
               </a:rPr>
-              <a:t>    Morgan Bruce</a:t>
+              <a:t>Bruce Jay Nelson. "The Design and Implementation of a High-Performance Transport Protocol".</a:t>
             </a:r>
             <a:r>
-              <a:rPr lang="zh-CN" altLang="en-US" sz="1200" dirty="0">
+              <a:rPr lang="zh-CN" altLang="zh-CN" sz="1200" dirty="0">
                 <a:solidFill>
                   <a:schemeClr val="tx1">
                     <a:lumMod val="65000"/>
                     <a:lumOff val="35000"/>
                   </a:schemeClr>
                 </a:solidFill>
-                <a:latin typeface="思源黑体" panose="020B0500000000000000" pitchFamily="34" charset="-122"/>
                 <a:ea typeface="思源黑体" panose="020B0500000000000000" pitchFamily="34" charset="-122"/>
               </a:rPr>
-              <a:t>，</a:t>
-            </a:r>
-            <a:r>
-              <a:rPr lang="en-US" altLang="zh-CN" sz="1200" dirty="0">
-                <a:solidFill>
-                  <a:schemeClr val="tx1">
-                    <a:lumMod val="65000"/>
-                    <a:lumOff val="35000"/>
-                  </a:schemeClr>
-                </a:solidFill>
-                <a:latin typeface="思源黑体" panose="020B0500000000000000" pitchFamily="34" charset="-122"/>
-                <a:ea typeface="思源黑体" panose="020B0500000000000000" pitchFamily="34" charset="-122"/>
-              </a:rPr>
-              <a:t>Paulo A. Pereira.《</a:t>
-            </a:r>
-            <a:r>
-              <a:rPr lang="zh-CN" altLang="en-US" sz="1200" dirty="0">
-                <a:solidFill>
-                  <a:schemeClr val="tx1">
-                    <a:lumMod val="65000"/>
-                    <a:lumOff val="35000"/>
-                  </a:schemeClr>
-                </a:solidFill>
-                <a:latin typeface="思源黑体" panose="020B0500000000000000" pitchFamily="34" charset="-122"/>
-                <a:ea typeface="思源黑体" panose="020B0500000000000000" pitchFamily="34" charset="-122"/>
-              </a:rPr>
-              <a:t>微服务实战</a:t>
-            </a:r>
-            <a:r>
-              <a:rPr lang="en-US" altLang="zh-CN" sz="1200" dirty="0">
-                <a:solidFill>
-                  <a:schemeClr val="tx1">
-                    <a:lumMod val="65000"/>
-                    <a:lumOff val="35000"/>
-                  </a:schemeClr>
-                </a:solidFill>
-                <a:latin typeface="思源黑体" panose="020B0500000000000000" pitchFamily="34" charset="-122"/>
-                <a:ea typeface="思源黑体" panose="020B0500000000000000" pitchFamily="34" charset="-122"/>
-              </a:rPr>
-              <a:t>》[M]</a:t>
-            </a:r>
-            <a:r>
-              <a:rPr lang="zh-CN" altLang="en-US" sz="1200" dirty="0">
-                <a:solidFill>
-                  <a:schemeClr val="tx1">
-                    <a:lumMod val="65000"/>
-                    <a:lumOff val="35000"/>
-                  </a:schemeClr>
-                </a:solidFill>
-                <a:latin typeface="思源黑体" panose="020B0500000000000000" pitchFamily="34" charset="-122"/>
-                <a:ea typeface="思源黑体" panose="020B0500000000000000" pitchFamily="34" charset="-122"/>
-              </a:rPr>
-              <a:t>：</a:t>
-            </a:r>
-            <a:endParaRPr lang="en-US" altLang="zh-CN" sz="1200" dirty="0">
-              <a:solidFill>
-                <a:schemeClr val="tx1">
-                  <a:lumMod val="65000"/>
-                  <a:lumOff val="35000"/>
-                </a:schemeClr>
-              </a:solidFill>
-              <a:latin typeface="思源黑体" panose="020B0500000000000000" pitchFamily="34" charset="-122"/>
-              <a:ea typeface="思源黑体" panose="020B0500000000000000" pitchFamily="34" charset="-122"/>
-            </a:endParaRPr>
-          </a:p>
-          <a:p>
-            <a:pPr>
-              <a:lnSpc>
-                <a:spcPct val="120000"/>
-              </a:lnSpc>
-            </a:pPr>
-            <a:r>
-              <a:rPr lang="zh-CN" altLang="en-US" sz="1200" dirty="0">
-                <a:solidFill>
-                  <a:schemeClr val="tx1">
-                    <a:lumMod val="65000"/>
-                    <a:lumOff val="35000"/>
-                  </a:schemeClr>
-                </a:solidFill>
-                <a:latin typeface="思源黑体" panose="020B0500000000000000" pitchFamily="34" charset="-122"/>
-                <a:ea typeface="思源黑体" panose="020B0500000000000000" pitchFamily="34" charset="-122"/>
-              </a:rPr>
-              <a:t>人民邮电出版社，</a:t>
-            </a:r>
-            <a:r>
-              <a:rPr lang="en-US" altLang="zh-CN" sz="1200" dirty="0">
-                <a:solidFill>
-                  <a:schemeClr val="tx1">
-                    <a:lumMod val="65000"/>
-                    <a:lumOff val="35000"/>
-                  </a:schemeClr>
-                </a:solidFill>
-                <a:latin typeface="思源黑体" panose="020B0500000000000000" pitchFamily="34" charset="-122"/>
-                <a:ea typeface="思源黑体" panose="020B0500000000000000" pitchFamily="34" charset="-122"/>
-              </a:rPr>
-              <a:t>2020</a:t>
+              <a:t> </a:t>
             </a:r>
             <a:endParaRPr lang="en-GB" sz="1200" dirty="0">
               <a:solidFill>
@@ -12185,7 +11759,6 @@
                   <a:lumOff val="35000"/>
                 </a:schemeClr>
               </a:solidFill>
-              <a:latin typeface="思源黑体" panose="020B0500000000000000" pitchFamily="34" charset="-122"/>
               <a:ea typeface="思源黑体" panose="020B0500000000000000" pitchFamily="34" charset="-122"/>
             </a:endParaRPr>
           </a:p>
@@ -12382,43 +11955,6 @@
           </a:fontRef>
         </p:style>
       </p:cxnSp>
-      <p:cxnSp>
-        <p:nvCxnSpPr>
-          <p:cNvPr id="63" name="直接连接符 62"/>
-          <p:cNvCxnSpPr/>
-          <p:nvPr/>
-        </p:nvCxnSpPr>
-        <p:spPr>
-          <a:xfrm>
-            <a:off x="4417210" y="5612660"/>
-            <a:ext cx="1359128" cy="0"/>
-          </a:xfrm>
-          <a:prstGeom prst="line">
-            <a:avLst/>
-          </a:prstGeom>
-          <a:ln w="12700">
-            <a:solidFill>
-              <a:srgbClr val="433D3C"/>
-            </a:solidFill>
-            <a:prstDash val="dash"/>
-            <a:tailEnd type="oval"/>
-          </a:ln>
-        </p:spPr>
-        <p:style>
-          <a:lnRef idx="1">
-            <a:schemeClr val="accent1"/>
-          </a:lnRef>
-          <a:fillRef idx="0">
-            <a:schemeClr val="accent1"/>
-          </a:fillRef>
-          <a:effectRef idx="0">
-            <a:schemeClr val="accent1"/>
-          </a:effectRef>
-          <a:fontRef idx="minor">
-            <a:schemeClr val="tx1"/>
-          </a:fontRef>
-        </p:style>
-      </p:cxnSp>
       <p:grpSp>
         <p:nvGrpSpPr>
           <p:cNvPr id="3" name="组合 2"/>
@@ -12524,13 +12060,6 @@
                 </a:rPr>
                 <a:t>请老师们对我的课题提出宝贵意见！</a:t>
               </a:r>
-              <a:endParaRPr lang="zh-CN" altLang="en-US" sz="2400" dirty="0">
-                <a:solidFill>
-                  <a:schemeClr val="bg1"/>
-                </a:solidFill>
-                <a:latin typeface="方正清刻本悦宋简体" panose="02000000000000000000" pitchFamily="2" charset="-122"/>
-                <a:ea typeface="方正清刻本悦宋简体" panose="02000000000000000000" pitchFamily="2" charset="-122"/>
-              </a:endParaRPr>
             </a:p>
           </p:txBody>
         </p:sp>
@@ -12576,13 +12105,6 @@
               </a:rPr>
               <a:t>Bibliography</a:t>
             </a:r>
-            <a:endParaRPr lang="en-US" altLang="zh-CN" sz="1400" dirty="0">
-              <a:solidFill>
-                <a:srgbClr val="313D51"/>
-              </a:solidFill>
-              <a:cs typeface="+mn-ea"/>
-              <a:sym typeface="+mn-lt"/>
-            </a:endParaRPr>
           </a:p>
         </p:txBody>
       </p:sp>
@@ -13197,122 +12719,6 @@
                                   </p:childTnLst>
                                 </p:cTn>
                               </p:par>
-                              <p:par>
-                                <p:cTn id="45" presetID="53" presetClass="entr" presetSubtype="16" fill="hold" grpId="0" nodeType="withEffect">
-                                  <p:stCondLst>
-                                    <p:cond delay="0"/>
-                                  </p:stCondLst>
-                                  <p:childTnLst>
-                                    <p:set>
-                                      <p:cBhvr>
-                                        <p:cTn id="46" dur="1" fill="hold">
-                                          <p:stCondLst>
-                                            <p:cond delay="0"/>
-                                          </p:stCondLst>
-                                        </p:cTn>
-                                        <p:tgtEl>
-                                          <p:spTgt spid="46"/>
-                                        </p:tgtEl>
-                                        <p:attrNameLst>
-                                          <p:attrName>style.visibility</p:attrName>
-                                        </p:attrNameLst>
-                                      </p:cBhvr>
-                                      <p:to>
-                                        <p:strVal val="visible"/>
-                                      </p:to>
-                                    </p:set>
-                                    <p:anim calcmode="lin" valueType="num">
-                                      <p:cBhvr>
-                                        <p:cTn id="47" dur="500" fill="hold"/>
-                                        <p:tgtEl>
-                                          <p:spTgt spid="46"/>
-                                        </p:tgtEl>
-                                        <p:attrNameLst>
-                                          <p:attrName>ppt_w</p:attrName>
-                                        </p:attrNameLst>
-                                      </p:cBhvr>
-                                      <p:tavLst>
-                                        <p:tav tm="0">
-                                          <p:val>
-                                            <p:fltVal val="0"/>
-                                          </p:val>
-                                        </p:tav>
-                                        <p:tav tm="100000">
-                                          <p:val>
-                                            <p:strVal val="#ppt_w"/>
-                                          </p:val>
-                                        </p:tav>
-                                      </p:tavLst>
-                                    </p:anim>
-                                    <p:anim calcmode="lin" valueType="num">
-                                      <p:cBhvr>
-                                        <p:cTn id="48" dur="500" fill="hold"/>
-                                        <p:tgtEl>
-                                          <p:spTgt spid="46"/>
-                                        </p:tgtEl>
-                                        <p:attrNameLst>
-                                          <p:attrName>ppt_h</p:attrName>
-                                        </p:attrNameLst>
-                                      </p:cBhvr>
-                                      <p:tavLst>
-                                        <p:tav tm="0">
-                                          <p:val>
-                                            <p:fltVal val="0"/>
-                                          </p:val>
-                                        </p:tav>
-                                        <p:tav tm="100000">
-                                          <p:val>
-                                            <p:strVal val="#ppt_h"/>
-                                          </p:val>
-                                        </p:tav>
-                                      </p:tavLst>
-                                    </p:anim>
-                                    <p:animEffect transition="in" filter="fade">
-                                      <p:cBhvr>
-                                        <p:cTn id="49" dur="500"/>
-                                        <p:tgtEl>
-                                          <p:spTgt spid="46"/>
-                                        </p:tgtEl>
-                                      </p:cBhvr>
-                                    </p:animEffect>
-                                  </p:childTnLst>
-                                </p:cTn>
-                              </p:par>
-                              <p:par>
-                                <p:cTn id="50" presetID="22" presetClass="entr" presetSubtype="8" fill="hold" nodeType="withEffect">
-                                  <p:stCondLst>
-                                    <p:cond delay="0"/>
-                                  </p:stCondLst>
-                                  <p:childTnLst>
-                                    <p:set>
-                                      <p:cBhvr>
-                                        <p:cTn id="51" dur="1" fill="hold">
-                                          <p:stCondLst>
-                                            <p:cond delay="0"/>
-                                          </p:stCondLst>
-                                        </p:cTn>
-                                        <p:tgtEl>
-                                          <p:spTgt spid="63"/>
-                                        </p:tgtEl>
-                                        <p:attrNameLst>
-                                          <p:attrName>style.visibility</p:attrName>
-                                        </p:attrNameLst>
-                                      </p:cBhvr>
-                                      <p:to>
-                                        <p:strVal val="visible"/>
-                                      </p:to>
-                                    </p:set>
-                                    <p:animEffect transition="in" filter="wipe(left)">
-                                      <p:cBhvr>
-                                        <p:cTn id="52" dur="650"/>
-                                        <p:tgtEl>
-                                          <p:spTgt spid="63"/>
-                                        </p:tgtEl>
-                                      </p:cBhvr>
-                                    </p:animEffect>
-                                  </p:childTnLst>
-                                </p:cTn>
-                              </p:par>
                             </p:childTnLst>
                           </p:cTn>
                         </p:par>
@@ -13346,7 +12752,6 @@
       <p:bldP spid="32" grpId="0" animBg="1"/>
       <p:bldP spid="38" grpId="0" animBg="1"/>
       <p:bldP spid="42" grpId="0" animBg="1"/>
-      <p:bldP spid="46" grpId="0" animBg="1"/>
     </p:bldLst>
   </p:timing>
 </p:sld>
@@ -13378,7 +12783,7 @@
           <p:nvPr/>
         </p:nvPicPr>
         <p:blipFill>
-          <a:blip r:embed="rId1" cstate="print">
+          <a:blip r:embed="rId5" cstate="print">
             <a:extLst>
               <a:ext uri="{28A0092B-C50C-407E-A947-70E740481C1C}">
                 <a14:useLocalDpi xmlns:a14="http://schemas.microsoft.com/office/drawing/2010/main" val="0"/>
@@ -13545,13 +12950,6 @@
               </a:rPr>
               <a:t>感谢聆听</a:t>
             </a:r>
-            <a:endParaRPr lang="zh-CN" altLang="en-US" sz="6600" b="1" dirty="0">
-              <a:solidFill>
-                <a:schemeClr val="bg1"/>
-              </a:solidFill>
-              <a:latin typeface="华文仿宋" panose="02010600040101010101" pitchFamily="2" charset="-122"/>
-              <a:ea typeface="华文仿宋" panose="02010600040101010101" pitchFamily="2" charset="-122"/>
-            </a:endParaRPr>
           </a:p>
         </p:txBody>
       </p:sp>
@@ -13561,7 +12959,7 @@
           <p:cNvSpPr/>
           <p:nvPr>
             <p:custDataLst>
-              <p:tags r:id="rId2"/>
+              <p:tags r:id="rId1"/>
             </p:custDataLst>
           </p:nvPr>
         </p:nvSpPr>
@@ -13611,15 +13009,8 @@
                 <a:latin typeface="方正清刻本悦宋简体" panose="02000000000000000000" pitchFamily="2" charset="-122"/>
                 <a:ea typeface="方正清刻本悦宋简体" panose="02000000000000000000" pitchFamily="2" charset="-122"/>
               </a:rPr>
-              <a:t>答辩人：卓 悦</a:t>
+              <a:t>答辩人：郑 剑</a:t>
             </a:r>
-            <a:endParaRPr lang="zh-CN" altLang="en-US" sz="1065" dirty="0">
-              <a:solidFill>
-                <a:srgbClr val="223762"/>
-              </a:solidFill>
-              <a:latin typeface="方正清刻本悦宋简体" panose="02000000000000000000" pitchFamily="2" charset="-122"/>
-              <a:ea typeface="方正清刻本悦宋简体" panose="02000000000000000000" pitchFamily="2" charset="-122"/>
-            </a:endParaRPr>
           </a:p>
         </p:txBody>
       </p:sp>
@@ -13632,7 +13023,7 @@
           <p:nvPr/>
         </p:nvPicPr>
         <p:blipFill>
-          <a:blip r:embed="rId3">
+          <a:blip r:embed="rId6">
             <a:extLst>
               <a:ext uri="{28A0092B-C50C-407E-A947-70E740481C1C}">
                 <a14:useLocalDpi xmlns:a14="http://schemas.microsoft.com/office/drawing/2010/main" val="0"/>
@@ -13877,7 +13268,7 @@
                 <a:latin typeface="方正清刻本悦宋简体" panose="02000000000000000000" pitchFamily="2" charset="-122"/>
                 <a:ea typeface="方正清刻本悦宋简体" panose="02000000000000000000" pitchFamily="2" charset="-122"/>
               </a:rPr>
-              <a:t>2019</a:t>
+              <a:t>2020</a:t>
             </a:r>
             <a:r>
               <a:rPr lang="zh-CN" altLang="en-US" sz="1800" dirty="0">
@@ -13897,7 +13288,7 @@
                 <a:latin typeface="方正清刻本悦宋简体" panose="02000000000000000000" pitchFamily="2" charset="-122"/>
                 <a:ea typeface="方正清刻本悦宋简体" panose="02000000000000000000" pitchFamily="2" charset="-122"/>
               </a:rPr>
-              <a:t>1</a:t>
+              <a:t>8</a:t>
             </a:r>
             <a:r>
               <a:rPr lang="zh-CN" altLang="en-US" sz="1800" dirty="0">
@@ -13925,7 +13316,7 @@
           <p:cNvSpPr/>
           <p:nvPr>
             <p:custDataLst>
-              <p:tags r:id="rId4"/>
+              <p:tags r:id="rId2"/>
             </p:custDataLst>
           </p:nvPr>
         </p:nvSpPr>
@@ -13975,15 +13366,8 @@
                 <a:latin typeface="方正清刻本悦宋简体" panose="02000000000000000000" pitchFamily="2" charset="-122"/>
                 <a:ea typeface="方正清刻本悦宋简体" panose="02000000000000000000" pitchFamily="2" charset="-122"/>
               </a:rPr>
-              <a:t>指导教师：肖 斌</a:t>
+              <a:t>指导教师：梅广超</a:t>
             </a:r>
-            <a:endParaRPr lang="zh-CN" altLang="en-US" sz="1065" dirty="0">
-              <a:solidFill>
-                <a:srgbClr val="223762"/>
-              </a:solidFill>
-              <a:latin typeface="方正清刻本悦宋简体" panose="02000000000000000000" pitchFamily="2" charset="-122"/>
-              <a:ea typeface="方正清刻本悦宋简体" panose="02000000000000000000" pitchFamily="2" charset="-122"/>
-            </a:endParaRPr>
           </a:p>
         </p:txBody>
       </p:sp>
@@ -13992,13 +13376,13 @@
   <p:clrMapOvr>
     <a:masterClrMapping/>
   </p:clrMapOvr>
-  <mc:AlternateContent xmlns:mc="http://schemas.openxmlformats.org/markup-compatibility/2006">
-    <mc:Choice xmlns:p15="http://schemas.microsoft.com/office/powerpoint/2012/main" Requires="p15">
-      <p:transition xmlns:p14="http://schemas.microsoft.com/office/powerpoint/2010/main" spd="slow" Requires="p14" p14:dur="3250">
+  <mc:AlternateContent xmlns:mc="http://schemas.openxmlformats.org/markup-compatibility/2006" xmlns:p15="http://schemas.microsoft.com/office/powerpoint/2012/main">
+    <mc:Choice Requires="p15">
+      <p:transition xmlns:p14="http://schemas.microsoft.com/office/powerpoint/2010/main" spd="slow" p14:dur="3250">
         <p15:prstTrans prst="origami"/>
       </p:transition>
     </mc:Choice>
-    <mc:Fallback>
+    <mc:Fallback xmlns="">
       <p:transition spd="slow">
         <p:fade/>
       </p:transition>
@@ -14522,7 +13906,7 @@
           <p:nvPr/>
         </p:nvPicPr>
         <p:blipFill>
-          <a:blip r:embed="rId1" cstate="print">
+          <a:blip r:embed="rId3" cstate="print">
             <a:extLst>
               <a:ext uri="{28A0092B-C50C-407E-A947-70E740481C1C}">
                 <a14:useLocalDpi xmlns:a14="http://schemas.microsoft.com/office/drawing/2010/main" val="0"/>
@@ -14806,13 +14190,6 @@
                 </a:rPr>
                 <a:t>目 录</a:t>
               </a:r>
-              <a:endParaRPr lang="zh-CN" altLang="en-US" sz="3735" b="1" dirty="0">
-                <a:solidFill>
-                  <a:schemeClr val="bg1"/>
-                </a:solidFill>
-                <a:latin typeface="华文仿宋" panose="02010600040101010101" pitchFamily="2" charset="-122"/>
-                <a:ea typeface="华文仿宋" panose="02010600040101010101" pitchFamily="2" charset="-122"/>
-              </a:endParaRPr>
             </a:p>
           </p:txBody>
         </p:sp>
@@ -16054,13 +15431,6 @@
                   </a:rPr>
                   <a:t>课题背景及意义</a:t>
                 </a:r>
-                <a:endParaRPr lang="zh-CN" altLang="en-US" b="1" dirty="0">
-                  <a:solidFill>
-                    <a:srgbClr val="313D51"/>
-                  </a:solidFill>
-                  <a:latin typeface="华文仿宋" panose="02010600040101010101" pitchFamily="2" charset="-122"/>
-                  <a:ea typeface="思源黑体" panose="020B0500000000000000" pitchFamily="34" charset="-122"/>
-                </a:endParaRPr>
               </a:p>
             </p:txBody>
           </p:sp>
@@ -17578,13 +16948,6 @@
                   </a:rPr>
                   <a:t>研究内容与思路</a:t>
                 </a:r>
-                <a:endParaRPr lang="zh-CN" altLang="en-US" b="1" dirty="0">
-                  <a:solidFill>
-                    <a:srgbClr val="313D51"/>
-                  </a:solidFill>
-                  <a:latin typeface="思源黑体" panose="020B0500000000000000" pitchFamily="34" charset="-122"/>
-                  <a:ea typeface="思源黑体" panose="020B0500000000000000" pitchFamily="34" charset="-122"/>
-                </a:endParaRPr>
               </a:p>
             </p:txBody>
           </p:sp>
@@ -19024,13 +18387,6 @@
                   </a:rPr>
                   <a:t>可行性分析论证</a:t>
                 </a:r>
-                <a:endParaRPr lang="zh-CN" altLang="en-US" b="1" dirty="0">
-                  <a:solidFill>
-                    <a:srgbClr val="313D51"/>
-                  </a:solidFill>
-                  <a:latin typeface="思源黑体" panose="020B0500000000000000" pitchFamily="34" charset="-122"/>
-                  <a:ea typeface="思源黑体" panose="020B0500000000000000" pitchFamily="34" charset="-122"/>
-                </a:endParaRPr>
               </a:p>
             </p:txBody>
           </p:sp>
@@ -19165,20 +18521,20 @@
   <p:clrMapOvr>
     <a:masterClrMapping/>
   </p:clrMapOvr>
-  <mc:AlternateContent xmlns:mc="http://schemas.openxmlformats.org/markup-compatibility/2006">
-    <mc:Choice xmlns:p15="http://schemas.microsoft.com/office/powerpoint/2012/main" Requires="p15">
-      <p:transition xmlns:p14="http://schemas.microsoft.com/office/powerpoint/2010/main" spd="slow" Requires="p14" p14:dur="1250">
+  <mc:AlternateContent xmlns:mc="http://schemas.openxmlformats.org/markup-compatibility/2006" xmlns:p15="http://schemas.microsoft.com/office/powerpoint/2012/main">
+    <mc:Choice Requires="p15">
+      <p:transition xmlns:p14="http://schemas.microsoft.com/office/powerpoint/2010/main" spd="slow" p14:dur="1250">
         <p15:prstTrans prst="airplane"/>
       </p:transition>
     </mc:Choice>
-    <mc:Fallback>
+    <mc:Fallback xmlns="">
       <p:transition spd="slow">
         <p:fade/>
       </p:transition>
     </mc:Fallback>
   </mc:AlternateContent>
-  <mc:AlternateContent xmlns:mc="http://schemas.openxmlformats.org/markup-compatibility/2006">
-    <mc:Choice xmlns:p14="http://schemas.microsoft.com/office/powerpoint/2010/main" Requires="p14">
+  <mc:AlternateContent xmlns:mc="http://schemas.openxmlformats.org/markup-compatibility/2006" xmlns:p14="http://schemas.microsoft.com/office/powerpoint/2010/main">
+    <mc:Choice Requires="p14">
       <p:timing>
         <p:tnLst>
           <p:par>
@@ -19608,7 +18964,7 @@
         </p:bldLst>
       </p:timing>
     </mc:Choice>
-    <mc:Fallback>
+    <mc:Fallback xmlns="">
       <p:timing>
         <p:tnLst>
           <p:par>
@@ -20068,7 +19424,7 @@
           <p:nvPr/>
         </p:nvPicPr>
         <p:blipFill>
-          <a:blip r:embed="rId1" cstate="print">
+          <a:blip r:embed="rId3" cstate="print">
             <a:extLst>
               <a:ext uri="{28A0092B-C50C-407E-A947-70E740481C1C}">
                 <a14:useLocalDpi xmlns:a14="http://schemas.microsoft.com/office/drawing/2010/main" val="0"/>
@@ -20273,13 +19629,6 @@
               </a:rPr>
               <a:t>课题背景及意义</a:t>
             </a:r>
-            <a:endParaRPr lang="zh-CN" altLang="en-US" sz="4400" b="1" dirty="0">
-              <a:solidFill>
-                <a:schemeClr val="bg1"/>
-              </a:solidFill>
-              <a:latin typeface="华文仿宋" panose="02010600040101010101" pitchFamily="2" charset="-122"/>
-              <a:ea typeface="华文仿宋" panose="02010600040101010101" pitchFamily="2" charset="-122"/>
-            </a:endParaRPr>
           </a:p>
         </p:txBody>
       </p:sp>
@@ -20358,13 +19707,6 @@
               </a:rPr>
               <a:t>选题目的</a:t>
             </a:r>
-            <a:endParaRPr lang="zh-CN" altLang="en-US" sz="1400" dirty="0">
-              <a:solidFill>
-                <a:schemeClr val="bg1"/>
-              </a:solidFill>
-              <a:latin typeface="方正清刻本悦宋简体" panose="02000000000000000000" pitchFamily="2" charset="-122"/>
-              <a:ea typeface="方正清刻本悦宋简体" panose="02000000000000000000" pitchFamily="2" charset="-122"/>
-            </a:endParaRPr>
           </a:p>
         </p:txBody>
       </p:sp>
@@ -20408,13 +19750,6 @@
               </a:rPr>
               <a:t>选题意义</a:t>
             </a:r>
-            <a:endParaRPr lang="zh-CN" altLang="en-US" sz="1400" dirty="0">
-              <a:solidFill>
-                <a:schemeClr val="bg1"/>
-              </a:solidFill>
-              <a:latin typeface="方正清刻本悦宋简体" panose="02000000000000000000" pitchFamily="2" charset="-122"/>
-              <a:ea typeface="方正清刻本悦宋简体" panose="02000000000000000000" pitchFamily="2" charset="-122"/>
-            </a:endParaRPr>
           </a:p>
         </p:txBody>
       </p:sp>
@@ -20458,13 +19793,6 @@
               </a:rPr>
               <a:t>国内外研究现状</a:t>
             </a:r>
-            <a:endParaRPr lang="zh-CN" altLang="en-US" sz="1400" dirty="0">
-              <a:solidFill>
-                <a:schemeClr val="bg1"/>
-              </a:solidFill>
-              <a:latin typeface="方正清刻本悦宋简体" panose="02000000000000000000" pitchFamily="2" charset="-122"/>
-              <a:ea typeface="方正清刻本悦宋简体" panose="02000000000000000000" pitchFamily="2" charset="-122"/>
-            </a:endParaRPr>
           </a:p>
         </p:txBody>
       </p:sp>
@@ -21116,7 +20444,6 @@
               <a:rPr lang="zh-CN" altLang="en-US" dirty="0"/>
               <a:t>选题目的</a:t>
             </a:r>
-            <a:endParaRPr lang="zh-CN" altLang="en-US" dirty="0"/>
           </a:p>
         </p:txBody>
       </p:sp>
@@ -21154,7 +20481,6 @@
               <a:rPr sz="1600" dirty="0"/>
               <a:t>随着中国互联网行业的迅速发展，分布式系统在各个领域得到了广泛应用，无论是大型电商系统还是社交系统，网络节点之间的高效通信和远程方法调用变得尤为重要。在这一背景下，RPC作为一种在分布式系统中应用广泛的通信协议，发挥着至关重要的作用。本论文旨在深入研究并设计一种基于TCP的RPC框架，以更好地满足中国互联网环境下的需求和挑战。</a:t>
             </a:r>
-            <a:endParaRPr sz="1600" dirty="0"/>
           </a:p>
           <a:p>
             <a:pPr algn="just">
@@ -21296,13 +20622,6 @@
               </a:rPr>
               <a:t>Research Purpose</a:t>
             </a:r>
-            <a:endParaRPr lang="en-US" altLang="zh-CN" sz="1400" dirty="0">
-              <a:solidFill>
-                <a:srgbClr val="313D51"/>
-              </a:solidFill>
-              <a:cs typeface="+mn-ea"/>
-              <a:sym typeface="+mn-lt"/>
-            </a:endParaRPr>
           </a:p>
         </p:txBody>
       </p:sp>
@@ -21520,7 +20839,6 @@
               <a:rPr lang="zh-CN" altLang="en-US" dirty="0"/>
               <a:t>选题意义</a:t>
             </a:r>
-            <a:endParaRPr lang="zh-CN" altLang="en-US" dirty="0"/>
           </a:p>
         </p:txBody>
       </p:sp>
@@ -21594,13 +20912,6 @@
                 </a:rPr>
                 <a:t>意义</a:t>
               </a:r>
-              <a:endParaRPr lang="zh-CN" altLang="en-US" sz="4800" b="1" dirty="0">
-                <a:solidFill>
-                  <a:srgbClr val="244C89"/>
-                </a:solidFill>
-                <a:latin typeface="思源黑体" panose="020B0500000000000000" pitchFamily="34" charset="-122"/>
-                <a:ea typeface="思源黑体" panose="020B0500000000000000" pitchFamily="34" charset="-122"/>
-              </a:endParaRPr>
             </a:p>
           </p:txBody>
         </p:sp>
@@ -22193,16 +21504,6 @@
               </a:rPr>
               <a:t>调用，有利于各个服务组成自己的集群，提供系统的高可用。</a:t>
             </a:r>
-            <a:endParaRPr lang="zh-CN" altLang="en-US" sz="1400" dirty="0">
-              <a:solidFill>
-                <a:schemeClr val="tx1">
-                  <a:lumMod val="65000"/>
-                  <a:lumOff val="35000"/>
-                </a:schemeClr>
-              </a:solidFill>
-              <a:latin typeface="思源黑体" panose="020B0500000000000000" pitchFamily="34" charset="-122"/>
-              <a:ea typeface="思源黑体" panose="020B0500000000000000" pitchFamily="34" charset="-122"/>
-            </a:endParaRPr>
           </a:p>
         </p:txBody>
       </p:sp>
@@ -22417,16 +21718,6 @@
               </a:rPr>
               <a:t>   高效的RPC框架将有助于更快地处理大规模数据，促进科学家们在各领域的研究成果。</a:t>
             </a:r>
-            <a:endParaRPr lang="zh-CN" altLang="en-US" sz="1400" dirty="0">
-              <a:solidFill>
-                <a:schemeClr val="tx1">
-                  <a:lumMod val="65000"/>
-                  <a:lumOff val="35000"/>
-                </a:schemeClr>
-              </a:solidFill>
-              <a:latin typeface="思源黑体" panose="020B0500000000000000" pitchFamily="34" charset="-122"/>
-              <a:ea typeface="思源黑体" panose="020B0500000000000000" pitchFamily="34" charset="-122"/>
-            </a:endParaRPr>
           </a:p>
         </p:txBody>
       </p:sp>
@@ -22643,13 +21934,6 @@
               </a:rPr>
               <a:t>Significance of Topic Selection</a:t>
             </a:r>
-            <a:endParaRPr lang="en-US" altLang="zh-CN" sz="1400" dirty="0">
-              <a:solidFill>
-                <a:srgbClr val="313D51"/>
-              </a:solidFill>
-              <a:cs typeface="+mn-ea"/>
-              <a:sym typeface="+mn-lt"/>
-            </a:endParaRPr>
           </a:p>
         </p:txBody>
       </p:sp>
@@ -23673,7 +22957,6 @@
               <a:rPr lang="zh-CN" altLang="en-US" dirty="0"/>
               <a:t>国内外研究现状</a:t>
             </a:r>
-            <a:endParaRPr lang="zh-CN" altLang="en-US" dirty="0"/>
           </a:p>
         </p:txBody>
       </p:sp>
@@ -23980,13 +23263,6 @@
                 </a:rPr>
                 <a:t>01</a:t>
               </a:r>
-              <a:endParaRPr lang="en-US" altLang="zh-CN" sz="3600" dirty="0">
-                <a:solidFill>
-                  <a:schemeClr val="bg1"/>
-                </a:solidFill>
-                <a:latin typeface="思源黑体" panose="020B0500000000000000" pitchFamily="34" charset="-122"/>
-                <a:ea typeface="思源黑体" panose="020B0500000000000000" pitchFamily="34" charset="-122"/>
-              </a:endParaRPr>
             </a:p>
           </p:txBody>
         </p:sp>
@@ -24045,17 +23321,6 @@
                 </a:rPr>
                 <a:t>在1984年，Bruce Jay Nelson在他的博士论文中首次提出了远程过程调用的概念中将远程过程调用（RPC）定义为一种协议，它允许一个程序能够导致另一台主机上的程序执行过程，而执行过程的环境看起来就像是本地过程调用。</a:t>
               </a:r>
-              <a:endParaRPr sz="1400" dirty="0">
-                <a:solidFill>
-                  <a:schemeClr val="tx1">
-                    <a:lumMod val="65000"/>
-                    <a:lumOff val="35000"/>
-                  </a:schemeClr>
-                </a:solidFill>
-                <a:latin typeface="思源黑体" panose="020B0500000000000000" pitchFamily="34" charset="-122"/>
-                <a:ea typeface="思源黑体" panose="020B0500000000000000" pitchFamily="34" charset="-122"/>
-                <a:cs typeface="Times New Roman" panose="02020603050405020304" pitchFamily="18" charset="0"/>
-              </a:endParaRPr>
             </a:p>
             <a:p>
               <a:pPr>
@@ -25727,13 +24992,6 @@
                   </a:rPr>
                   <a:t>02</a:t>
                 </a:r>
-                <a:endParaRPr lang="en-US" altLang="zh-CN" sz="3600" dirty="0">
-                  <a:solidFill>
-                    <a:schemeClr val="bg1"/>
-                  </a:solidFill>
-                  <a:latin typeface="思源黑体" panose="020B0500000000000000" pitchFamily="34" charset="-122"/>
-                  <a:ea typeface="思源黑体" panose="020B0500000000000000" pitchFamily="34" charset="-122"/>
-                </a:endParaRPr>
               </a:p>
             </p:txBody>
           </p:sp>
@@ -25829,16 +25087,6 @@
                   </a:rPr>
                   <a:t>调用来增强网络通信效率。</a:t>
                 </a:r>
-                <a:endParaRPr lang="zh-CN" altLang="en-US" sz="1400" dirty="0">
-                  <a:solidFill>
-                    <a:schemeClr val="tx1">
-                      <a:lumMod val="65000"/>
-                      <a:lumOff val="35000"/>
-                    </a:schemeClr>
-                  </a:solidFill>
-                  <a:ea typeface="思源黑体" panose="020B0500000000000000" pitchFamily="34" charset="-122"/>
-                  <a:cs typeface="Times New Roman" panose="02020603050405020304" pitchFamily="18" charset="0"/>
-                </a:endParaRPr>
               </a:p>
             </p:txBody>
           </p:sp>
@@ -27505,13 +26753,6 @@
                   </a:rPr>
                   <a:t>03</a:t>
                 </a:r>
-                <a:endParaRPr lang="en-US" altLang="zh-CN" sz="3600" dirty="0">
-                  <a:solidFill>
-                    <a:schemeClr val="bg1"/>
-                  </a:solidFill>
-                  <a:latin typeface="思源黑体" panose="020B0500000000000000" pitchFamily="34" charset="-122"/>
-                  <a:ea typeface="思源黑体" panose="020B0500000000000000" pitchFamily="34" charset="-122"/>
-                </a:endParaRPr>
               </a:p>
             </p:txBody>
           </p:sp>
@@ -27668,17 +26909,6 @@
                   </a:rPr>
                   <a:t>框架提供高可用、高性能服务。</a:t>
                 </a:r>
-                <a:endParaRPr lang="zh-CN" altLang="en-US" sz="1400" dirty="0">
-                  <a:solidFill>
-                    <a:schemeClr val="tx1">
-                      <a:lumMod val="65000"/>
-                      <a:lumOff val="35000"/>
-                    </a:schemeClr>
-                  </a:solidFill>
-                  <a:latin typeface="思源黑体" panose="020B0500000000000000" pitchFamily="34" charset="-122"/>
-                  <a:ea typeface="思源黑体" panose="020B0500000000000000" pitchFamily="34" charset="-122"/>
-                  <a:cs typeface="Times New Roman" panose="02020603050405020304" pitchFamily="18" charset="0"/>
-                </a:endParaRPr>
               </a:p>
             </p:txBody>
           </p:sp>
@@ -28930,13 +28160,6 @@
               </a:rPr>
               <a:t>Overseas and Domestic Research Status</a:t>
             </a:r>
-            <a:endParaRPr lang="en-US" altLang="zh-CN" sz="1400" dirty="0">
-              <a:solidFill>
-                <a:srgbClr val="313D51"/>
-              </a:solidFill>
-              <a:cs typeface="+mn-ea"/>
-              <a:sym typeface="+mn-lt"/>
-            </a:endParaRPr>
           </a:p>
         </p:txBody>
       </p:sp>
@@ -28976,13 +28199,6 @@
               </a:rPr>
               <a:t>概念提出</a:t>
             </a:r>
-            <a:endParaRPr lang="zh-CN" altLang="en-US" sz="2000" b="1" dirty="0">
-              <a:solidFill>
-                <a:srgbClr val="244C89"/>
-              </a:solidFill>
-              <a:latin typeface="思源黑体" panose="020B0500000000000000" pitchFamily="34" charset="-122"/>
-              <a:ea typeface="思源黑体" panose="020B0500000000000000" pitchFamily="34" charset="-122"/>
-            </a:endParaRPr>
           </a:p>
         </p:txBody>
       </p:sp>
@@ -29022,13 +28238,6 @@
               </a:rPr>
               <a:t>应用场景</a:t>
             </a:r>
-            <a:endParaRPr lang="zh-CN" altLang="en-US" sz="2000" b="1" dirty="0">
-              <a:solidFill>
-                <a:srgbClr val="244C89"/>
-              </a:solidFill>
-              <a:latin typeface="思源黑体" panose="020B0500000000000000" pitchFamily="34" charset="-122"/>
-              <a:ea typeface="思源黑体" panose="020B0500000000000000" pitchFamily="34" charset="-122"/>
-            </a:endParaRPr>
           </a:p>
         </p:txBody>
       </p:sp>
@@ -29068,13 +28277,6 @@
               </a:rPr>
               <a:t>技术路线</a:t>
             </a:r>
-            <a:endParaRPr lang="zh-CN" altLang="en-US" sz="2000" b="1" dirty="0">
-              <a:solidFill>
-                <a:srgbClr val="244C89"/>
-              </a:solidFill>
-              <a:latin typeface="思源黑体" panose="020B0500000000000000" pitchFamily="34" charset="-122"/>
-              <a:ea typeface="思源黑体" panose="020B0500000000000000" pitchFamily="34" charset="-122"/>
-            </a:endParaRPr>
           </a:p>
         </p:txBody>
       </p:sp>
@@ -29624,7 +28826,7 @@
           <p:nvPr/>
         </p:nvPicPr>
         <p:blipFill>
-          <a:blip r:embed="rId1" cstate="print">
+          <a:blip r:embed="rId3" cstate="print">
             <a:extLst>
               <a:ext uri="{28A0092B-C50C-407E-A947-70E740481C1C}">
                 <a14:useLocalDpi xmlns:a14="http://schemas.microsoft.com/office/drawing/2010/main" val="0"/>
@@ -29829,13 +29031,6 @@
               </a:rPr>
               <a:t>研究内容与思路</a:t>
             </a:r>
-            <a:endParaRPr lang="zh-CN" altLang="en-US" sz="4400" b="1" dirty="0">
-              <a:solidFill>
-                <a:schemeClr val="bg1"/>
-              </a:solidFill>
-              <a:latin typeface="华文仿宋" panose="02010600040101010101" pitchFamily="2" charset="-122"/>
-              <a:ea typeface="华文仿宋" panose="02010600040101010101" pitchFamily="2" charset="-122"/>
-            </a:endParaRPr>
           </a:p>
         </p:txBody>
       </p:sp>
@@ -29914,13 +29109,6 @@
               </a:rPr>
               <a:t>研究内容</a:t>
             </a:r>
-            <a:endParaRPr lang="zh-CN" altLang="en-US" sz="1400" dirty="0">
-              <a:solidFill>
-                <a:schemeClr val="bg1"/>
-              </a:solidFill>
-              <a:latin typeface="方正清刻本悦宋简体" panose="02000000000000000000" pitchFamily="2" charset="-122"/>
-              <a:ea typeface="方正清刻本悦宋简体" panose="02000000000000000000" pitchFamily="2" charset="-122"/>
-            </a:endParaRPr>
           </a:p>
         </p:txBody>
       </p:sp>
@@ -29964,13 +29152,6 @@
               </a:rPr>
               <a:t>业务分析</a:t>
             </a:r>
-            <a:endParaRPr lang="zh-CN" altLang="en-US" sz="1400" dirty="0">
-              <a:solidFill>
-                <a:schemeClr val="bg1"/>
-              </a:solidFill>
-              <a:latin typeface="方正清刻本悦宋简体" panose="02000000000000000000" pitchFamily="2" charset="-122"/>
-              <a:ea typeface="方正清刻本悦宋简体" panose="02000000000000000000" pitchFamily="2" charset="-122"/>
-            </a:endParaRPr>
           </a:p>
         </p:txBody>
       </p:sp>
@@ -30014,13 +29195,6 @@
               </a:rPr>
               <a:t>解决方案</a:t>
             </a:r>
-            <a:endParaRPr lang="zh-CN" altLang="en-US" sz="1400" dirty="0">
-              <a:solidFill>
-                <a:schemeClr val="bg1"/>
-              </a:solidFill>
-              <a:latin typeface="方正清刻本悦宋简体" panose="02000000000000000000" pitchFamily="2" charset="-122"/>
-              <a:ea typeface="方正清刻本悦宋简体" panose="02000000000000000000" pitchFamily="2" charset="-122"/>
-            </a:endParaRPr>
           </a:p>
         </p:txBody>
       </p:sp>
@@ -30064,13 +29238,6 @@
               </a:rPr>
               <a:t>技术路线</a:t>
             </a:r>
-            <a:endParaRPr lang="zh-CN" altLang="en-US" sz="1400" dirty="0">
-              <a:solidFill>
-                <a:schemeClr val="bg1"/>
-              </a:solidFill>
-              <a:latin typeface="方正清刻本悦宋简体" panose="02000000000000000000" pitchFamily="2" charset="-122"/>
-              <a:ea typeface="方正清刻本悦宋简体" panose="02000000000000000000" pitchFamily="2" charset="-122"/>
-            </a:endParaRPr>
           </a:p>
         </p:txBody>
       </p:sp>
@@ -30805,7 +29972,6 @@
               <a:rPr lang="zh-CN" altLang="en-US" dirty="0"/>
               <a:t>研究内容</a:t>
             </a:r>
-            <a:endParaRPr lang="zh-CN" altLang="en-US" dirty="0"/>
           </a:p>
         </p:txBody>
       </p:sp>
@@ -30817,7 +29983,7 @@
         </p:nvSpPr>
         <p:spPr>
           <a:xfrm>
-            <a:off x="1575864" y="2197130"/>
+            <a:off x="1631428" y="2540643"/>
             <a:ext cx="2500715" cy="753668"/>
           </a:xfrm>
           <a:prstGeom prst="rect">
@@ -30858,7 +30024,33 @@
                 <a:latin typeface="思源黑体" panose="020B0500000000000000" pitchFamily="34" charset="-122"/>
                 <a:ea typeface="思源黑体" panose="020B0500000000000000" pitchFamily="34" charset="-122"/>
               </a:rPr>
-              <a:t>   调研并确定项目应采用的有关技术路线，提出基于微服务架构的秒杀系统设计方案</a:t>
+              <a:t>         </a:t>
+            </a:r>
+            <a:r>
+              <a:rPr lang="zh-CN" altLang="zh-CN" sz="1400" dirty="0">
+                <a:solidFill>
+                  <a:schemeClr val="tx1">
+                    <a:lumMod val="65000"/>
+                    <a:lumOff val="35000"/>
+                  </a:schemeClr>
+                </a:solidFill>
+                <a:latin typeface="思源黑体" panose="020B0500000000000000" pitchFamily="34" charset="-122"/>
+                <a:ea typeface="思源黑体" panose="020B0500000000000000" pitchFamily="34" charset="-122"/>
+              </a:rPr>
+              <a:t>服务调用的简化与可扩展性 </a:t>
+            </a:r>
+            <a:r>
+              <a:rPr lang="zh-CN" altLang="en-US" sz="1400" dirty="0">
+                <a:solidFill>
+                  <a:schemeClr val="tx1">
+                    <a:lumMod val="65000"/>
+                    <a:lumOff val="35000"/>
+                  </a:schemeClr>
+                </a:solidFill>
+                <a:latin typeface="思源黑体" panose="020B0500000000000000" pitchFamily="34" charset="-122"/>
+                <a:ea typeface="思源黑体" panose="020B0500000000000000" pitchFamily="34" charset="-122"/>
+              </a:rPr>
+              <a:t>：封装客户端调用服务端的逻辑全流程</a:t>
             </a:r>
             <a:endParaRPr lang="en-US" altLang="zh-CN" sz="1400" dirty="0">
               <a:solidFill>
@@ -30881,8 +30073,8 @@
         </p:nvSpPr>
         <p:spPr>
           <a:xfrm>
-            <a:off x="877674" y="4270451"/>
-            <a:ext cx="2537840" cy="1012200"/>
+            <a:off x="821775" y="4331215"/>
+            <a:ext cx="2854575" cy="753668"/>
           </a:xfrm>
           <a:prstGeom prst="rect">
             <a:avLst/>
@@ -30922,8 +30114,77 @@
                 <a:latin typeface="思源黑体" panose="020B0500000000000000" pitchFamily="34" charset="-122"/>
                 <a:ea typeface="思源黑体" panose="020B0500000000000000" pitchFamily="34" charset="-122"/>
               </a:rPr>
-              <a:t>  基于微服务架构，设计一个提供用户服务、商品服务、筛查服务、秒杀服务、订单服务和支付服务的秒杀系统服务端</a:t>
+              <a:t>       </a:t>
             </a:r>
+            <a:r>
+              <a:rPr lang="zh-CN" altLang="zh-CN" sz="1400" dirty="0">
+                <a:solidFill>
+                  <a:schemeClr val="tx1">
+                    <a:lumMod val="65000"/>
+                    <a:lumOff val="35000"/>
+                  </a:schemeClr>
+                </a:solidFill>
+                <a:latin typeface="思源黑体" panose="020B0500000000000000" pitchFamily="34" charset="-122"/>
+                <a:ea typeface="思源黑体" panose="020B0500000000000000" pitchFamily="34" charset="-122"/>
+              </a:rPr>
+              <a:t>协议设计与优化</a:t>
+            </a:r>
+            <a:r>
+              <a:rPr lang="zh-CN" altLang="en-US" sz="1400" dirty="0">
+                <a:solidFill>
+                  <a:schemeClr val="tx1">
+                    <a:lumMod val="65000"/>
+                    <a:lumOff val="35000"/>
+                  </a:schemeClr>
+                </a:solidFill>
+                <a:latin typeface="思源黑体" panose="020B0500000000000000" pitchFamily="34" charset="-122"/>
+                <a:ea typeface="思源黑体" panose="020B0500000000000000" pitchFamily="34" charset="-122"/>
+              </a:rPr>
+              <a:t>：解决</a:t>
+            </a:r>
+            <a:r>
+              <a:rPr lang="en-US" altLang="zh-CN" sz="1400" dirty="0">
+                <a:solidFill>
+                  <a:schemeClr val="tx1">
+                    <a:lumMod val="65000"/>
+                    <a:lumOff val="35000"/>
+                  </a:schemeClr>
+                </a:solidFill>
+                <a:latin typeface="思源黑体" panose="020B0500000000000000" pitchFamily="34" charset="-122"/>
+                <a:ea typeface="思源黑体" panose="020B0500000000000000" pitchFamily="34" charset="-122"/>
+              </a:rPr>
+              <a:t>TCP</a:t>
+            </a:r>
+            <a:r>
+              <a:rPr lang="zh-CN" altLang="en-US" sz="1400" dirty="0">
+                <a:solidFill>
+                  <a:schemeClr val="tx1">
+                    <a:lumMod val="65000"/>
+                    <a:lumOff val="35000"/>
+                  </a:schemeClr>
+                </a:solidFill>
+                <a:latin typeface="思源黑体" panose="020B0500000000000000" pitchFamily="34" charset="-122"/>
+                <a:ea typeface="思源黑体" panose="020B0500000000000000" pitchFamily="34" charset="-122"/>
+              </a:rPr>
+              <a:t>数据传输的拆包与粘包问题</a:t>
+            </a:r>
+            <a:endParaRPr lang="zh-CN" altLang="zh-CN" sz="1400" dirty="0">
+              <a:solidFill>
+                <a:schemeClr val="tx1">
+                  <a:lumMod val="65000"/>
+                  <a:lumOff val="35000"/>
+                </a:schemeClr>
+              </a:solidFill>
+              <a:latin typeface="思源黑体" panose="020B0500000000000000" pitchFamily="34" charset="-122"/>
+              <a:ea typeface="思源黑体" panose="020B0500000000000000" pitchFamily="34" charset="-122"/>
+            </a:endParaRPr>
+          </a:p>
+          <a:p>
+            <a:pPr algn="l">
+              <a:lnSpc>
+                <a:spcPct val="120000"/>
+              </a:lnSpc>
+            </a:pPr>
             <a:endParaRPr lang="en-US" altLang="zh-CN" sz="1400" dirty="0">
               <a:solidFill>
                 <a:schemeClr val="tx1">
@@ -30945,7 +30206,7 @@
         </p:nvSpPr>
         <p:spPr>
           <a:xfrm>
-            <a:off x="7679395" y="2197130"/>
+            <a:off x="7536160" y="2540643"/>
             <a:ext cx="2502573" cy="1012200"/>
           </a:xfrm>
           <a:prstGeom prst="rect">
@@ -30986,7 +30247,7 @@
                 <a:latin typeface="思源黑体" panose="020B0500000000000000" pitchFamily="34" charset="-122"/>
                 <a:ea typeface="思源黑体" panose="020B0500000000000000" pitchFamily="34" charset="-122"/>
               </a:rPr>
-              <a:t>    搭建必要环境进行开发，重点解决系统秒杀业务的一系列相关问题，包括商品超卖、链接暴露和恶意请求等</a:t>
+              <a:t>    服务注册与发现机制：实现自动的服务端注册机制与客户端服务发现机制，并利于负载均衡选择合理的机器进行调用</a:t>
             </a:r>
             <a:endParaRPr lang="en-US" altLang="zh-CN" sz="1400" dirty="0">
               <a:solidFill>
@@ -31009,8 +30270,8 @@
         </p:nvSpPr>
         <p:spPr>
           <a:xfrm>
-            <a:off x="8459740" y="4493436"/>
-            <a:ext cx="2436707" cy="753668"/>
+            <a:off x="8322115" y="4331215"/>
+            <a:ext cx="2801564" cy="753668"/>
           </a:xfrm>
           <a:prstGeom prst="rect">
             <a:avLst/>
@@ -31050,7 +30311,7 @@
                 <a:latin typeface="思源黑体" panose="020B0500000000000000" pitchFamily="34" charset="-122"/>
                 <a:ea typeface="思源黑体" panose="020B0500000000000000" pitchFamily="34" charset="-122"/>
               </a:rPr>
-              <a:t>    通过功能测试与非功能测试验证系统的表现是否达到预期，提供可交付的可执行程序</a:t>
+              <a:t>       日志错误监控：当调用数据流转过程出现错误时，通过健康检查机制和埋点快速定位错误。</a:t>
             </a:r>
             <a:endParaRPr lang="en-US" altLang="zh-CN" sz="1400" dirty="0">
               <a:solidFill>
@@ -34496,7 +33757,7 @@
             <p:nvPr/>
           </p:nvPicPr>
           <p:blipFill>
-            <a:blip r:embed="rId1">
+            <a:blip r:embed="rId4">
               <a:extLst>
                 <a:ext uri="{28A0092B-C50C-407E-A947-70E740481C1C}">
                   <a14:useLocalDpi xmlns:a14="http://schemas.microsoft.com/office/drawing/2010/main" val="0"/>
@@ -34524,7 +33785,7 @@
           <p:cNvSpPr txBox="1"/>
           <p:nvPr>
             <p:custDataLst>
-              <p:tags r:id="rId2"/>
+              <p:tags r:id="rId1"/>
             </p:custDataLst>
           </p:nvPr>
         </p:nvSpPr>
@@ -34559,13 +33820,6 @@
               </a:rPr>
               <a:t>The Main Research </a:t>
             </a:r>
-            <a:endParaRPr lang="en-US" altLang="zh-CN" sz="1400" dirty="0">
-              <a:solidFill>
-                <a:srgbClr val="313D51"/>
-              </a:solidFill>
-              <a:cs typeface="+mn-ea"/>
-              <a:sym typeface="+mn-lt"/>
-            </a:endParaRPr>
           </a:p>
         </p:txBody>
       </p:sp>
@@ -34818,80 +34072,9 @@
               <a:rPr lang="zh-CN" altLang="en-US" dirty="0"/>
               <a:t>业务分析</a:t>
             </a:r>
-            <a:endParaRPr lang="zh-CN" altLang="en-US" dirty="0"/>
           </a:p>
         </p:txBody>
       </p:sp>
-      <p:pic>
-        <p:nvPicPr>
-          <p:cNvPr id="2" name="图片 1"/>
-          <p:cNvPicPr>
-            <a:picLocks noChangeAspect="1"/>
-          </p:cNvPicPr>
-          <p:nvPr/>
-        </p:nvPicPr>
-        <p:blipFill>
-          <a:blip r:embed="rId1" cstate="print">
-            <a:extLst>
-              <a:ext uri="{28A0092B-C50C-407E-A947-70E740481C1C}">
-                <a14:useLocalDpi xmlns:a14="http://schemas.microsoft.com/office/drawing/2010/main" val="0"/>
-              </a:ext>
-            </a:extLst>
-          </a:blip>
-          <a:srcRect/>
-          <a:stretch>
-            <a:fillRect/>
-          </a:stretch>
-        </p:blipFill>
-        <p:spPr bwMode="auto">
-          <a:xfrm>
-            <a:off x="1406898" y="1586877"/>
-            <a:ext cx="3291354" cy="4500113"/>
-          </a:xfrm>
-          <a:prstGeom prst="rect">
-            <a:avLst/>
-          </a:prstGeom>
-          <a:noFill/>
-          <a:ln>
-            <a:noFill/>
-          </a:ln>
-        </p:spPr>
-      </p:pic>
-      <p:pic>
-        <p:nvPicPr>
-          <p:cNvPr id="3" name="图片 2"/>
-          <p:cNvPicPr>
-            <a:picLocks noChangeAspect="1"/>
-          </p:cNvPicPr>
-          <p:nvPr/>
-        </p:nvPicPr>
-        <p:blipFill>
-          <a:blip r:embed="rId2" cstate="print">
-            <a:extLst>
-              <a:ext uri="{28A0092B-C50C-407E-A947-70E740481C1C}">
-                <a14:useLocalDpi xmlns:a14="http://schemas.microsoft.com/office/drawing/2010/main" val="0"/>
-              </a:ext>
-            </a:extLst>
-          </a:blip>
-          <a:srcRect/>
-          <a:stretch>
-            <a:fillRect/>
-          </a:stretch>
-        </p:blipFill>
-        <p:spPr bwMode="auto">
-          <a:xfrm>
-            <a:off x="4951909" y="1586877"/>
-            <a:ext cx="3305983" cy="4500113"/>
-          </a:xfrm>
-          <a:prstGeom prst="rect">
-            <a:avLst/>
-          </a:prstGeom>
-          <a:noFill/>
-          <a:ln>
-            <a:noFill/>
-          </a:ln>
-        </p:spPr>
-      </p:pic>
       <p:sp>
         <p:nvSpPr>
           <p:cNvPr id="7" name="文本框 6"/>
@@ -34901,7 +34084,7 @@
         <p:spPr>
           <a:xfrm>
             <a:off x="8511549" y="1586877"/>
-            <a:ext cx="2850776" cy="3912866"/>
+            <a:ext cx="2850776" cy="3913635"/>
           </a:xfrm>
           <a:prstGeom prst="rect">
             <a:avLst/>
@@ -34921,43 +34104,7 @@
             </a:pPr>
             <a:r>
               <a:rPr lang="zh-CN" altLang="en-US" sz="1600" dirty="0"/>
-              <a:t>    首先，通过用例设计说明用户与系统各功能单元之间的关系。参与者包括管理员和客户，</a:t>
-            </a:r>
-            <a:endParaRPr lang="en-US" altLang="zh-CN" sz="1600" dirty="0"/>
-          </a:p>
-          <a:p>
-            <a:pPr>
-              <a:lnSpc>
-                <a:spcPct val="120000"/>
-              </a:lnSpc>
-            </a:pPr>
-            <a:r>
-              <a:rPr lang="zh-CN" altLang="en-US" sz="1600" dirty="0"/>
-              <a:t>左侧是两者对应的用例图：</a:t>
-            </a:r>
-            <a:endParaRPr lang="en-US" altLang="zh-CN" sz="1600" dirty="0"/>
-          </a:p>
-          <a:p>
-            <a:pPr>
-              <a:lnSpc>
-                <a:spcPct val="120000"/>
-              </a:lnSpc>
-            </a:pPr>
-            <a:endParaRPr lang="en-US" altLang="zh-CN" sz="1600" dirty="0"/>
-          </a:p>
-          <a:p>
-            <a:pPr>
-              <a:lnSpc>
-                <a:spcPct val="120000"/>
-              </a:lnSpc>
-            </a:pPr>
-            <a:r>
-              <a:rPr lang="en-US" altLang="zh-CN" sz="1600" dirty="0"/>
-              <a:t>    </a:t>
-            </a:r>
-            <a:r>
-              <a:rPr lang="zh-CN" altLang="en-US" sz="1600" dirty="0"/>
-              <a:t>管理员使用秒杀系统后台管理服务，包括用户管理、产品管理、活动管理、筛查管理、订单管理和资金管理。</a:t>
+              <a:t>    首先，通过用例说明不同服务端与客户端之间的调用关系，更有利于了解整个系统架构：</a:t>
             </a:r>
             <a:endParaRPr lang="en-US" altLang="zh-CN" sz="1600" dirty="0"/>
           </a:p>
@@ -34977,8 +34124,50 @@
             </a:pPr>
             <a:r>
               <a:rPr lang="zh-CN" altLang="en-US" sz="1600" dirty="0"/>
-              <a:t>    客户使用秒杀系统客户端消费服务，包括用户功能、商品功能、秒杀功能和订单功能。</a:t>
+              <a:t>    </a:t>
             </a:r>
+            <a:r>
+              <a:rPr lang="zh-CN" altLang="zh-CN" sz="1600" dirty="0"/>
+              <a:t>客户端用例包括 方法调用、请求重试、服务发现、负载均衡和日志监控。</a:t>
+            </a:r>
+          </a:p>
+          <a:p>
+            <a:pPr>
+              <a:lnSpc>
+                <a:spcPct val="120000"/>
+              </a:lnSpc>
+            </a:pPr>
+            <a:endParaRPr lang="en-US" altLang="zh-CN" sz="1600" dirty="0"/>
+          </a:p>
+          <a:p>
+            <a:pPr>
+              <a:lnSpc>
+                <a:spcPct val="120000"/>
+              </a:lnSpc>
+            </a:pPr>
+            <a:endParaRPr lang="en-US" altLang="zh-CN" sz="1600" dirty="0"/>
+          </a:p>
+          <a:p>
+            <a:pPr>
+              <a:lnSpc>
+                <a:spcPct val="120000"/>
+              </a:lnSpc>
+            </a:pPr>
+            <a:r>
+              <a:rPr lang="zh-CN" altLang="en-US" sz="1600" dirty="0"/>
+              <a:t>    </a:t>
+            </a:r>
+            <a:r>
+              <a:rPr lang="zh-CN" altLang="zh-CN" sz="1600" dirty="0"/>
+              <a:t>服务端用例包括服务发布、请求处理、并发处理和日志监控</a:t>
+            </a:r>
+          </a:p>
+          <a:p>
+            <a:pPr>
+              <a:lnSpc>
+                <a:spcPct val="120000"/>
+              </a:lnSpc>
+            </a:pPr>
             <a:endParaRPr lang="zh-CN" altLang="en-US" sz="1600" dirty="0"/>
           </a:p>
         </p:txBody>
@@ -34989,7 +34178,7 @@
           <p:cNvSpPr txBox="1"/>
           <p:nvPr>
             <p:custDataLst>
-              <p:tags r:id="rId3"/>
+              <p:tags r:id="rId1"/>
             </p:custDataLst>
           </p:nvPr>
         </p:nvSpPr>
@@ -35024,16 +34213,77 @@
               </a:rPr>
               <a:t>Business Analysis</a:t>
             </a:r>
-            <a:endParaRPr lang="en-US" altLang="zh-CN" sz="1400" dirty="0">
-              <a:solidFill>
-                <a:srgbClr val="313D51"/>
-              </a:solidFill>
-              <a:cs typeface="+mn-ea"/>
-              <a:sym typeface="+mn-lt"/>
-            </a:endParaRPr>
           </a:p>
         </p:txBody>
       </p:sp>
+      <p:pic>
+        <p:nvPicPr>
+          <p:cNvPr id="5" name="图片 4">
+            <a:extLst>
+              <a:ext uri="{FF2B5EF4-FFF2-40B4-BE49-F238E27FC236}">
+                <a16:creationId xmlns:a16="http://schemas.microsoft.com/office/drawing/2014/main" id="{6E44D989-981D-3968-510B-C8B3E3F7C3C6}"/>
+              </a:ext>
+            </a:extLst>
+          </p:cNvPr>
+          <p:cNvPicPr>
+            <a:picLocks noChangeAspect="1"/>
+          </p:cNvPicPr>
+          <p:nvPr/>
+        </p:nvPicPr>
+        <p:blipFill>
+          <a:blip r:embed="rId4"/>
+          <a:stretch>
+            <a:fillRect/>
+          </a:stretch>
+        </p:blipFill>
+        <p:spPr>
+          <a:xfrm>
+            <a:off x="1007678" y="2073089"/>
+            <a:ext cx="3438816" cy="3297771"/>
+          </a:xfrm>
+          <a:prstGeom prst="rect">
+            <a:avLst/>
+          </a:prstGeom>
+          <a:noFill/>
+          <a:ln>
+            <a:noFill/>
+          </a:ln>
+        </p:spPr>
+      </p:pic>
+      <p:pic>
+        <p:nvPicPr>
+          <p:cNvPr id="6" name="图片 5">
+            <a:extLst>
+              <a:ext uri="{FF2B5EF4-FFF2-40B4-BE49-F238E27FC236}">
+                <a16:creationId xmlns:a16="http://schemas.microsoft.com/office/drawing/2014/main" id="{0C7D90CE-E05D-88DC-0F2B-A16ABF760FB0}"/>
+              </a:ext>
+            </a:extLst>
+          </p:cNvPr>
+          <p:cNvPicPr>
+            <a:picLocks noChangeAspect="1"/>
+          </p:cNvPicPr>
+          <p:nvPr/>
+        </p:nvPicPr>
+        <p:blipFill>
+          <a:blip r:embed="rId5"/>
+          <a:stretch>
+            <a:fillRect/>
+          </a:stretch>
+        </p:blipFill>
+        <p:spPr>
+          <a:xfrm>
+            <a:off x="4446494" y="2116484"/>
+            <a:ext cx="3781290" cy="3383259"/>
+          </a:xfrm>
+          <a:prstGeom prst="rect">
+            <a:avLst/>
+          </a:prstGeom>
+          <a:noFill/>
+          <a:ln>
+            <a:noFill/>
+          </a:ln>
+        </p:spPr>
+      </p:pic>
     </p:spTree>
   </p:cSld>
   <p:clrMapOvr>
@@ -35046,55 +34296,7 @@
 </file>
 
 <file path=ppt/tags/tag1.xml><?xml version="1.0" encoding="utf-8"?>
-<p:tagLst xmlns:p="http://schemas.openxmlformats.org/presentationml/2006/main">
-  <p:tag name="PA" val="v3.0.1"/>
-</p:tagLst>
-</file>
-
-<file path=ppt/tags/tag10.xml><?xml version="1.0" encoding="utf-8"?>
-<p:tagLst xmlns:p="http://schemas.openxmlformats.org/presentationml/2006/main">
-  <p:tag name="PA" val="v3.2.0"/>
-</p:tagLst>
-</file>
-
-<file path=ppt/tags/tag11.xml><?xml version="1.0" encoding="utf-8"?>
-<p:tagLst xmlns:p="http://schemas.openxmlformats.org/presentationml/2006/main">
-  <p:tag name="PA" val="v3.2.0"/>
-</p:tagLst>
-</file>
-
-<file path=ppt/tags/tag12.xml><?xml version="1.0" encoding="utf-8"?>
-<p:tagLst xmlns:p="http://schemas.openxmlformats.org/presentationml/2006/main">
-  <p:tag name="PA" val="v3.2.0"/>
-</p:tagLst>
-</file>
-
-<file path=ppt/tags/tag13.xml><?xml version="1.0" encoding="utf-8"?>
-<p:tagLst xmlns:p="http://schemas.openxmlformats.org/presentationml/2006/main">
-  <p:tag name="PA" val="v3.2.0"/>
-</p:tagLst>
-</file>
-
-<file path=ppt/tags/tag14.xml><?xml version="1.0" encoding="utf-8"?>
-<p:tagLst xmlns:p="http://schemas.openxmlformats.org/presentationml/2006/main">
-  <p:tag name="PA" val="v3.2.0"/>
-</p:tagLst>
-</file>
-
-<file path=ppt/tags/tag15.xml><?xml version="1.0" encoding="utf-8"?>
-<p:tagLst xmlns:p="http://schemas.openxmlformats.org/presentationml/2006/main">
-  <p:tag name="PA" val="v3.0.1"/>
-</p:tagLst>
-</file>
-
-<file path=ppt/tags/tag16.xml><?xml version="1.0" encoding="utf-8"?>
-<p:tagLst xmlns:p="http://schemas.openxmlformats.org/presentationml/2006/main">
-  <p:tag name="PA" val="v3.0.1"/>
-</p:tagLst>
-</file>
-
-<file path=ppt/tags/tag17.xml><?xml version="1.0" encoding="utf-8"?>
-<p:tagLst xmlns:p="http://schemas.openxmlformats.org/presentationml/2006/main">
+<p:tagLst xmlns:a="http://schemas.openxmlformats.org/drawingml/2006/main" xmlns:r="http://schemas.openxmlformats.org/officeDocument/2006/relationships" xmlns:p="http://schemas.openxmlformats.org/presentationml/2006/main">
   <p:tag name="ISPRING_ULTRA_SCORM_COURSE_ID" val="7A251DB4-07BE-47B3-8E91-FE7746FF9ADF"/>
   <p:tag name="ISPRING_SCORM_RATE_SLIDES" val="1"/>
   <p:tag name="ISPRING_SCORM_PASSING_SCORE" val="100.0000000000"/>
@@ -35106,54 +34308,102 @@
   <p:tag name="ISPRING_PRESENTATION_TITLE" val="毕业论文答辩PPT-13"/>
   <p:tag name="ISPRING_PLAYERS_CUSTOMIZATION" val="UEsDBBQAAgAIAEOUV0cNwDEewAEAANoDAAAPAAAAbm9uZS9wbGF5ZXIueG1spZJPb9QwEMXPW6nfIfK9dpYKUa0cekDKiaJKC4jbyptME1PHDp4Ju/vtmfzZpFuQQOKQaPIy72fPs/X9sXHJT4hog8/EWqYiAV+E0voqE18+5zd34v799ZVunTlBTGyZCR88iKQELKJtiX2PhupMvBAkQ0XCL4+bI9pM1ETtRqnD4SAPtzLESr1J07X69vBxW9TQmBvrkYwvmLvs5VYkbbQhWjpl4l0qrq9WA/ICZ5F7fIXBdf3KKIvQqDYCgieIatz2bN3Q3838NMErOrWAgkdfDbPvTfH8EMrOAfbaSo9tWyDqCYO20rSx6zufYCwyMTbsGkA0FaB0vhJq9Ko/mPWTM1hPHLzA9ty22zuLNYsjfejeLerubBmyVxNHXYJ0M0wwnGLeOZeDoS5CKZIIPzrLVd5jv85HkK7FuJzn7h0+Wy/xULDGVW4KCvH0gR18JFOUco5ejtHLwdTbh+ITF49TnNsFMgezhKBratzbf86j7/6fOEp4Mp0jcV7B+hKOueW/BA2PQsAz9pqk1sl+tTOVd9ftmxdX40Iadzdl8R1FQiZWwNewNGTUos8w9Zqm1fg5JTTHotXv91JPRC5/AVBLAwQUAAIACACBerJKWn+5mToEAADhDgAAHQAAAHVuaXZlcnNhbC9jb21tb25fbWVzc2FnZXMubG5nrVf/bts2EP6/QN+BEFBgA7a0HdCiGBIHtMTYQmTJleg42Q8IjMTYRCgxkyi32V99mj7YnmRHym7spoOkdIBtmLTvu9Pdd9+Rx6cfC4k2vKqFKk+c10evHMTLTOWiXJ04C3r28zsH1ZqVOZOq5CdOqRx0Onr+7FiyctWwFYfvz58hdFzwuoZlPTKrhzUS+YkzH6duNJvj8CoNokmUjv2JM3JVccfKexSolfqj+uGXt+8+vn7z9sfjl1vLPkDJDAfBIRSySG9e9QAKaRwFKaCRIA3JJXVG5nOYXbSggR8SZ7T9Msx6HpMLZ2Q+O+0WcUxCmiaB75HUT9IwojYXAaHEc0ZXqkFrtuFIK7QR/APSaw6V1KLiqJYitz9kCjbKhnc586IZ9sM0JgmNfZf6UeiMElVV9z9ZWNbotarAXY1yUbNryXPrEzhjf7+reA2umQZOIXjptYB/qoKJ8qjTdYyXfjhJaRQFSUpCb7fjjEiZI69ixs1AlBgnJAaAitW8eoJtallmzRGWchjC1J9MA3hTE8JUrNYS3npoHHMCNZjzsssKOEJiYFeSLKPYM0kDV4ihO1bXH1SVH/Bjv1BdwH7oRkBBl+6BU4OxA4YaC1COquKZ7gKbkSTBE5KOo0sgMvRdNMQiOod2Ox9icUUSaBGSdNmE+MKfYEN402I7/u/6K2OGzvIesSwDO5O+jVBNDTsmpdAFttPqYV4S8n4BVfNx8I0ubgEhsbZeK7HhEEKVd7MHNMUlnuHP+4X/W3qG/YB4KRDKi5YptWJnnDGQh1JpxKRU5gHAL8s3rMw4uuYZa4Dw9/C3XOT2b6bYNpK/GvE3YnorLS+2qhR65PLF0cDQDoTscYRFU0N4WvPiTne53gv/KVEYYv9nCH0efaD/pG3WsQ8dMBaqvwUBeTaCBIoq+1v54Rk4mrc9D6LglzcDfIbRFiBU6KkYF5CqgxAuIIUD7JdknPgUhu2SX9dCd84xW9m2QN8uagYHB8k1fyjsNb9R0BOSs007zkDWbKU7C7o3LQ+0h/o0gJBDAFy1IxEgpSgg/rwH5mJGdhloJePgSZaqkbltUSlurWxAbpuCP57DN5Uq7K5k9Y68rWqdfk8U7cPFrdP5gHmSEBy709TFoUvMEc40jexpBFw0MQU0SQM8NuZAyoLpbA1aeaOaMu8J1J7CPHKGAWyb0oSzKlv/8+lzT4yvIml30Xb310Eg0GFGiMgXsN9DpXn9ZxcIxeNDO7voY7U9te7seh5iqQ90+F9Oh6zV9EIVsHXU7RfYti0aphS70xkQMrH8U02VdY/efYQZjs9BVOz5yhnNWHULikSVkoNQbKoNAfUw7w8Xh0ZLUfIhtt+n6eaBqT9PsefZWxQ0nxTZbTu8cjgrZtvrlITrVF8wd4pDELyv8Hgu9EBAOyN28gKN3q4f2nzzeGR8WdX2Mnr8cu9u+i9QSwMEFAACAAgAgXqySgn+cEwJAwAAtQoAACcAAAB1bml2ZXJzYWwvZmxhc2hfcHVibGlzaGluZ19zZXR0aW5ncy54bWzVVt1SGjEUvucpMul4KYsWq2UWnI7A1FGBEdrqlRM2BzZjNtlusiBe9Wn6YH2SnmwEYbTOqnWm5QZyfr7znZ8cEh7eJJLMIDNCqybdqdYoARVpLtS0Sb+MutsHlBjLFGdSK2hSpSk5bFXCNB9LYeIhWIumhiCMMo3UNmlsbdoIgvl8XhUmzZxWy9wivqlGOgnSDAwoC1mQSrbAL7tIwdBWpUJI6EVnmucSiOBIQQnHjsmuZCamgTcbs+h6mulc8SMtdUay6bhJ39WKz9LGQ7VFAsolZ1oodGLbYJwLx4fJobgFEoOYxkh8v07JXHAbN+lu3aGgdfAQpcD2OTCHcqQxGWXv4BOwjDPL/NHHs3BjzVLgRXyhWCKiEWqIy79J26Orz5eDzvnpce/katTvn46OB55E4RNs4oTBZqAQCek8i2AVJ2TWsihG3ugzYdJAGKyLlmYTrTbIuTMZa4m1L7xwHpIx8B5LYK0bw2uhumi5Q8kEE5GLJv2UCSYpEZZJEa2cTT42Vtii/911S4JYOGdAzob0PryvThSzzMA6raXGuJpHrW86l5wsdE6kuAZiNcH88wR/xUDWm0MmmU4KKY6PJUYKjDgTMAd+WNT0DvBPgS4xRJKjJ05uKsH6CN9zcUvGMNEZ4gKb4YyjXBiPX30WcMqMuQdlS45bw9PjdufquNfuXGy5BBmfMRU9ExwbDklq3wKfYe5KYwgpNVZzDQIrE7HcQNEfLnhhVibN0rFjNiua7hpZgGK7BfLxmKiIcDSFyqEsYMQU0UouCIvwChk3QjOhc4MSPywe2ryIoHclQhVUp3iDMFjGISuDVtvZfV/f+7B/8LFRDX79+Ln9pNPdWhlI5qL5vXL05GJZLZeHdy4M3C54fDXYLP83N8PgvPO1TF17nYtRqW52hqXg+mWs+idlrM79KhusrbFSFHAPTf3Sw00kRSIs8L85Yi8Yk1f9g/gZe5sxecOcX3M1/puU/Wn1GNl4fYTBo88jp0mEEgkWwm3E1ZuqtVev4XvmUVWlgmibT81W5TdQSwMEFAACAAgAgXqyStqYtsO1AgAAVQoAACEAAAB1bml2ZXJzYWwvZmxhc2hfc2tpbl9zZXR0aW5ncy54bWyVVm1P4zAM/n6/Ytp9p/cKOqlMggESEnegA/E9bb02WppMiTtu//6cNKVJt25lEdLy+Hkcx7E9UrPmcvFpNktzJZR+BkQuS2ORDpvx4nKeNYhKnuVKIkg8k0rXTMwXn6/v7EoTxzylUlvQpPniPic0K5ZDf8yF+0yR+DN+Xtg1JshVvWFy96BKdZaxfF1q1ciCZHfuMyardhvQgsu1vcSvi+Xt6AGCG7xHqKOYvt/ZNU2y0WAM2JDOb+06qRIsAzEtwwNNf9Tx2w9kW244OtnVV7vGZBtWQpzk49HRw5D3DwsQ/iFRv53bNUoVbAf6Q87Vptl8SKBVaRMaa44/4rtGKFZQ+5Hg5otdJwX2Qvagk6/g0/Pjxq6A5L+GfZ/adtVKPNm8DgaCffRMwAJ1A2nS7VqbqdTbY4PUH7BYMWGIEEI96YmCfmKN6dzEWM/7C29cFqEvj/SUVyWaGpZtwIG7GO/5y+W1mxWh03csiFDD1oNBiD3YM/9QXveYAdgznwUv4FGK3X4EQ1Mr6h75mvnnPJ5/soJktC28tdt1VnvSg21dE4TqgY5TqwIWxobzwmuw75YmDmtDSvZiSiXb8pIhV/K35WU7dxmTJgODr7XDlZUiRwGHCs7FSGM6TJfbx/XorXFBtj8L/eXa/Qxpil/OGSLLq5p+lsx85nXUJpSYeXJYYeck0UHfy5UKNO7sMVHN9Br0i1Ji6jFSIZip7lXbXGP0NAlykCaHs5x6J4fSL5s6A31Lr8bBdFmOwZZY8bIS9IevHN6gGChGrK0UK/InGX+vywDwRQBM51VXte2mtdSNQC5gC13zB4C78tjdUkNVOlZwV/gAKwxLziOTatLPir5W4hkS4Af4rxRW5HhgmVD2yDLjbhZ1fjeG+1iiwdyNM1t84SRze19LkWOy72eQQPvv5H9QSwMEFAACAAgAgXqySnjWJgneAgAAxgkAACYAAAB1bml2ZXJzYWwvaHRtbF9wdWJsaXNoaW5nX3NldHRpbmdzLnhtbM1WwU4bMRC95yssVxzJAqWFRpugigSBoCQiaQsnNFk7WQuvvbW9CeHUr+mH9Us6XpOQCBotCKrmkux45s17M+PZxAe3mSQTbqzQqkm361uUcJVoJtS4Sb8Ojjb3KbEOFAOpFW9SpSk5aNXivBhKYdM+dw5dLUEYZRu5a9LUubwRRdPptC5sbvyploVDfFtPdBblhluuHDdRLmGGX26Wc0tbtRohcTB90ayQnAiGFJTw7EAeu0zSKHgNIbkZG10odqilNsSMh036bqv8zH0CUltkXHlttoVGb3YNYEx4OiD74o6TlItxirz3dimZCubSJt3Z9SjoHT1GKbGDBPAohxq1KHcPn3EHDByEx5DP8Vtn54ZgYjMFmUgGeEK8/CZtD66Pr3qdi7OT89PrQbd7NjjpBRJlTLSKE0eriWIkpAuT8EWeGJyDJEXeGDMCaXkcLZvmbiOtVsj5ZzLUEktfRlEyQqZy1qSfjQBJiXAgRbI4dWDG3B0JiRp87HZ9pBx9AAx6kxSM5cuJ5ifWVzFpfdeFZGSmCyLFDSdOE1RUZPgr5WS53GRkdFZaJVhHrBSMk4ngU84OyirdA/4t0RWmyAqMxFHMJXchw49C3JEhH2mDuBwmOLRoFzbg158FnIO1D6Aw57jRPztpd65Pztudyw0vENgEVPJMcGwhz3L3FviA2pXGFFJqrOYSBFYmgcLysj9MsNKtiszKuVOYlE33jSxBsd0C+QRMPEhwtIQqeFXABBTRSs4IJHgprB+hidCFRUsYlgBtX0QwhBKhSqpjXFCYzDBuqqBtbe+83/3wcW//U6Me/f75a3Nt0P2i6Enw2cKmOFy7Khbr4vGdiyN/Q5++7M4U/+qu9y4636pU6rxzOajUn06/Ely3ilf3tIrXRVhOvaXFVIkCbpZxWGO4W6TIhOPsNYfmBY1fv+XDWLxS499Qxdrx/X9FhKfFS33lLR5HT/7NqKF99b9Xq/YHUEsDBBQAAgAIAIF6skrb73U9lgEAAB8GAAAfAAAAdW5pdmVyc2FsL2h0bWxfc2tpbl9zZXR0aW5ncy5qc42Uy27CMBBF93xF5G4rRF+gdtcWkCqxqFR2VRdOGEKEY0e2k0IR/97Y4WE7kxbPBt8c3xkP8ux6Ub1IQqKnaGd/2/27v7caGE3LEq59nXXoudGJYtkC5lkOLONAAqQ6Hj3J+zOBGRNuTePth7FVjh8R5suSMuXiBWIhEU1hhysE/Ea0DXb45yT2nHs1d3IaHZdaC95PBNfAdZ8LmVPLkKuXqQn3igEsKpANOrALQZc0Ac90ZFcXeXZ8GJlwuUTkBeXbmUhFP6bJOpWi5IuGntrl0qttAbL+y9eHAh9HrxPPjmVKv2nIw8R3UxPdZCFBKTjkHU5MoDCjMbA/WxSgnnH7QgFdZSrTR/r5xoRLFzSFVpfaJdQNrb0u5TRsdEPcDk14BKNbkJdYiaIsLuGkSE1HWmi75yeUCbrIeNpw44EJlDPFGtuu7p0vej82QbwnJIIntMKeX941O0JQIaD2xtIxrwryzjA7hokcySEQDZtWFT5HdDhHzP4zIlRrmqzyejzUw7FuA5VrkHMhWF391391hrl6+19QSwMEFAACAAgAgXqyShra6juqAAAAHwEAABoAAAB1bml2ZXJzYWwvaTE4bl9wcmVzZXRzLnhtbJ2PMQ/CIBCFd34FuV2wW9MA3UzcHHQ2FVFJ6NFw1PrzhdQYZ4dL7l3e915O9a8x8KdL5CNqaMQWuEMbrx7vGk7H3aYFTnnA6xAiOg0YgfeGKd+0eEiOXCZeIpA0PHKeOimXZRGeplQSKIY5l2ASNo6yzBhRVlJOKwor2/m/6M8NDGOcq8vsQ96jKXtRq4VTshoqc3YoPN4iyGpQ8uuuys6US0URSv48ZtgbUEsDBBQAAgAIAIF6skqw7V1XbgAAAHYAAAAcAAAAdW5pdmVyc2FsL2xvY2FsX3NldHRpbmdzLnhtbA3MPQ7CMAxA4b2nsLyXn42haTc2EBLlAFZjUCTHRomF4PZ4e8OnNy3fKvDh1otpwuPugMC6WS76SvhYz+MJoTtpJjHlhGoIyzxMYhvJnd0DdngL/bitXCOcr1RD3hp3ViePM4xwieezcMb9PPwBUEsDBBQAAgAIAIOZ9UTOggk37AIAAIgIAAAUAAAAdW5pdmVyc2FsL3BsYXllci54bWytVU1v2zAMPafA/oOhe62kXdc0kFt0BYod1qFA1m23QLUZW4tteZJcN/31o/xtz+lWYAcDNsX3SPGRNLt6TmLnCZQWMvXIwp0TB1JfBiINPfLw9fZ4Sa4u3x2xLOZ7UI4IPJKnwgJ4TJwAtK9EZhB8z03kkZ7BRWbiZEpIJcweuc+Qu4u0JO+OZuiSao9ExmQrSouicIVGRBpqGeeWRLu+TGimQENqQNEqDeI02JX5OxqfRKbU7DPQPWRm3h64Jmk5nrUYkBSnrlQhPZnPF/TH3ee1H0HCj0WqDU99IA5WclaW8pH7uzsZ5DFoa5uxKsk1GGOTKG0zZlZisUwdrXyPVA6bBLTmIWg3TkNCKyydALNtzHVU8+gBreXVO1Hzln4b+71p3ErlaOec5Y+x0BEe9SGddRLI6DAqS8rrlh300HTQrWUijoJfuVAQlJ/f2haZL0gVsO24Mk9XFz4e4Nst941U+xuEYRfVCrqtaG4lmluCWg63jb7uKEhz2y1wkytoSjVjTyIA+YUrxW1bXBqVA6MjY42lQzCj1ZVrkTpBWGSS+OwftLF+I2l+6teUKQH/Q5hPSNTWRKQBPN8K9DGQYE0NYLGtzTVZ7NqYXU46f0x6fT0wVTnWouBFHMNVCDiGATecdnZ6CAqKa3TxczXC9g4OgiMRRjE+ZpJhfHqQJuFqN8nQOzgIjqW/m4C25raMdFzHUTO1HcToxDphfq6NTMRL2Z6DPWNWZR++NnLN0XUm2oPz+R+jOIjRDOaWTKwu+9bbV83hvZ1TozufTVZZBt2K8wAmzyqvZhbybOQTwJbnsbnp59Tswx50lPPUdExzfcd+l8VavIBTiMD+6RantiYR2J7xyIflaY8B9cTtMghfmqYiMlpLUql5SDmGtXkSUFSYalY+ouqhknkajLRxs+7noGPcVdcKuBPDFjNdnGDzycwj7/GlvsvF2UV3lfPFRYMt87qvAle5vGFV1wl3nUHrfm0vwuqZx9ffUEsDBBQAAgAIAIF6skoXqeFBbwEAAPsCAAApAAAAdW5pdmVyc2FsL3NraW5fY3VzdG9taXphdGlvbl9zZXR0aW5ncy54bWyNUttq3DAQfc9XiPzAShrdDO6Cbi5+SUKykGd3rRbTRC6WQkvRx1dOsmy22dBqnmbOmTPM6LTp+xTtU8rz4/R7yNMc70LOU/yWthcItfv5YV5ulpBCTptj5X6K4/yzj1/ntVarKQ9xHJbRrmjaYtQ9P6SkVk7VjBlGkWSeeoWc57ZiDbgGbMUcJbbd/CXxoruEfYj5vGq7OUHfN/QxhSX3cQy/tnDKfgudbvB5Gcap8tJWsDXKYWpxbA3ECJfcF6oBQCDLHXG4SNlITZDHjGMoRlGggAjnpBGFSMqhZl0jqgrzjUBMMkZdoZ7WbqS1cdQWCQ0huk7zqrGl64zEGBFCgLnCBXQGo8qGqqFBrQcEBwZE0UYTBaiznelY8c4Ly5GiXmBcmDGA8fG4x+3enutY/e91Duf8h+DZLziLrt7anDFXu39alkrehccfD0MO6MuQQj9+ury59Xf+aqd3/fXV5as3n318YK6GrZt/6O8/UEsDBBQAAgAIAIJ6skqlSRcUvw0AAAIjAAAXAAAAdW5pdmVyc2FsL3VuaXZlcnNhbC5wbmftWmlYkunef8xOTqXZOpYZtGrnVC6hmaZQWdmmdaaZadxtXEkRFdeRpXKmTlPKlBXu2BkdZzIhRTEXoEVlTFyOTjAIirlAiqCGgsj2Pth0vrzX+/X9xIfn5rqX333/+W+//31d9+2L/r5Wq2xXAQBgdeb0iS8AYLkfAJgnf7YCHCFtdOOBP2aYL3yPA5RuuwmwszzmmN8xAKghrtZe+RvYX5l4OgADAGteGz8zNvrXSADYSTpz4tiXGaGyQdad+HQde3b78bU7Pru63GXlzpqze9LWLXv0m/afIevWH3N+2OAa+/jfOWU5J/fvvxG+bu2s75XHZTk5X2mttZeUGpyT6IKXasytmXYkXcE4QmX/YNGcWeoBw3Rz4sUt6dHK3+50sdJFONVIPS+0OWP84WVH7/k/LoFSATFxXUejIQcx92Qs1U17ayj87j5zcLguX/37YrqHa6ZG1jC60gwcGeAUjyXHfiAbtA6lRmDZ2/GWyCFa3ufLjMubikktM69WJ+0AO0erDEWksR+Mi8a/XQ62sTa7jMPNm5f2afsMbHsdT4HttTSXJfSddcYNQ+4aITITxAQxQUwQE8QEMUFMEBPEBDFBTBATxAQxQUwQE8QEMUFMkP93SEZFJRm/ODJOCmNmzAy/bNuKbkmaZUzjpm/DeHEUUXBPIxN5BFz5nub9ix87T9UWbJgddyKoT7EZmIGAmGpyt4aZLyWw2ToXyBwH1hPshV1wDuU7vA0WNQ4hs4zI2SlaD7yGpUW02am66RWoocJ+YUPEYgQH9R1HKTp+14KxOFk1uwo+If6uUubx1jIid9vv2MlL5KaFmVsILVN/j4gdGxmFGhYqiLipiOmg7sEC5NiACqp77wsNoDNCKIWB3Si6v+qxNe79vagqaFYzpInoldv5XJ5C1o45TCd7ZmUOERWbrob6rQBe+HXVCDzWnH9Exc9XJTU3iF2RgxjnBtm2lvCd7dly6YmrlPSB0kuclxIJwqDuNP9PHXYaRlZzNAPCsn4JgMMqaWSGtgmxLT1CqbM8F00mLPaT8ejEg9m3U4PuSsgE/fCLOG4RlSYvTjhQpGmz3BnNX8Q3J9yX7yKOHqR4DsZLiw1CUow6jcGOkkvS1bSIbs0a/OFlQOIpsQ2KytJ/h4Vn+vfR0RWp3R3CdqKa9MQF8oDyB+4eXUIXb8esCZVI7b7/pT++yyzds6zk8ufx1l9KWnI9EP7uGtyRa/kWXMuzYo0u/MqKSExQlwqTyEyguaUEVBZpXntmkHe0Kr/aQdYIJSPDUR4p0EZZFOfQ02kqKJaiCSF62zuWnfHDQAij0BK4pnCmXvTv2dXjN6CsrutuLBB4ojQH2jIuNh1XnRwoFQTmVUXcssP0MrxnvFv3+cEPY4qm0M1bHDk8nXMcM4y6rOBlu20gZ+ZKSfRTzWvL3UqqbYGBOUn3/niqCoNgyFPiMmpRRIHF7Kr65gy3LQAguQKX7vS+5eWL1DT0eUqic60go5Ki1k+HXqo2/7MuPg6fx9L5EQ5aTErfWgoZKYLqxx34a86iaQvriBJ8gKTAnzB4caQXN/ZH52FlCi+EdamcPRpymmQFHG1QnxzxIOR2hA5YBCFLMK7o/jMCwmqjfjlG/X4pBQ4dEAxA6xK6rn/Y7+6sDq8QyA2Y2PvdhM2Fdk4hhwBgsFudfSGvzpoOindV/zR5wMJ94+ixiR+FNsgs//o14f21UUPJSe9dYc4FPfdPk6NeDhY2/Blv8ZWgx7WAOXQDRicja90qw9DoLVLFqV+qFYGUxfN5VfJdlaHtNZUwVzNgWNgy13duNnPU45zmyr5qTHcodrbtOTRhe3t238PnOQTtKJR4OI3/9z5l8WT+4w7LE9yYsqmu6wuLQHcUwblzMF/n9To7VcBB1azYBXuQL4i6GRj3rP7mXkWqlQ1dylHH31oH+/VPCg0aHB+SDm3siuLoPtjzxs9sLdQu8li5uifklRO1ZsB7154sxL96uFl95biah1yPGOI7J1Q7aIj1DUlvw8eeRFWeFmCe8NW8QUDTcGq/FOWR5TBUJnwxJc3UdH7jc78+fsWmOH5LU8S8zOIl5fobz0ElPcg8d0Ix/+R6q1D+G1EQ2l4ssW21w4RQbIXF//CGWKtfWuMTZzUig344wvBJjJQ3ZJvSsGGZbsSGlYFWE/FzP/s+Ysxzg2wQGn6PIx6MvtAs+CiJpR3PkriI0LwtmFBaPFNOCnGQ3QH9NlXcxDmUIGjKpW1TiIxfx36yzl2EVo3mK0rgbDNBqjKB5vRoA0K0G1Twpuc5souRhLUpb2svlcvM5KHfedkrsmeoBF0cdooKum/M8aZ4AFjkxASUS+6wA3t8Vdzh8NKGX8ZHS9KHGpVYMel7GtZbVXL9ZWCMduICoWkqbnvSBiQhviKVQqOo0hJdsu+iglgL56PVlg/EGr64ngE7WkBXstNKGI0tHl2okhm1PeiPjtpDyiPDfxq1bC5kzGUEK4mqat0EPSwvhQ8AKZnyRskIpq0oX1IsPYrnPIsUcHsjs7YjzHNBPTiRcFZHlBKaSiDSKz+4Ci4ncZr6oxNrvWU1fXD+WWlwDKUnXxYk6+2NPHCB60kbhB0O8PlZlxgrE1UpB1Ec3C5ZXpwx5oYF+duepU79VxWOGraGG1jKtF+yzIfD+sBuL4kQ+ox6mcBRIWMPDuE1sk7mipUTWDq3yoluft+t7Axa4HFqwAEMNilnPoB7SBQde5CLD64UTb9OuuyT14guxyXnbLY+a4PdSjOn54ak/Vjn/WLwHJEdZcgQBXb283Ybgy6kT9FaVCgpxiQiLKYjrHzED9fRsFkXERa6CEJhKrwj7eKz0JJauHWU1SYlmu/x9acDC1Al0kMCd6qlh6srX2AN55bFxoc11qaCJ99Tdrh967U35D3qaUmdXfPURmTWtWYShNipn2XWP6qknjHaualcctu9vpQor7Z2CbGYjxt2ic53JsfU4qo6JjEzrHrcpg5bOoc3zy3O1LwJxF9Cko12hvGQFNWAnN/t45MnS8vlU2SZKNEjWGdD5+c+eQa3I+HSJbtiHqrv7AEt1OA0hFV0+WJHt4qeL7Q6wNfxzIacvCEk3Sgu7sCFTwYfzXH/y+CCy4VPX76oXTPJ23eKC1xBbM9PG7xuUJp/wQvCKAlXxPZ/Gbl5mxTzjZglkQ64S1kN0j2wxIL+6uv9SkXwo3oCVNUbKd+KJAfvAr3+b6L2qWvVEaSSnaieHbDN6i40HtMrfIYprHOc+fV/+Z4ajMTN5H1DrV6SlslrOITrFinKTcMqxXBAKTbtuzVUm/y07gKYH3n8BLby4c5Re5+8zB+6PKmyZ7EMN2Rj1eMOoXsfvPHUXYuK1cwcvlkQ2/EImNzHzoUtfmH3YDdmIAXyglDBjqi1n5uoYek1n1KBYvhl9gJ29htFseKJudLVNQBdvSXuJ2dRZYNkqieL8SpyKqw6+dLHWAOLl6wSHnkVRPO4I20racuPHH0BzoUblM9N63mBLFE9vwNK4dCnP3zcKAUrpz6b9PH/D7XI7K18KR9AHShGiGC2bWMZdGh5gUgnT7cxNo2veExl/cI3jbfnMrwi8UcpHamB+Lc93xt1M5e5OFHpBIFjN5NhkIg1XKptKGdtuD/NsNodtjyfefPvCt0OwXz0v54t2u4Vfj0A/eilA9PEzKLuufl/3Atg0q+g/WGaSKaItS2mpEd54EycodTzaKCY6ay6XYfIXQtSzSphe9reWsRnTVeNJDDVFZM/dWsnQSMQOerVPYTQwmlVJ+FDHjlYu8BG5FqMe6n7yq75VrDf+IEs+JV4D0Hhc/BA81+JzNNbJcTMeow2ntN8C3KNfIlrnHI3Lh0DMpoSr1eQEQfXqhVkg5aZPYUU9GsnL7OatNg83cRzaN9P/935I79SSWF4DzjaKwaJAK3Qza+iMm1Vr62MyWS9kcAZMufI8uypGsQgj6Wfz/AsxSJPv/i5L2Lcvm901rG8cwVQJpBSWRDykdKqTxwb2L0S3RlgjNV7GqOB8Jvvr6ll61Nu2qsu264HHXTJFC2rl3xECZagxXNqe5XfR4afB2vPdlyij5HifwcpPgZtUBarLfN0x5R6jF+LtwR/zmcZ5CFkn/vsMe2Fq467jOmGExNYLvlJshdl+DpQYscA6ThJg95h5N9GJ1DjFdY3dEaWGjJTYllhcOhyjW6aYLhnniQnuu4e/udETfIGBfzVXD62GPI6a5MZcDgC2orpczj2sY7K5LBXuEBSwsK4KVPox2C9qFZZnaQoqtE46QjIIbctxrz4+nkqoW2HmWG+ZBrrAP86YYQStt5D4k2657gVAB5ZWENaJXmSb+Gvd6FU3GL76ixH8SF/Ae7GZusman9j0flCcfUh5OH7HGR/JkAsVG0YajOUi72g/UvCYCR6tT3bTlWq2Jcgf0/6DZQFOh3ZwE8KU7+5PPJTZKa0usHxAi3MGrxEOPC0r2R2Fg5siKpUOhxLn8jFF9iOPpRPurenv3sgOk54tzrseYaiy13k7lzQsJ8jyOjzBCt+L76830XmkvCdUMDUuW/8v64oCU4tM8dDjTeTi5PJoR8G4qhtS+8rqh0le6aZmoTgpbXgVPIsy2AMqgvG2d5o8W7FdHLsQQN+4TW0fcOyTw87VEO9kXrdO2vCc+NbkJGzxsWSq+IdMBv1NOvOHYPZH+cFpe/cowTGiTMn/U9Qjoff+B9QSwMEFAACAAgAgnqyStIooFJKAAAAawAAABsAAAB1bml2ZXJzYWwvdW5pdmVyc2FsLnBuZy54bWyzsa/IzVEoSy0qzszPs1Uy1DNQsrfj5bIpKEoty0wtV6gAihnpGUCAkkIlKrc8M6UkAyhkYG6OEMxIzUzPKLFVsjCwgAvqA80EAFBLAQIAABQAAgAIAEOUV0cNwDEewAEAANoDAAAPAAAAAAAAAAEAAAAAAAAAAABub25lL3BsYXllci54bWxQSwECAAAUAAIACACBerJKWn+5mToEAADhDgAAHQAAAAAAAAABAAAAAADtAQAAdW5pdmVyc2FsL2NvbW1vbl9tZXNzYWdlcy5sbmdQSwECAAAUAAIACACBerJKCf5wTAkDAAC1CgAAJwAAAAAAAAABAAAAAABiBgAAdW5pdmVyc2FsL2ZsYXNoX3B1Ymxpc2hpbmdfc2V0dGluZ3MueG1sUEsBAgAAFAACAAgAgXqyStqYtsO1AgAAVQoAACEAAAAAAAAAAQAAAAAAsAkAAHVuaXZlcnNhbC9mbGFzaF9za2luX3NldHRpbmdzLnhtbFBLAQIAABQAAgAIAIF6skp41iYJ3gIAAMYJAAAmAAAAAAAAAAEAAAAAAKQMAAB1bml2ZXJzYWwvaHRtbF9wdWJsaXNoaW5nX3NldHRpbmdzLnhtbFBLAQIAABQAAgAIAIF6skrb73U9lgEAAB8GAAAfAAAAAAAAAAEAAAAAAMYPAAB1bml2ZXJzYWwvaHRtbF9za2luX3NldHRpbmdzLmpzUEsBAgAAFAACAAgAgXqyShra6juqAAAAHwEAABoAAAAAAAAAAQAAAAAAmREAAHVuaXZlcnNhbC9pMThuX3ByZXNldHMueG1sUEsBAgAAFAACAAgAgXqySrDtXVduAAAAdgAAABwAAAAAAAAAAQAAAAAAexIAAHVuaXZlcnNhbC9sb2NhbF9zZXR0aW5ncy54bWxQSwECAAAUAAIACACDmfVEzoIJN+wCAACICAAAFAAAAAAAAAABAAAAAAAjEwAAdW5pdmVyc2FsL3BsYXllci54bWxQSwECAAAUAAIACACBerJKF6nhQW8BAAD7AgAAKQAAAAAAAAABAAAAAABBFgAAdW5pdmVyc2FsL3NraW5fY3VzdG9taXphdGlvbl9zZXR0aW5ncy54bWxQSwECAAAUAAIACACCerJKpUkXFL8NAAACIwAAFwAAAAAAAAAAAAAAAAD3FwAAdW5pdmVyc2FsL3VuaXZlcnNhbC5wbmdQSwECAAAUAAIACACCerJK0iigUkoAAABrAAAAGwAAAAAAAAABAAAAAADrJQAAdW5pdmVyc2FsL3VuaXZlcnNhbC5wbmcueG1sUEsFBgAAAAAMAAwAhgMAAG4mAAAAAA=="/>
   <p:tag name="ISPRING_SCORM_ENDPOINT" val="&lt;endpoint&gt;&lt;enable&gt;0&lt;/enable&gt;&lt;lrs&gt;http://&lt;/lrs&gt;&lt;auth&gt;0&lt;/auth&gt;&lt;login&gt;&lt;/login&gt;&lt;password&gt;&lt;/password&gt;&lt;key&gt;&lt;/key&gt;&lt;name&gt;&lt;/name&gt;&lt;email&gt;&lt;/email&gt;&lt;/endpoint&gt;&#10;"/>
-  <p:tag name="commondata" val="eyJoZGlkIjoiMmY0YzdjZTE3NzI3N2VkZmUwODhkNGI4NjQ1YjFiNGYifQ=="/>
+  <p:tag name="COMMONDATA" val="eyJoZGlkIjoiMmY0YzdjZTE3NzI3N2VkZmUwODhkNGI4NjQ1YjFiNGYifQ=="/>
+</p:tagLst>
+</file>
+
+<file path=ppt/tags/tag10.xml><?xml version="1.0" encoding="utf-8"?>
+<p:tagLst xmlns:a="http://schemas.openxmlformats.org/drawingml/2006/main" xmlns:r="http://schemas.openxmlformats.org/officeDocument/2006/relationships" xmlns:p="http://schemas.openxmlformats.org/presentationml/2006/main">
+  <p:tag name="PA" val="v3.2.0"/>
+</p:tagLst>
+</file>
+
+<file path=ppt/tags/tag11.xml><?xml version="1.0" encoding="utf-8"?>
+<p:tagLst xmlns:a="http://schemas.openxmlformats.org/drawingml/2006/main" xmlns:r="http://schemas.openxmlformats.org/officeDocument/2006/relationships" xmlns:p="http://schemas.openxmlformats.org/presentationml/2006/main">
+  <p:tag name="PA" val="v3.2.0"/>
+</p:tagLst>
+</file>
+
+<file path=ppt/tags/tag12.xml><?xml version="1.0" encoding="utf-8"?>
+<p:tagLst xmlns:a="http://schemas.openxmlformats.org/drawingml/2006/main" xmlns:r="http://schemas.openxmlformats.org/officeDocument/2006/relationships" xmlns:p="http://schemas.openxmlformats.org/presentationml/2006/main">
+  <p:tag name="PA" val="v3.2.0"/>
+</p:tagLst>
+</file>
+
+<file path=ppt/tags/tag13.xml><?xml version="1.0" encoding="utf-8"?>
+<p:tagLst xmlns:a="http://schemas.openxmlformats.org/drawingml/2006/main" xmlns:r="http://schemas.openxmlformats.org/officeDocument/2006/relationships" xmlns:p="http://schemas.openxmlformats.org/presentationml/2006/main">
+  <p:tag name="PA" val="v3.2.0"/>
+</p:tagLst>
+</file>
+
+<file path=ppt/tags/tag14.xml><?xml version="1.0" encoding="utf-8"?>
+<p:tagLst xmlns:a="http://schemas.openxmlformats.org/drawingml/2006/main" xmlns:r="http://schemas.openxmlformats.org/officeDocument/2006/relationships" xmlns:p="http://schemas.openxmlformats.org/presentationml/2006/main">
+  <p:tag name="PA" val="v3.2.0"/>
+</p:tagLst>
+</file>
+
+<file path=ppt/tags/tag15.xml><?xml version="1.0" encoding="utf-8"?>
+<p:tagLst xmlns:a="http://schemas.openxmlformats.org/drawingml/2006/main" xmlns:r="http://schemas.openxmlformats.org/officeDocument/2006/relationships" xmlns:p="http://schemas.openxmlformats.org/presentationml/2006/main">
+  <p:tag name="PA" val="v3.2.0"/>
+</p:tagLst>
+</file>
+
+<file path=ppt/tags/tag16.xml><?xml version="1.0" encoding="utf-8"?>
+<p:tagLst xmlns:a="http://schemas.openxmlformats.org/drawingml/2006/main" xmlns:r="http://schemas.openxmlformats.org/officeDocument/2006/relationships" xmlns:p="http://schemas.openxmlformats.org/presentationml/2006/main">
+  <p:tag name="PA" val="v3.0.1"/>
+</p:tagLst>
+</file>
+
+<file path=ppt/tags/tag17.xml><?xml version="1.0" encoding="utf-8"?>
+<p:tagLst xmlns:a="http://schemas.openxmlformats.org/drawingml/2006/main" xmlns:r="http://schemas.openxmlformats.org/officeDocument/2006/relationships" xmlns:p="http://schemas.openxmlformats.org/presentationml/2006/main">
+  <p:tag name="PA" val="v3.0.1"/>
 </p:tagLst>
 </file>
 
 <file path=ppt/tags/tag2.xml><?xml version="1.0" encoding="utf-8"?>
-<p:tagLst xmlns:p="http://schemas.openxmlformats.org/presentationml/2006/main">
+<p:tagLst xmlns:a="http://schemas.openxmlformats.org/drawingml/2006/main" xmlns:r="http://schemas.openxmlformats.org/officeDocument/2006/relationships" xmlns:p="http://schemas.openxmlformats.org/presentationml/2006/main">
   <p:tag name="PA" val="v3.0.1"/>
 </p:tagLst>
 </file>
 
 <file path=ppt/tags/tag3.xml><?xml version="1.0" encoding="utf-8"?>
-<p:tagLst xmlns:p="http://schemas.openxmlformats.org/presentationml/2006/main">
-  <p:tag name="PA" val="v3.2.0"/>
+<p:tagLst xmlns:a="http://schemas.openxmlformats.org/drawingml/2006/main" xmlns:r="http://schemas.openxmlformats.org/officeDocument/2006/relationships" xmlns:p="http://schemas.openxmlformats.org/presentationml/2006/main">
+  <p:tag name="PA" val="v3.0.1"/>
 </p:tagLst>
 </file>
 
 <file path=ppt/tags/tag4.xml><?xml version="1.0" encoding="utf-8"?>
-<p:tagLst xmlns:p="http://schemas.openxmlformats.org/presentationml/2006/main">
+<p:tagLst xmlns:a="http://schemas.openxmlformats.org/drawingml/2006/main" xmlns:r="http://schemas.openxmlformats.org/officeDocument/2006/relationships" xmlns:p="http://schemas.openxmlformats.org/presentationml/2006/main">
   <p:tag name="PA" val="v3.2.0"/>
 </p:tagLst>
 </file>
 
 <file path=ppt/tags/tag5.xml><?xml version="1.0" encoding="utf-8"?>
-<p:tagLst xmlns:p="http://schemas.openxmlformats.org/presentationml/2006/main">
+<p:tagLst xmlns:a="http://schemas.openxmlformats.org/drawingml/2006/main" xmlns:r="http://schemas.openxmlformats.org/officeDocument/2006/relationships" xmlns:p="http://schemas.openxmlformats.org/presentationml/2006/main">
   <p:tag name="PA" val="v3.2.0"/>
 </p:tagLst>
 </file>
 
 <file path=ppt/tags/tag6.xml><?xml version="1.0" encoding="utf-8"?>
-<p:tagLst xmlns:p="http://schemas.openxmlformats.org/presentationml/2006/main">
+<p:tagLst xmlns:a="http://schemas.openxmlformats.org/drawingml/2006/main" xmlns:r="http://schemas.openxmlformats.org/officeDocument/2006/relationships" xmlns:p="http://schemas.openxmlformats.org/presentationml/2006/main">
   <p:tag name="PA" val="v3.2.0"/>
 </p:tagLst>
 </file>
 
 <file path=ppt/tags/tag7.xml><?xml version="1.0" encoding="utf-8"?>
-<p:tagLst xmlns:p="http://schemas.openxmlformats.org/presentationml/2006/main">
+<p:tagLst xmlns:a="http://schemas.openxmlformats.org/drawingml/2006/main" xmlns:r="http://schemas.openxmlformats.org/officeDocument/2006/relationships" xmlns:p="http://schemas.openxmlformats.org/presentationml/2006/main">
   <p:tag name="PA" val="v3.2.0"/>
 </p:tagLst>
 </file>
 
 <file path=ppt/tags/tag8.xml><?xml version="1.0" encoding="utf-8"?>
-<p:tagLst xmlns:p="http://schemas.openxmlformats.org/presentationml/2006/main">
+<p:tagLst xmlns:a="http://schemas.openxmlformats.org/drawingml/2006/main" xmlns:r="http://schemas.openxmlformats.org/officeDocument/2006/relationships" xmlns:p="http://schemas.openxmlformats.org/presentationml/2006/main">
   <p:tag name="PA" val="v3.2.0"/>
 </p:tagLst>
 </file>
 
 <file path=ppt/tags/tag9.xml><?xml version="1.0" encoding="utf-8"?>
-<p:tagLst xmlns:p="http://schemas.openxmlformats.org/presentationml/2006/main">
+<p:tagLst xmlns:a="http://schemas.openxmlformats.org/drawingml/2006/main" xmlns:r="http://schemas.openxmlformats.org/officeDocument/2006/relationships" xmlns:p="http://schemas.openxmlformats.org/presentationml/2006/main">
   <p:tag name="PA" val="v3.2.0"/>
 </p:tagLst>
 </file>
@@ -35380,6 +34630,7 @@
       </a:style>
     </a:spDef>
   </a:objectDefaults>
+  <a:extraClrSchemeLst/>
   <a:extLst>
     <a:ext uri="{05A4C25C-085E-4340-85A3-A5531E510DB2}">
       <thm15:themeFamily xmlns:thm15="http://schemas.microsoft.com/office/thememl/2012/main" name="Office Theme" id="{62F939B6-93AF-4DB8-9C6B-D6C7DFDC589F}" vid="{4A3C46E8-61CC-4603-A589-7422A47A8E4A}"/>
@@ -35639,6 +34890,8 @@
       </a:bgFillStyleLst>
     </a:fmtScheme>
   </a:themeElements>
+  <a:objectDefaults/>
+  <a:extraClrSchemeLst/>
   <a:extLst>
     <a:ext uri="{05A4C25C-085E-4340-85A3-A5531E510DB2}">
       <thm15:themeFamily xmlns:thm15="http://schemas.microsoft.com/office/thememl/2012/main" name="Office Theme" id="{62F939B6-93AF-4DB8-9C6B-D6C7DFDC589F}" vid="{4A3C46E8-61CC-4603-A589-7422A47A8E4A}"/>
